--- a/Results/battery scaling results.pptx
+++ b/Results/battery scaling results.pptx
@@ -6,6 +6,7 @@
   </p:sldMasterIdLst>
   <p:sldIdLst>
     <p:sldId id="256" r:id="rId2"/>
+    <p:sldId id="257" r:id="rId3"/>
   </p:sldIdLst>
   <p:sldSz cx="12192000" cy="6858000"/>
   <p:notesSz cx="6858000" cy="9144000"/>
@@ -104,13 +105,18 @@
       </a:defRPr>
     </a:lvl9pPr>
   </p:defaultTextStyle>
+  <p:extLst>
+    <p:ext uri="{EFAFB233-063F-42B5-8137-9DF3F51BA10A}">
+      <p15:sldGuideLst xmlns:p15="http://schemas.microsoft.com/office/powerpoint/2012/main"/>
+    </p:ext>
+  </p:extLst>
 </p:presentation>
 </file>
 
 <file path=ppt/charts/chart1.xml><?xml version="1.0" encoding="utf-8"?>
 <c:chartSpace xmlns:c="http://schemas.openxmlformats.org/drawingml/2006/chart" xmlns:a="http://schemas.openxmlformats.org/drawingml/2006/main" xmlns:r="http://schemas.openxmlformats.org/officeDocument/2006/relationships" xmlns:c16r2="http://schemas.microsoft.com/office/drawing/2015/06/chart">
   <c:date1904 val="0"/>
-  <c:lang val="en-US"/>
+  <c:lang val="fr-FR"/>
   <c:roundedCorners val="0"/>
   <mc:AlternateContent xmlns:mc="http://schemas.openxmlformats.org/markup-compatibility/2006">
     <mc:Choice xmlns:c14="http://schemas.microsoft.com/office/drawing/2007/8/2/chart" Requires="c14">
@@ -516,6 +522,7 @@
               </a:p>
             </c:rich>
           </c:tx>
+          <c:layout/>
           <c:overlay val="0"/>
           <c:spPr>
             <a:noFill/>
@@ -584,6 +591,7 @@
     </c:plotArea>
     <c:plotVisOnly val="1"/>
     <c:dispBlanksAs val="gap"/>
+    <c:showDLblsOverMax val="0"/>
     <c:extLst>
       <c:ext xmlns:c16r3="http://schemas.microsoft.com/office/drawing/2017/03/chart" uri="{56B9EC1D-385E-4148-901F-78D8002777C0}">
         <c16r3:dataDisplayOptions16>
@@ -591,7 +599,1568 @@
         </c16r3:dataDisplayOptions16>
       </c:ext>
     </c:extLst>
+  </c:chart>
+  <c:spPr>
+    <a:noFill/>
+    <a:ln w="9525" cap="flat" cmpd="sng" algn="ctr">
+      <a:noFill/>
+      <a:round/>
+    </a:ln>
+    <a:effectLst/>
+  </c:spPr>
+  <c:txPr>
+    <a:bodyPr/>
+    <a:lstStyle/>
+    <a:p>
+      <a:pPr>
+        <a:defRPr>
+          <a:solidFill>
+            <a:sysClr val="windowText" lastClr="000000"/>
+          </a:solidFill>
+          <a:latin typeface="Arial" panose="020B0604020202020204" pitchFamily="34" charset="0"/>
+          <a:cs typeface="Arial" panose="020B0604020202020204" pitchFamily="34" charset="0"/>
+        </a:defRPr>
+      </a:pPr>
+      <a:endParaRPr lang="en-US"/>
+    </a:p>
+  </c:txPr>
+  <c:externalData r:id="rId4">
+    <c:autoUpdate val="0"/>
+  </c:externalData>
+</c:chartSpace>
+</file>
+
+<file path=ppt/charts/chart2.xml><?xml version="1.0" encoding="utf-8"?>
+<c:chartSpace xmlns:c="http://schemas.openxmlformats.org/drawingml/2006/chart" xmlns:a="http://schemas.openxmlformats.org/drawingml/2006/main" xmlns:r="http://schemas.openxmlformats.org/officeDocument/2006/relationships" xmlns:c16r2="http://schemas.microsoft.com/office/drawing/2015/06/chart">
+  <c:date1904 val="0"/>
+  <c:lang val="fr-FR"/>
+  <c:roundedCorners val="0"/>
+  <mc:AlternateContent xmlns:mc="http://schemas.openxmlformats.org/markup-compatibility/2006">
+    <mc:Choice xmlns:c14="http://schemas.microsoft.com/office/drawing/2007/8/2/chart" Requires="c14">
+      <c14:style val="102"/>
+    </mc:Choice>
+    <mc:Fallback>
+      <c:style val="2"/>
+    </mc:Fallback>
+  </mc:AlternateContent>
+  <c:clrMapOvr bg1="lt1" tx1="dk1" bg2="lt2" tx2="dk2" accent1="accent1" accent2="accent2" accent3="accent3" accent4="accent4" accent5="accent5" accent6="accent6" hlink="hlink" folHlink="folHlink"/>
+  <c:chart>
+    <c:autoTitleDeleted val="1"/>
+    <c:plotArea>
+      <c:layout/>
+      <c:barChart>
+        <c:barDir val="col"/>
+        <c:grouping val="clustered"/>
+        <c:varyColors val="0"/>
+        <c:ser>
+          <c:idx val="0"/>
+          <c:order val="0"/>
+          <c:tx>
+            <c:strRef>
+              <c:f>'[battery_scaling results.xlsx]Sheet2'!$B$2:$B$10</c:f>
+              <c:strCache>
+                <c:ptCount val="9"/>
+                <c:pt idx="0">
+                  <c:v>LFP</c:v>
+                </c:pt>
+                <c:pt idx="1">
+                  <c:v>NMC-622</c:v>
+                </c:pt>
+                <c:pt idx="2">
+                  <c:v>NMC-811</c:v>
+                </c:pt>
+                <c:pt idx="3">
+                  <c:v>NCA</c:v>
+                </c:pt>
+                <c:pt idx="4">
+                  <c:v>LFP</c:v>
+                </c:pt>
+                <c:pt idx="5">
+                  <c:v>NMC-622</c:v>
+                </c:pt>
+                <c:pt idx="6">
+                  <c:v>NMC811</c:v>
+                </c:pt>
+                <c:pt idx="7">
+                  <c:v>NCA</c:v>
+                </c:pt>
+                <c:pt idx="8">
+                  <c:v>PLIB</c:v>
+                </c:pt>
+              </c:strCache>
+            </c:strRef>
+          </c:tx>
+          <c:spPr>
+            <a:solidFill>
+              <a:schemeClr val="accent2"/>
+            </a:solidFill>
+            <a:ln>
+              <a:noFill/>
+            </a:ln>
+            <a:effectLst/>
+          </c:spPr>
+          <c:invertIfNegative val="0"/>
+          <c:dPt>
+            <c:idx val="0"/>
+            <c:invertIfNegative val="0"/>
+            <c:bubble3D val="0"/>
+            <c:spPr>
+              <a:solidFill>
+                <a:srgbClr val="92D050"/>
+              </a:solidFill>
+              <a:ln>
+                <a:noFill/>
+              </a:ln>
+              <a:effectLst/>
+            </c:spPr>
+            <c:extLst>
+              <c:ext xmlns:c16="http://schemas.microsoft.com/office/drawing/2014/chart" uri="{C3380CC4-5D6E-409C-BE32-E72D297353CC}">
+                <c16:uniqueId val="{00000001-6E5A-4584-ACE1-3DD77242DD19}"/>
+              </c:ext>
+            </c:extLst>
+          </c:dPt>
+          <c:dPt>
+            <c:idx val="1"/>
+            <c:invertIfNegative val="0"/>
+            <c:bubble3D val="0"/>
+            <c:spPr>
+              <a:solidFill>
+                <a:srgbClr val="92D050"/>
+              </a:solidFill>
+              <a:ln>
+                <a:noFill/>
+              </a:ln>
+              <a:effectLst/>
+            </c:spPr>
+            <c:extLst>
+              <c:ext xmlns:c16="http://schemas.microsoft.com/office/drawing/2014/chart" uri="{C3380CC4-5D6E-409C-BE32-E72D297353CC}">
+                <c16:uniqueId val="{00000003-6E5A-4584-ACE1-3DD77242DD19}"/>
+              </c:ext>
+            </c:extLst>
+          </c:dPt>
+          <c:dPt>
+            <c:idx val="2"/>
+            <c:invertIfNegative val="0"/>
+            <c:bubble3D val="0"/>
+            <c:spPr>
+              <a:solidFill>
+                <a:srgbClr val="0070C0"/>
+              </a:solidFill>
+              <a:ln>
+                <a:noFill/>
+              </a:ln>
+              <a:effectLst/>
+            </c:spPr>
+            <c:extLst>
+              <c:ext xmlns:c16="http://schemas.microsoft.com/office/drawing/2014/chart" uri="{C3380CC4-5D6E-409C-BE32-E72D297353CC}">
+                <c16:uniqueId val="{00000005-6E5A-4584-ACE1-3DD77242DD19}"/>
+              </c:ext>
+            </c:extLst>
+          </c:dPt>
+          <c:dPt>
+            <c:idx val="3"/>
+            <c:invertIfNegative val="0"/>
+            <c:bubble3D val="0"/>
+            <c:spPr>
+              <a:solidFill>
+                <a:srgbClr val="0070C0"/>
+              </a:solidFill>
+              <a:ln>
+                <a:noFill/>
+              </a:ln>
+              <a:effectLst/>
+            </c:spPr>
+            <c:extLst>
+              <c:ext xmlns:c16="http://schemas.microsoft.com/office/drawing/2014/chart" uri="{C3380CC4-5D6E-409C-BE32-E72D297353CC}">
+                <c16:uniqueId val="{00000007-6E5A-4584-ACE1-3DD77242DD19}"/>
+              </c:ext>
+            </c:extLst>
+          </c:dPt>
+          <c:dPt>
+            <c:idx val="4"/>
+            <c:invertIfNegative val="0"/>
+            <c:bubble3D val="0"/>
+            <c:spPr>
+              <a:solidFill>
+                <a:srgbClr val="00B0F0"/>
+              </a:solidFill>
+              <a:ln>
+                <a:noFill/>
+              </a:ln>
+              <a:effectLst/>
+            </c:spPr>
+            <c:extLst>
+              <c:ext xmlns:c16="http://schemas.microsoft.com/office/drawing/2014/chart" uri="{C3380CC4-5D6E-409C-BE32-E72D297353CC}">
+                <c16:uniqueId val="{00000009-6E5A-4584-ACE1-3DD77242DD19}"/>
+              </c:ext>
+            </c:extLst>
+          </c:dPt>
+          <c:dPt>
+            <c:idx val="5"/>
+            <c:invertIfNegative val="0"/>
+            <c:bubble3D val="0"/>
+            <c:spPr>
+              <a:solidFill>
+                <a:srgbClr val="00B0F0"/>
+              </a:solidFill>
+              <a:ln>
+                <a:noFill/>
+              </a:ln>
+              <a:effectLst/>
+            </c:spPr>
+            <c:extLst>
+              <c:ext xmlns:c16="http://schemas.microsoft.com/office/drawing/2014/chart" uri="{C3380CC4-5D6E-409C-BE32-E72D297353CC}">
+                <c16:uniqueId val="{0000000B-6E5A-4584-ACE1-3DD77242DD19}"/>
+              </c:ext>
+            </c:extLst>
+          </c:dPt>
+          <c:dPt>
+            <c:idx val="6"/>
+            <c:invertIfNegative val="0"/>
+            <c:bubble3D val="0"/>
+            <c:spPr>
+              <a:solidFill>
+                <a:srgbClr val="7030A0"/>
+              </a:solidFill>
+              <a:ln>
+                <a:noFill/>
+              </a:ln>
+              <a:effectLst/>
+            </c:spPr>
+            <c:extLst>
+              <c:ext xmlns:c16="http://schemas.microsoft.com/office/drawing/2014/chart" uri="{C3380CC4-5D6E-409C-BE32-E72D297353CC}">
+                <c16:uniqueId val="{0000000D-6E5A-4584-ACE1-3DD77242DD19}"/>
+              </c:ext>
+            </c:extLst>
+          </c:dPt>
+          <c:dPt>
+            <c:idx val="7"/>
+            <c:invertIfNegative val="0"/>
+            <c:bubble3D val="0"/>
+            <c:spPr>
+              <a:solidFill>
+                <a:srgbClr val="7030A0"/>
+              </a:solidFill>
+              <a:ln>
+                <a:noFill/>
+              </a:ln>
+              <a:effectLst/>
+            </c:spPr>
+            <c:extLst>
+              <c:ext xmlns:c16="http://schemas.microsoft.com/office/drawing/2014/chart" uri="{C3380CC4-5D6E-409C-BE32-E72D297353CC}">
+                <c16:uniqueId val="{0000000F-6E5A-4584-ACE1-3DD77242DD19}"/>
+              </c:ext>
+            </c:extLst>
+          </c:dPt>
+          <c:dPt>
+            <c:idx val="8"/>
+            <c:invertIfNegative val="0"/>
+            <c:bubble3D val="0"/>
+            <c:spPr>
+              <a:solidFill>
+                <a:srgbClr val="FFFF00"/>
+              </a:solidFill>
+              <a:ln>
+                <a:noFill/>
+              </a:ln>
+              <a:effectLst/>
+            </c:spPr>
+            <c:extLst>
+              <c:ext xmlns:c16="http://schemas.microsoft.com/office/drawing/2014/chart" uri="{C3380CC4-5D6E-409C-BE32-E72D297353CC}">
+                <c16:uniqueId val="{00000011-6E5A-4584-ACE1-3DD77242DD19}"/>
+              </c:ext>
+            </c:extLst>
+          </c:dPt>
+          <c:cat>
+            <c:strRef>
+              <c:f>'[battery_scaling results.xlsx]Sheet2'!$B$2:$B$10</c:f>
+              <c:strCache>
+                <c:ptCount val="9"/>
+                <c:pt idx="0">
+                  <c:v>LFP</c:v>
+                </c:pt>
+                <c:pt idx="1">
+                  <c:v>NMC-622</c:v>
+                </c:pt>
+                <c:pt idx="2">
+                  <c:v>NMC-811</c:v>
+                </c:pt>
+                <c:pt idx="3">
+                  <c:v>NCA</c:v>
+                </c:pt>
+                <c:pt idx="4">
+                  <c:v>LFP</c:v>
+                </c:pt>
+                <c:pt idx="5">
+                  <c:v>NMC-622</c:v>
+                </c:pt>
+                <c:pt idx="6">
+                  <c:v>NMC811</c:v>
+                </c:pt>
+                <c:pt idx="7">
+                  <c:v>NCA</c:v>
+                </c:pt>
+                <c:pt idx="8">
+                  <c:v>PLIB</c:v>
+                </c:pt>
+              </c:strCache>
+            </c:strRef>
+          </c:cat>
+          <c:val>
+            <c:numRef>
+              <c:f>'[battery_scaling results.xlsx]Sheet2'!$J$2:$J$10</c:f>
+              <c:numCache>
+                <c:formatCode>General</c:formatCode>
+                <c:ptCount val="9"/>
+                <c:pt idx="0">
+                  <c:v>0.60066248458027593</c:v>
+                </c:pt>
+                <c:pt idx="1">
+                  <c:v>0.86153627377752295</c:v>
+                </c:pt>
+                <c:pt idx="2">
+                  <c:v>0.42463378993052198</c:v>
+                </c:pt>
+                <c:pt idx="3">
+                  <c:v>0.44068933943222</c:v>
+                </c:pt>
+                <c:pt idx="4">
+                  <c:v>0.51665299840200696</c:v>
+                </c:pt>
+                <c:pt idx="5">
+                  <c:v>0.9152187475574739</c:v>
+                </c:pt>
+                <c:pt idx="6">
+                  <c:v>7.6754671644543597</c:v>
+                </c:pt>
+                <c:pt idx="7">
+                  <c:v>14.0394697303743</c:v>
+                </c:pt>
+                <c:pt idx="8">
+                  <c:v>10.683256294592301</c:v>
+                </c:pt>
+              </c:numCache>
+            </c:numRef>
+          </c:val>
+          <c:extLst>
+            <c:ext xmlns:c16="http://schemas.microsoft.com/office/drawing/2014/chart" uri="{C3380CC4-5D6E-409C-BE32-E72D297353CC}">
+              <c16:uniqueId val="{00000012-6E5A-4584-ACE1-3DD77242DD19}"/>
+            </c:ext>
+          </c:extLst>
+        </c:ser>
+        <c:dLbls>
+          <c:showLegendKey val="0"/>
+          <c:showVal val="0"/>
+          <c:showCatName val="0"/>
+          <c:showSerName val="0"/>
+          <c:showPercent val="0"/>
+          <c:showBubbleSize val="0"/>
+        </c:dLbls>
+        <c:gapWidth val="99"/>
+        <c:overlap val="-64"/>
+        <c:axId val="65376432"/>
+        <c:axId val="65697616"/>
+      </c:barChart>
+      <c:catAx>
+        <c:axId val="65376432"/>
+        <c:scaling>
+          <c:orientation val="minMax"/>
+        </c:scaling>
+        <c:delete val="0"/>
+        <c:axPos val="b"/>
+        <c:numFmt formatCode="General" sourceLinked="1"/>
+        <c:majorTickMark val="none"/>
+        <c:minorTickMark val="none"/>
+        <c:tickLblPos val="nextTo"/>
+        <c:spPr>
+          <a:noFill/>
+          <a:ln w="9525" cap="flat" cmpd="sng" algn="ctr">
+            <a:solidFill>
+              <a:schemeClr val="tx1">
+                <a:lumMod val="15000"/>
+                <a:lumOff val="85000"/>
+              </a:schemeClr>
+            </a:solidFill>
+            <a:round/>
+          </a:ln>
+          <a:effectLst/>
+        </c:spPr>
+        <c:txPr>
+          <a:bodyPr rot="-60000000" spcFirstLastPara="1" vertOverflow="ellipsis" vert="horz" wrap="square" anchor="ctr" anchorCtr="1"/>
+          <a:lstStyle/>
+          <a:p>
+            <a:pPr>
+              <a:defRPr sz="1000" b="0" i="0" u="none" strike="noStrike" kern="1200" baseline="0">
+                <a:solidFill>
+                  <a:sysClr val="windowText" lastClr="000000"/>
+                </a:solidFill>
+                <a:latin typeface="Arial" panose="020B0604020202020204" pitchFamily="34" charset="0"/>
+                <a:ea typeface="+mn-ea"/>
+                <a:cs typeface="Arial" panose="020B0604020202020204" pitchFamily="34" charset="0"/>
+              </a:defRPr>
+            </a:pPr>
+            <a:endParaRPr lang="en-US"/>
+          </a:p>
+        </c:txPr>
+        <c:crossAx val="65697616"/>
+        <c:crosses val="autoZero"/>
+        <c:auto val="1"/>
+        <c:lblAlgn val="ctr"/>
+        <c:lblOffset val="100"/>
+        <c:noMultiLvlLbl val="0"/>
+      </c:catAx>
+      <c:valAx>
+        <c:axId val="65697616"/>
+        <c:scaling>
+          <c:orientation val="minMax"/>
+        </c:scaling>
+        <c:delete val="0"/>
+        <c:axPos val="l"/>
+        <c:title>
+          <c:tx>
+            <c:rich>
+              <a:bodyPr rot="-5400000" spcFirstLastPara="1" vertOverflow="ellipsis" vert="horz" wrap="square" anchor="ctr" anchorCtr="1"/>
+              <a:lstStyle/>
+              <a:p>
+                <a:pPr>
+                  <a:defRPr sz="1000" b="0" i="0" u="none" strike="noStrike" kern="1200" baseline="0">
+                    <a:solidFill>
+                      <a:sysClr val="windowText" lastClr="000000"/>
+                    </a:solidFill>
+                    <a:latin typeface="Arial" panose="020B0604020202020204" pitchFamily="34" charset="0"/>
+                    <a:ea typeface="+mn-ea"/>
+                    <a:cs typeface="Arial" panose="020B0604020202020204" pitchFamily="34" charset="0"/>
+                  </a:defRPr>
+                </a:pPr>
+                <a:r>
+                  <a:rPr lang="en-US"/>
+                  <a:t> Sb - Eq (Mt)</a:t>
+                </a:r>
+              </a:p>
+            </c:rich>
+          </c:tx>
+          <c:layout/>
+          <c:overlay val="0"/>
+          <c:spPr>
+            <a:noFill/>
+            <a:ln>
+              <a:noFill/>
+            </a:ln>
+            <a:effectLst/>
+          </c:spPr>
+          <c:txPr>
+            <a:bodyPr rot="-5400000" spcFirstLastPara="1" vertOverflow="ellipsis" vert="horz" wrap="square" anchor="ctr" anchorCtr="1"/>
+            <a:lstStyle/>
+            <a:p>
+              <a:pPr>
+                <a:defRPr sz="1000" b="0" i="0" u="none" strike="noStrike" kern="1200" baseline="0">
+                  <a:solidFill>
+                    <a:sysClr val="windowText" lastClr="000000"/>
+                  </a:solidFill>
+                  <a:latin typeface="Arial" panose="020B0604020202020204" pitchFamily="34" charset="0"/>
+                  <a:ea typeface="+mn-ea"/>
+                  <a:cs typeface="Arial" panose="020B0604020202020204" pitchFamily="34" charset="0"/>
+                </a:defRPr>
+              </a:pPr>
+              <a:endParaRPr lang="en-US"/>
+            </a:p>
+          </c:txPr>
+        </c:title>
+        <c:numFmt formatCode="General" sourceLinked="1"/>
+        <c:majorTickMark val="none"/>
+        <c:minorTickMark val="none"/>
+        <c:tickLblPos val="nextTo"/>
+        <c:spPr>
+          <a:noFill/>
+          <a:ln>
+            <a:noFill/>
+          </a:ln>
+          <a:effectLst/>
+        </c:spPr>
+        <c:txPr>
+          <a:bodyPr rot="-60000000" spcFirstLastPara="1" vertOverflow="ellipsis" vert="horz" wrap="square" anchor="ctr" anchorCtr="1"/>
+          <a:lstStyle/>
+          <a:p>
+            <a:pPr>
+              <a:defRPr sz="1000" b="0" i="0" u="none" strike="noStrike" kern="1200" baseline="0">
+                <a:solidFill>
+                  <a:sysClr val="windowText" lastClr="000000"/>
+                </a:solidFill>
+                <a:latin typeface="Arial" panose="020B0604020202020204" pitchFamily="34" charset="0"/>
+                <a:ea typeface="+mn-ea"/>
+                <a:cs typeface="Arial" panose="020B0604020202020204" pitchFamily="34" charset="0"/>
+              </a:defRPr>
+            </a:pPr>
+            <a:endParaRPr lang="en-US"/>
+          </a:p>
+        </c:txPr>
+        <c:crossAx val="65376432"/>
+        <c:crosses val="autoZero"/>
+        <c:crossBetween val="between"/>
+      </c:valAx>
+      <c:spPr>
+        <a:noFill/>
+        <a:ln>
+          <a:noFill/>
+        </a:ln>
+        <a:effectLst/>
+      </c:spPr>
+    </c:plotArea>
+    <c:plotVisOnly val="1"/>
+    <c:dispBlanksAs val="gap"/>
     <c:showDLblsOverMax val="0"/>
+    <c:extLst>
+      <c:ext xmlns:c16r3="http://schemas.microsoft.com/office/drawing/2017/03/chart" uri="{56B9EC1D-385E-4148-901F-78D8002777C0}">
+        <c16r3:dataDisplayOptions16>
+          <c16r3:dispNaAsBlank val="1"/>
+        </c16r3:dataDisplayOptions16>
+      </c:ext>
+    </c:extLst>
+  </c:chart>
+  <c:spPr>
+    <a:noFill/>
+    <a:ln w="9525" cap="flat" cmpd="sng" algn="ctr">
+      <a:noFill/>
+      <a:round/>
+    </a:ln>
+    <a:effectLst/>
+  </c:spPr>
+  <c:txPr>
+    <a:bodyPr/>
+    <a:lstStyle/>
+    <a:p>
+      <a:pPr>
+        <a:defRPr>
+          <a:solidFill>
+            <a:sysClr val="windowText" lastClr="000000"/>
+          </a:solidFill>
+          <a:latin typeface="Arial" panose="020B0604020202020204" pitchFamily="34" charset="0"/>
+          <a:cs typeface="Arial" panose="020B0604020202020204" pitchFamily="34" charset="0"/>
+        </a:defRPr>
+      </a:pPr>
+      <a:endParaRPr lang="en-US"/>
+    </a:p>
+  </c:txPr>
+  <c:externalData r:id="rId4">
+    <c:autoUpdate val="0"/>
+  </c:externalData>
+</c:chartSpace>
+</file>
+
+<file path=ppt/charts/chart3.xml><?xml version="1.0" encoding="utf-8"?>
+<c:chartSpace xmlns:c="http://schemas.openxmlformats.org/drawingml/2006/chart" xmlns:a="http://schemas.openxmlformats.org/drawingml/2006/main" xmlns:r="http://schemas.openxmlformats.org/officeDocument/2006/relationships" xmlns:c16r2="http://schemas.microsoft.com/office/drawing/2015/06/chart">
+  <c:date1904 val="0"/>
+  <c:lang val="fr-FR"/>
+  <c:roundedCorners val="0"/>
+  <mc:AlternateContent xmlns:mc="http://schemas.openxmlformats.org/markup-compatibility/2006">
+    <mc:Choice xmlns:c14="http://schemas.microsoft.com/office/drawing/2007/8/2/chart" Requires="c14">
+      <c14:style val="102"/>
+    </mc:Choice>
+    <mc:Fallback>
+      <c:style val="2"/>
+    </mc:Fallback>
+  </mc:AlternateContent>
+  <c:clrMapOvr bg1="lt1" tx1="dk1" bg2="lt2" tx2="dk2" accent1="accent1" accent2="accent2" accent3="accent3" accent4="accent4" accent5="accent5" accent6="accent6" hlink="hlink" folHlink="folHlink"/>
+  <c:chart>
+    <c:autoTitleDeleted val="1"/>
+    <c:plotArea>
+      <c:layout/>
+      <c:barChart>
+        <c:barDir val="col"/>
+        <c:grouping val="clustered"/>
+        <c:varyColors val="0"/>
+        <c:ser>
+          <c:idx val="0"/>
+          <c:order val="0"/>
+          <c:tx>
+            <c:strRef>
+              <c:f>'[battery_scaling results.xlsx]Sheet2'!$B$2:$B$10</c:f>
+              <c:strCache>
+                <c:ptCount val="9"/>
+                <c:pt idx="0">
+                  <c:v>LFP</c:v>
+                </c:pt>
+                <c:pt idx="1">
+                  <c:v>NMC-622</c:v>
+                </c:pt>
+                <c:pt idx="2">
+                  <c:v>NMC-811</c:v>
+                </c:pt>
+                <c:pt idx="3">
+                  <c:v>NCA</c:v>
+                </c:pt>
+                <c:pt idx="4">
+                  <c:v>LFP</c:v>
+                </c:pt>
+                <c:pt idx="5">
+                  <c:v>NMC-622</c:v>
+                </c:pt>
+                <c:pt idx="6">
+                  <c:v>NMC811</c:v>
+                </c:pt>
+                <c:pt idx="7">
+                  <c:v>NCA</c:v>
+                </c:pt>
+                <c:pt idx="8">
+                  <c:v>PLIB</c:v>
+                </c:pt>
+              </c:strCache>
+            </c:strRef>
+          </c:tx>
+          <c:spPr>
+            <a:solidFill>
+              <a:schemeClr val="accent2"/>
+            </a:solidFill>
+            <a:ln>
+              <a:noFill/>
+            </a:ln>
+            <a:effectLst/>
+          </c:spPr>
+          <c:invertIfNegative val="0"/>
+          <c:dPt>
+            <c:idx val="0"/>
+            <c:invertIfNegative val="0"/>
+            <c:bubble3D val="0"/>
+            <c:spPr>
+              <a:solidFill>
+                <a:srgbClr val="92D050"/>
+              </a:solidFill>
+              <a:ln>
+                <a:noFill/>
+              </a:ln>
+              <a:effectLst/>
+            </c:spPr>
+            <c:extLst>
+              <c:ext xmlns:c16="http://schemas.microsoft.com/office/drawing/2014/chart" uri="{C3380CC4-5D6E-409C-BE32-E72D297353CC}">
+                <c16:uniqueId val="{00000001-3121-4573-8843-06F38E9EF751}"/>
+              </c:ext>
+            </c:extLst>
+          </c:dPt>
+          <c:dPt>
+            <c:idx val="1"/>
+            <c:invertIfNegative val="0"/>
+            <c:bubble3D val="0"/>
+            <c:spPr>
+              <a:solidFill>
+                <a:srgbClr val="92D050"/>
+              </a:solidFill>
+              <a:ln>
+                <a:noFill/>
+              </a:ln>
+              <a:effectLst/>
+            </c:spPr>
+            <c:extLst>
+              <c:ext xmlns:c16="http://schemas.microsoft.com/office/drawing/2014/chart" uri="{C3380CC4-5D6E-409C-BE32-E72D297353CC}">
+                <c16:uniqueId val="{00000003-3121-4573-8843-06F38E9EF751}"/>
+              </c:ext>
+            </c:extLst>
+          </c:dPt>
+          <c:dPt>
+            <c:idx val="2"/>
+            <c:invertIfNegative val="0"/>
+            <c:bubble3D val="0"/>
+            <c:spPr>
+              <a:solidFill>
+                <a:srgbClr val="0070C0"/>
+              </a:solidFill>
+              <a:ln>
+                <a:noFill/>
+              </a:ln>
+              <a:effectLst/>
+            </c:spPr>
+            <c:extLst>
+              <c:ext xmlns:c16="http://schemas.microsoft.com/office/drawing/2014/chart" uri="{C3380CC4-5D6E-409C-BE32-E72D297353CC}">
+                <c16:uniqueId val="{00000005-3121-4573-8843-06F38E9EF751}"/>
+              </c:ext>
+            </c:extLst>
+          </c:dPt>
+          <c:dPt>
+            <c:idx val="3"/>
+            <c:invertIfNegative val="0"/>
+            <c:bubble3D val="0"/>
+            <c:spPr>
+              <a:solidFill>
+                <a:srgbClr val="0070C0"/>
+              </a:solidFill>
+              <a:ln>
+                <a:noFill/>
+              </a:ln>
+              <a:effectLst/>
+            </c:spPr>
+            <c:extLst>
+              <c:ext xmlns:c16="http://schemas.microsoft.com/office/drawing/2014/chart" uri="{C3380CC4-5D6E-409C-BE32-E72D297353CC}">
+                <c16:uniqueId val="{00000007-3121-4573-8843-06F38E9EF751}"/>
+              </c:ext>
+            </c:extLst>
+          </c:dPt>
+          <c:dPt>
+            <c:idx val="4"/>
+            <c:invertIfNegative val="0"/>
+            <c:bubble3D val="0"/>
+            <c:spPr>
+              <a:solidFill>
+                <a:srgbClr val="00B0F0"/>
+              </a:solidFill>
+              <a:ln>
+                <a:noFill/>
+              </a:ln>
+              <a:effectLst/>
+            </c:spPr>
+            <c:extLst>
+              <c:ext xmlns:c16="http://schemas.microsoft.com/office/drawing/2014/chart" uri="{C3380CC4-5D6E-409C-BE32-E72D297353CC}">
+                <c16:uniqueId val="{00000009-3121-4573-8843-06F38E9EF751}"/>
+              </c:ext>
+            </c:extLst>
+          </c:dPt>
+          <c:dPt>
+            <c:idx val="5"/>
+            <c:invertIfNegative val="0"/>
+            <c:bubble3D val="0"/>
+            <c:spPr>
+              <a:solidFill>
+                <a:srgbClr val="00B0F0"/>
+              </a:solidFill>
+              <a:ln>
+                <a:noFill/>
+              </a:ln>
+              <a:effectLst/>
+            </c:spPr>
+            <c:extLst>
+              <c:ext xmlns:c16="http://schemas.microsoft.com/office/drawing/2014/chart" uri="{C3380CC4-5D6E-409C-BE32-E72D297353CC}">
+                <c16:uniqueId val="{0000000B-3121-4573-8843-06F38E9EF751}"/>
+              </c:ext>
+            </c:extLst>
+          </c:dPt>
+          <c:dPt>
+            <c:idx val="6"/>
+            <c:invertIfNegative val="0"/>
+            <c:bubble3D val="0"/>
+            <c:spPr>
+              <a:solidFill>
+                <a:srgbClr val="7030A0"/>
+              </a:solidFill>
+              <a:ln>
+                <a:noFill/>
+              </a:ln>
+              <a:effectLst/>
+            </c:spPr>
+            <c:extLst>
+              <c:ext xmlns:c16="http://schemas.microsoft.com/office/drawing/2014/chart" uri="{C3380CC4-5D6E-409C-BE32-E72D297353CC}">
+                <c16:uniqueId val="{0000000D-3121-4573-8843-06F38E9EF751}"/>
+              </c:ext>
+            </c:extLst>
+          </c:dPt>
+          <c:dPt>
+            <c:idx val="7"/>
+            <c:invertIfNegative val="0"/>
+            <c:bubble3D val="0"/>
+            <c:spPr>
+              <a:solidFill>
+                <a:srgbClr val="7030A0"/>
+              </a:solidFill>
+              <a:ln>
+                <a:noFill/>
+              </a:ln>
+              <a:effectLst/>
+            </c:spPr>
+            <c:extLst>
+              <c:ext xmlns:c16="http://schemas.microsoft.com/office/drawing/2014/chart" uri="{C3380CC4-5D6E-409C-BE32-E72D297353CC}">
+                <c16:uniqueId val="{0000000F-3121-4573-8843-06F38E9EF751}"/>
+              </c:ext>
+            </c:extLst>
+          </c:dPt>
+          <c:dPt>
+            <c:idx val="8"/>
+            <c:invertIfNegative val="0"/>
+            <c:bubble3D val="0"/>
+            <c:spPr>
+              <a:solidFill>
+                <a:srgbClr val="FFFF00"/>
+              </a:solidFill>
+              <a:ln>
+                <a:noFill/>
+              </a:ln>
+              <a:effectLst/>
+            </c:spPr>
+            <c:extLst>
+              <c:ext xmlns:c16="http://schemas.microsoft.com/office/drawing/2014/chart" uri="{C3380CC4-5D6E-409C-BE32-E72D297353CC}">
+                <c16:uniqueId val="{00000011-3121-4573-8843-06F38E9EF751}"/>
+              </c:ext>
+            </c:extLst>
+          </c:dPt>
+          <c:cat>
+            <c:strRef>
+              <c:f>'[battery_scaling results.xlsx]Sheet2'!$B$2:$B$10</c:f>
+              <c:strCache>
+                <c:ptCount val="9"/>
+                <c:pt idx="0">
+                  <c:v>LFP</c:v>
+                </c:pt>
+                <c:pt idx="1">
+                  <c:v>NMC-622</c:v>
+                </c:pt>
+                <c:pt idx="2">
+                  <c:v>NMC-811</c:v>
+                </c:pt>
+                <c:pt idx="3">
+                  <c:v>NCA</c:v>
+                </c:pt>
+                <c:pt idx="4">
+                  <c:v>LFP</c:v>
+                </c:pt>
+                <c:pt idx="5">
+                  <c:v>NMC-622</c:v>
+                </c:pt>
+                <c:pt idx="6">
+                  <c:v>NMC811</c:v>
+                </c:pt>
+                <c:pt idx="7">
+                  <c:v>NCA</c:v>
+                </c:pt>
+                <c:pt idx="8">
+                  <c:v>PLIB</c:v>
+                </c:pt>
+              </c:strCache>
+            </c:strRef>
+          </c:cat>
+          <c:val>
+            <c:numRef>
+              <c:f>'[battery_scaling results.xlsx]Sheet2'!$R$2:$R$10</c:f>
+              <c:numCache>
+                <c:formatCode>General</c:formatCode>
+                <c:ptCount val="9"/>
+                <c:pt idx="0">
+                  <c:v>6.4883521224085194E-2</c:v>
+                </c:pt>
+                <c:pt idx="1">
+                  <c:v>8.674557722169951E-2</c:v>
+                </c:pt>
+                <c:pt idx="2">
+                  <c:v>8.6206172752187699E-2</c:v>
+                </c:pt>
+                <c:pt idx="3">
+                  <c:v>4.9675636463891198E-2</c:v>
+                </c:pt>
+                <c:pt idx="4">
+                  <c:v>4.9780158364496702E-2</c:v>
+                </c:pt>
+                <c:pt idx="5">
+                  <c:v>8.3235172854374095E-2</c:v>
+                </c:pt>
+                <c:pt idx="6">
+                  <c:v>1.4715913442334601</c:v>
+                </c:pt>
+                <c:pt idx="7">
+                  <c:v>1.4083062890329499</c:v>
+                </c:pt>
+                <c:pt idx="8">
+                  <c:v>2.0572113668310199</c:v>
+                </c:pt>
+              </c:numCache>
+            </c:numRef>
+          </c:val>
+          <c:extLst>
+            <c:ext xmlns:c16="http://schemas.microsoft.com/office/drawing/2014/chart" uri="{C3380CC4-5D6E-409C-BE32-E72D297353CC}">
+              <c16:uniqueId val="{00000012-3121-4573-8843-06F38E9EF751}"/>
+            </c:ext>
+          </c:extLst>
+        </c:ser>
+        <c:dLbls>
+          <c:showLegendKey val="0"/>
+          <c:showVal val="0"/>
+          <c:showCatName val="0"/>
+          <c:showSerName val="0"/>
+          <c:showPercent val="0"/>
+          <c:showBubbleSize val="0"/>
+        </c:dLbls>
+        <c:gapWidth val="99"/>
+        <c:overlap val="-66"/>
+        <c:axId val="65376432"/>
+        <c:axId val="65697616"/>
+      </c:barChart>
+      <c:catAx>
+        <c:axId val="65376432"/>
+        <c:scaling>
+          <c:orientation val="minMax"/>
+        </c:scaling>
+        <c:delete val="0"/>
+        <c:axPos val="b"/>
+        <c:numFmt formatCode="General" sourceLinked="1"/>
+        <c:majorTickMark val="none"/>
+        <c:minorTickMark val="none"/>
+        <c:tickLblPos val="nextTo"/>
+        <c:spPr>
+          <a:noFill/>
+          <a:ln w="9525" cap="flat" cmpd="sng" algn="ctr">
+            <a:solidFill>
+              <a:schemeClr val="tx1">
+                <a:lumMod val="15000"/>
+                <a:lumOff val="85000"/>
+              </a:schemeClr>
+            </a:solidFill>
+            <a:round/>
+          </a:ln>
+          <a:effectLst/>
+        </c:spPr>
+        <c:txPr>
+          <a:bodyPr rot="-60000000" spcFirstLastPara="1" vertOverflow="ellipsis" vert="horz" wrap="square" anchor="ctr" anchorCtr="1"/>
+          <a:lstStyle/>
+          <a:p>
+            <a:pPr>
+              <a:defRPr sz="900" b="0" i="0" u="none" strike="noStrike" kern="1200" baseline="0">
+                <a:solidFill>
+                  <a:sysClr val="windowText" lastClr="000000"/>
+                </a:solidFill>
+                <a:latin typeface="Arial" panose="020B0604020202020204" pitchFamily="34" charset="0"/>
+                <a:ea typeface="+mn-ea"/>
+                <a:cs typeface="Arial" panose="020B0604020202020204" pitchFamily="34" charset="0"/>
+              </a:defRPr>
+            </a:pPr>
+            <a:endParaRPr lang="en-US"/>
+          </a:p>
+        </c:txPr>
+        <c:crossAx val="65697616"/>
+        <c:crosses val="autoZero"/>
+        <c:auto val="1"/>
+        <c:lblAlgn val="ctr"/>
+        <c:lblOffset val="100"/>
+        <c:noMultiLvlLbl val="0"/>
+      </c:catAx>
+      <c:valAx>
+        <c:axId val="65697616"/>
+        <c:scaling>
+          <c:orientation val="minMax"/>
+        </c:scaling>
+        <c:delete val="0"/>
+        <c:axPos val="l"/>
+        <c:title>
+          <c:tx>
+            <c:rich>
+              <a:bodyPr rot="-5400000" spcFirstLastPara="1" vertOverflow="ellipsis" vert="horz" wrap="square" anchor="ctr" anchorCtr="1"/>
+              <a:lstStyle/>
+              <a:p>
+                <a:pPr>
+                  <a:defRPr sz="1100" b="0" i="0" u="none" strike="noStrike" kern="1200" baseline="0">
+                    <a:solidFill>
+                      <a:sysClr val="windowText" lastClr="000000"/>
+                    </a:solidFill>
+                    <a:latin typeface="Arial" panose="020B0604020202020204" pitchFamily="34" charset="0"/>
+                    <a:ea typeface="+mn-ea"/>
+                    <a:cs typeface="Arial" panose="020B0604020202020204" pitchFamily="34" charset="0"/>
+                  </a:defRPr>
+                </a:pPr>
+                <a:r>
+                  <a:rPr lang="pt-BR" sz="1100" dirty="0" smtClean="0"/>
+                  <a:t>(1 x 10^9) mol H+ Eq</a:t>
+                </a:r>
+              </a:p>
+            </c:rich>
+          </c:tx>
+          <c:layout/>
+          <c:overlay val="0"/>
+          <c:spPr>
+            <a:noFill/>
+            <a:ln>
+              <a:noFill/>
+            </a:ln>
+            <a:effectLst/>
+          </c:spPr>
+          <c:txPr>
+            <a:bodyPr rot="-5400000" spcFirstLastPara="1" vertOverflow="ellipsis" vert="horz" wrap="square" anchor="ctr" anchorCtr="1"/>
+            <a:lstStyle/>
+            <a:p>
+              <a:pPr>
+                <a:defRPr sz="1100" b="0" i="0" u="none" strike="noStrike" kern="1200" baseline="0">
+                  <a:solidFill>
+                    <a:sysClr val="windowText" lastClr="000000"/>
+                  </a:solidFill>
+                  <a:latin typeface="Arial" panose="020B0604020202020204" pitchFamily="34" charset="0"/>
+                  <a:ea typeface="+mn-ea"/>
+                  <a:cs typeface="Arial" panose="020B0604020202020204" pitchFamily="34" charset="0"/>
+                </a:defRPr>
+              </a:pPr>
+              <a:endParaRPr lang="en-US"/>
+            </a:p>
+          </c:txPr>
+        </c:title>
+        <c:numFmt formatCode="General" sourceLinked="1"/>
+        <c:majorTickMark val="none"/>
+        <c:minorTickMark val="none"/>
+        <c:tickLblPos val="nextTo"/>
+        <c:spPr>
+          <a:noFill/>
+          <a:ln>
+            <a:noFill/>
+          </a:ln>
+          <a:effectLst/>
+        </c:spPr>
+        <c:txPr>
+          <a:bodyPr rot="-60000000" spcFirstLastPara="1" vertOverflow="ellipsis" vert="horz" wrap="square" anchor="ctr" anchorCtr="1"/>
+          <a:lstStyle/>
+          <a:p>
+            <a:pPr>
+              <a:defRPr sz="1000" b="0" i="0" u="none" strike="noStrike" kern="1200" baseline="0">
+                <a:solidFill>
+                  <a:sysClr val="windowText" lastClr="000000"/>
+                </a:solidFill>
+                <a:latin typeface="Arial" panose="020B0604020202020204" pitchFamily="34" charset="0"/>
+                <a:ea typeface="+mn-ea"/>
+                <a:cs typeface="Arial" panose="020B0604020202020204" pitchFamily="34" charset="0"/>
+              </a:defRPr>
+            </a:pPr>
+            <a:endParaRPr lang="en-US"/>
+          </a:p>
+        </c:txPr>
+        <c:crossAx val="65376432"/>
+        <c:crosses val="autoZero"/>
+        <c:crossBetween val="between"/>
+      </c:valAx>
+      <c:spPr>
+        <a:noFill/>
+        <a:ln>
+          <a:noFill/>
+        </a:ln>
+        <a:effectLst/>
+      </c:spPr>
+    </c:plotArea>
+    <c:plotVisOnly val="1"/>
+    <c:dispBlanksAs val="gap"/>
+    <c:showDLblsOverMax val="0"/>
+    <c:extLst>
+      <c:ext xmlns:c16r3="http://schemas.microsoft.com/office/drawing/2017/03/chart" uri="{56B9EC1D-385E-4148-901F-78D8002777C0}">
+        <c16r3:dataDisplayOptions16>
+          <c16r3:dispNaAsBlank val="1"/>
+        </c16r3:dataDisplayOptions16>
+      </c:ext>
+    </c:extLst>
+  </c:chart>
+  <c:spPr>
+    <a:noFill/>
+    <a:ln w="9525" cap="flat" cmpd="sng" algn="ctr">
+      <a:noFill/>
+      <a:round/>
+    </a:ln>
+    <a:effectLst/>
+  </c:spPr>
+  <c:txPr>
+    <a:bodyPr/>
+    <a:lstStyle/>
+    <a:p>
+      <a:pPr>
+        <a:defRPr>
+          <a:solidFill>
+            <a:sysClr val="windowText" lastClr="000000"/>
+          </a:solidFill>
+          <a:latin typeface="Arial" panose="020B0604020202020204" pitchFamily="34" charset="0"/>
+          <a:cs typeface="Arial" panose="020B0604020202020204" pitchFamily="34" charset="0"/>
+        </a:defRPr>
+      </a:pPr>
+      <a:endParaRPr lang="en-US"/>
+    </a:p>
+  </c:txPr>
+  <c:externalData r:id="rId4">
+    <c:autoUpdate val="0"/>
+  </c:externalData>
+</c:chartSpace>
+</file>
+
+<file path=ppt/charts/chart4.xml><?xml version="1.0" encoding="utf-8"?>
+<c:chartSpace xmlns:c="http://schemas.openxmlformats.org/drawingml/2006/chart" xmlns:a="http://schemas.openxmlformats.org/drawingml/2006/main" xmlns:r="http://schemas.openxmlformats.org/officeDocument/2006/relationships" xmlns:c16r2="http://schemas.microsoft.com/office/drawing/2015/06/chart">
+  <c:date1904 val="0"/>
+  <c:lang val="fr-FR"/>
+  <c:roundedCorners val="0"/>
+  <mc:AlternateContent xmlns:mc="http://schemas.openxmlformats.org/markup-compatibility/2006">
+    <mc:Choice xmlns:c14="http://schemas.microsoft.com/office/drawing/2007/8/2/chart" Requires="c14">
+      <c14:style val="102"/>
+    </mc:Choice>
+    <mc:Fallback>
+      <c:style val="2"/>
+    </mc:Fallback>
+  </mc:AlternateContent>
+  <c:clrMapOvr bg1="lt1" tx1="dk1" bg2="lt2" tx2="dk2" accent1="accent1" accent2="accent2" accent3="accent3" accent4="accent4" accent5="accent5" accent6="accent6" hlink="hlink" folHlink="folHlink"/>
+  <c:chart>
+    <c:autoTitleDeleted val="1"/>
+    <c:plotArea>
+      <c:layout>
+        <c:manualLayout>
+          <c:layoutTarget val="inner"/>
+          <c:xMode val="edge"/>
+          <c:yMode val="edge"/>
+          <c:x val="0.12460229966912029"/>
+          <c:y val="0.14302816401816118"/>
+          <c:w val="0.85084799888037899"/>
+          <c:h val="0.79486763384411652"/>
+        </c:manualLayout>
+      </c:layout>
+      <c:barChart>
+        <c:barDir val="col"/>
+        <c:grouping val="clustered"/>
+        <c:varyColors val="0"/>
+        <c:ser>
+          <c:idx val="0"/>
+          <c:order val="0"/>
+          <c:tx>
+            <c:strRef>
+              <c:f>'[battery_scaling results.xlsx]Sheet2'!$B$2:$B$10</c:f>
+              <c:strCache>
+                <c:ptCount val="9"/>
+                <c:pt idx="0">
+                  <c:v>LFP</c:v>
+                </c:pt>
+                <c:pt idx="1">
+                  <c:v>NMC-622</c:v>
+                </c:pt>
+                <c:pt idx="2">
+                  <c:v>NMC-811</c:v>
+                </c:pt>
+                <c:pt idx="3">
+                  <c:v>NCA</c:v>
+                </c:pt>
+                <c:pt idx="4">
+                  <c:v>LFP</c:v>
+                </c:pt>
+                <c:pt idx="5">
+                  <c:v>NMC-622</c:v>
+                </c:pt>
+                <c:pt idx="6">
+                  <c:v>NMC811</c:v>
+                </c:pt>
+                <c:pt idx="7">
+                  <c:v>NCA</c:v>
+                </c:pt>
+                <c:pt idx="8">
+                  <c:v>PLIB</c:v>
+                </c:pt>
+              </c:strCache>
+            </c:strRef>
+          </c:tx>
+          <c:spPr>
+            <a:solidFill>
+              <a:schemeClr val="accent2"/>
+            </a:solidFill>
+            <a:ln>
+              <a:noFill/>
+            </a:ln>
+            <a:effectLst/>
+          </c:spPr>
+          <c:invertIfNegative val="0"/>
+          <c:dPt>
+            <c:idx val="0"/>
+            <c:invertIfNegative val="0"/>
+            <c:bubble3D val="0"/>
+            <c:spPr>
+              <a:solidFill>
+                <a:srgbClr val="92D050"/>
+              </a:solidFill>
+              <a:ln>
+                <a:noFill/>
+              </a:ln>
+              <a:effectLst/>
+            </c:spPr>
+            <c:extLst>
+              <c:ext xmlns:c16="http://schemas.microsoft.com/office/drawing/2014/chart" uri="{C3380CC4-5D6E-409C-BE32-E72D297353CC}">
+                <c16:uniqueId val="{00000001-1C61-4B58-AE68-F8498F86200B}"/>
+              </c:ext>
+            </c:extLst>
+          </c:dPt>
+          <c:dPt>
+            <c:idx val="1"/>
+            <c:invertIfNegative val="0"/>
+            <c:bubble3D val="0"/>
+            <c:spPr>
+              <a:solidFill>
+                <a:srgbClr val="92D050"/>
+              </a:solidFill>
+              <a:ln>
+                <a:noFill/>
+              </a:ln>
+              <a:effectLst/>
+            </c:spPr>
+            <c:extLst>
+              <c:ext xmlns:c16="http://schemas.microsoft.com/office/drawing/2014/chart" uri="{C3380CC4-5D6E-409C-BE32-E72D297353CC}">
+                <c16:uniqueId val="{00000003-1C61-4B58-AE68-F8498F86200B}"/>
+              </c:ext>
+            </c:extLst>
+          </c:dPt>
+          <c:dPt>
+            <c:idx val="2"/>
+            <c:invertIfNegative val="0"/>
+            <c:bubble3D val="0"/>
+            <c:spPr>
+              <a:solidFill>
+                <a:srgbClr val="0070C0"/>
+              </a:solidFill>
+              <a:ln>
+                <a:noFill/>
+              </a:ln>
+              <a:effectLst/>
+            </c:spPr>
+            <c:extLst>
+              <c:ext xmlns:c16="http://schemas.microsoft.com/office/drawing/2014/chart" uri="{C3380CC4-5D6E-409C-BE32-E72D297353CC}">
+                <c16:uniqueId val="{00000005-1C61-4B58-AE68-F8498F86200B}"/>
+              </c:ext>
+            </c:extLst>
+          </c:dPt>
+          <c:dPt>
+            <c:idx val="3"/>
+            <c:invertIfNegative val="0"/>
+            <c:bubble3D val="0"/>
+            <c:spPr>
+              <a:solidFill>
+                <a:srgbClr val="0070C0"/>
+              </a:solidFill>
+              <a:ln>
+                <a:noFill/>
+              </a:ln>
+              <a:effectLst/>
+            </c:spPr>
+            <c:extLst>
+              <c:ext xmlns:c16="http://schemas.microsoft.com/office/drawing/2014/chart" uri="{C3380CC4-5D6E-409C-BE32-E72D297353CC}">
+                <c16:uniqueId val="{00000007-1C61-4B58-AE68-F8498F86200B}"/>
+              </c:ext>
+            </c:extLst>
+          </c:dPt>
+          <c:dPt>
+            <c:idx val="4"/>
+            <c:invertIfNegative val="0"/>
+            <c:bubble3D val="0"/>
+            <c:spPr>
+              <a:solidFill>
+                <a:srgbClr val="00B0F0"/>
+              </a:solidFill>
+              <a:ln>
+                <a:noFill/>
+              </a:ln>
+              <a:effectLst/>
+            </c:spPr>
+            <c:extLst>
+              <c:ext xmlns:c16="http://schemas.microsoft.com/office/drawing/2014/chart" uri="{C3380CC4-5D6E-409C-BE32-E72D297353CC}">
+                <c16:uniqueId val="{00000009-1C61-4B58-AE68-F8498F86200B}"/>
+              </c:ext>
+            </c:extLst>
+          </c:dPt>
+          <c:dPt>
+            <c:idx val="5"/>
+            <c:invertIfNegative val="0"/>
+            <c:bubble3D val="0"/>
+            <c:spPr>
+              <a:solidFill>
+                <a:srgbClr val="00B0F0"/>
+              </a:solidFill>
+              <a:ln>
+                <a:noFill/>
+              </a:ln>
+              <a:effectLst/>
+            </c:spPr>
+            <c:extLst>
+              <c:ext xmlns:c16="http://schemas.microsoft.com/office/drawing/2014/chart" uri="{C3380CC4-5D6E-409C-BE32-E72D297353CC}">
+                <c16:uniqueId val="{0000000B-1C61-4B58-AE68-F8498F86200B}"/>
+              </c:ext>
+            </c:extLst>
+          </c:dPt>
+          <c:dPt>
+            <c:idx val="6"/>
+            <c:invertIfNegative val="0"/>
+            <c:bubble3D val="0"/>
+            <c:spPr>
+              <a:solidFill>
+                <a:srgbClr val="7030A0"/>
+              </a:solidFill>
+              <a:ln>
+                <a:noFill/>
+              </a:ln>
+              <a:effectLst/>
+            </c:spPr>
+            <c:extLst>
+              <c:ext xmlns:c16="http://schemas.microsoft.com/office/drawing/2014/chart" uri="{C3380CC4-5D6E-409C-BE32-E72D297353CC}">
+                <c16:uniqueId val="{0000000D-1C61-4B58-AE68-F8498F86200B}"/>
+              </c:ext>
+            </c:extLst>
+          </c:dPt>
+          <c:dPt>
+            <c:idx val="7"/>
+            <c:invertIfNegative val="0"/>
+            <c:bubble3D val="0"/>
+            <c:spPr>
+              <a:solidFill>
+                <a:srgbClr val="7030A0"/>
+              </a:solidFill>
+              <a:ln>
+                <a:noFill/>
+              </a:ln>
+              <a:effectLst/>
+            </c:spPr>
+            <c:extLst>
+              <c:ext xmlns:c16="http://schemas.microsoft.com/office/drawing/2014/chart" uri="{C3380CC4-5D6E-409C-BE32-E72D297353CC}">
+                <c16:uniqueId val="{0000000F-1C61-4B58-AE68-F8498F86200B}"/>
+              </c:ext>
+            </c:extLst>
+          </c:dPt>
+          <c:dPt>
+            <c:idx val="8"/>
+            <c:invertIfNegative val="0"/>
+            <c:bubble3D val="0"/>
+            <c:spPr>
+              <a:solidFill>
+                <a:srgbClr val="FFFF00"/>
+              </a:solidFill>
+              <a:ln>
+                <a:noFill/>
+              </a:ln>
+              <a:effectLst/>
+            </c:spPr>
+            <c:extLst>
+              <c:ext xmlns:c16="http://schemas.microsoft.com/office/drawing/2014/chart" uri="{C3380CC4-5D6E-409C-BE32-E72D297353CC}">
+                <c16:uniqueId val="{00000011-1C61-4B58-AE68-F8498F86200B}"/>
+              </c:ext>
+            </c:extLst>
+          </c:dPt>
+          <c:cat>
+            <c:strRef>
+              <c:f>'[battery_scaling results.xlsx]Sheet2'!$B$2:$B$10</c:f>
+              <c:strCache>
+                <c:ptCount val="9"/>
+                <c:pt idx="0">
+                  <c:v>LFP</c:v>
+                </c:pt>
+                <c:pt idx="1">
+                  <c:v>NMC-622</c:v>
+                </c:pt>
+                <c:pt idx="2">
+                  <c:v>NMC-811</c:v>
+                </c:pt>
+                <c:pt idx="3">
+                  <c:v>NCA</c:v>
+                </c:pt>
+                <c:pt idx="4">
+                  <c:v>LFP</c:v>
+                </c:pt>
+                <c:pt idx="5">
+                  <c:v>NMC-622</c:v>
+                </c:pt>
+                <c:pt idx="6">
+                  <c:v>NMC811</c:v>
+                </c:pt>
+                <c:pt idx="7">
+                  <c:v>NCA</c:v>
+                </c:pt>
+                <c:pt idx="8">
+                  <c:v>PLIB</c:v>
+                </c:pt>
+              </c:strCache>
+            </c:strRef>
+          </c:cat>
+          <c:val>
+            <c:numRef>
+              <c:f>'[battery_scaling results.xlsx]Sheet2'!$S$2:$S$10</c:f>
+              <c:numCache>
+                <c:formatCode>General</c:formatCode>
+                <c:ptCount val="9"/>
+                <c:pt idx="0">
+                  <c:v>11.812836013414699</c:v>
+                </c:pt>
+                <c:pt idx="1">
+                  <c:v>11.9859668490414</c:v>
+                </c:pt>
+                <c:pt idx="2">
+                  <c:v>1.4686204507531</c:v>
+                </c:pt>
+                <c:pt idx="3">
+                  <c:v>8.1328238371246897</c:v>
+                </c:pt>
+                <c:pt idx="4">
+                  <c:v>10.062918876519101</c:v>
+                </c:pt>
+                <c:pt idx="5">
+                  <c:v>12.6138800503534</c:v>
+                </c:pt>
+                <c:pt idx="6">
+                  <c:v>25.2903707179522</c:v>
+                </c:pt>
+                <c:pt idx="7">
+                  <c:v>256.37228053935701</c:v>
+                </c:pt>
+                <c:pt idx="8">
+                  <c:v>33.079835651826798</c:v>
+                </c:pt>
+              </c:numCache>
+            </c:numRef>
+          </c:val>
+          <c:extLst>
+            <c:ext xmlns:c16="http://schemas.microsoft.com/office/drawing/2014/chart" uri="{C3380CC4-5D6E-409C-BE32-E72D297353CC}">
+              <c16:uniqueId val="{00000012-1C61-4B58-AE68-F8498F86200B}"/>
+            </c:ext>
+          </c:extLst>
+        </c:ser>
+        <c:dLbls>
+          <c:showLegendKey val="0"/>
+          <c:showVal val="0"/>
+          <c:showCatName val="0"/>
+          <c:showSerName val="0"/>
+          <c:showPercent val="0"/>
+          <c:showBubbleSize val="0"/>
+        </c:dLbls>
+        <c:gapWidth val="99"/>
+        <c:overlap val="-66"/>
+        <c:axId val="65376432"/>
+        <c:axId val="65697616"/>
+      </c:barChart>
+      <c:catAx>
+        <c:axId val="65376432"/>
+        <c:scaling>
+          <c:orientation val="minMax"/>
+        </c:scaling>
+        <c:delete val="0"/>
+        <c:axPos val="b"/>
+        <c:numFmt formatCode="General" sourceLinked="1"/>
+        <c:majorTickMark val="none"/>
+        <c:minorTickMark val="none"/>
+        <c:tickLblPos val="nextTo"/>
+        <c:spPr>
+          <a:noFill/>
+          <a:ln w="9525" cap="flat" cmpd="sng" algn="ctr">
+            <a:solidFill>
+              <a:schemeClr val="tx1">
+                <a:lumMod val="15000"/>
+                <a:lumOff val="85000"/>
+              </a:schemeClr>
+            </a:solidFill>
+            <a:round/>
+          </a:ln>
+          <a:effectLst/>
+        </c:spPr>
+        <c:txPr>
+          <a:bodyPr rot="-60000000" spcFirstLastPara="1" vertOverflow="ellipsis" vert="horz" wrap="square" anchor="ctr" anchorCtr="1"/>
+          <a:lstStyle/>
+          <a:p>
+            <a:pPr>
+              <a:defRPr sz="900" b="0" i="0" u="none" strike="noStrike" kern="1200" baseline="0">
+                <a:solidFill>
+                  <a:sysClr val="windowText" lastClr="000000"/>
+                </a:solidFill>
+                <a:latin typeface="Arial" panose="020B0604020202020204" pitchFamily="34" charset="0"/>
+                <a:ea typeface="+mn-ea"/>
+                <a:cs typeface="Arial" panose="020B0604020202020204" pitchFamily="34" charset="0"/>
+              </a:defRPr>
+            </a:pPr>
+            <a:endParaRPr lang="en-US"/>
+          </a:p>
+        </c:txPr>
+        <c:crossAx val="65697616"/>
+        <c:crosses val="autoZero"/>
+        <c:auto val="1"/>
+        <c:lblAlgn val="ctr"/>
+        <c:lblOffset val="100"/>
+        <c:noMultiLvlLbl val="0"/>
+      </c:catAx>
+      <c:valAx>
+        <c:axId val="65697616"/>
+        <c:scaling>
+          <c:orientation val="minMax"/>
+        </c:scaling>
+        <c:delete val="0"/>
+        <c:axPos val="l"/>
+        <c:title>
+          <c:tx>
+            <c:rich>
+              <a:bodyPr rot="-5400000" spcFirstLastPara="1" vertOverflow="ellipsis" vert="horz" wrap="square" anchor="ctr" anchorCtr="1"/>
+              <a:lstStyle/>
+              <a:p>
+                <a:pPr>
+                  <a:defRPr sz="1000" b="0" i="0" u="none" strike="noStrike" kern="1200" baseline="0">
+                    <a:solidFill>
+                      <a:sysClr val="windowText" lastClr="000000"/>
+                    </a:solidFill>
+                    <a:latin typeface="Arial" panose="020B0604020202020204" pitchFamily="34" charset="0"/>
+                    <a:ea typeface="+mn-ea"/>
+                    <a:cs typeface="Arial" panose="020B0604020202020204" pitchFamily="34" charset="0"/>
+                  </a:defRPr>
+                </a:pPr>
+                <a:r>
+                  <a:rPr lang="en-US" baseline="0" dirty="0" smtClean="0"/>
+                  <a:t> world eq. deprived (km3)</a:t>
+                </a:r>
+                <a:endParaRPr lang="en-US" dirty="0"/>
+              </a:p>
+            </c:rich>
+          </c:tx>
+          <c:layout/>
+          <c:overlay val="0"/>
+          <c:spPr>
+            <a:noFill/>
+            <a:ln>
+              <a:noFill/>
+            </a:ln>
+            <a:effectLst/>
+          </c:spPr>
+          <c:txPr>
+            <a:bodyPr rot="-5400000" spcFirstLastPara="1" vertOverflow="ellipsis" vert="horz" wrap="square" anchor="ctr" anchorCtr="1"/>
+            <a:lstStyle/>
+            <a:p>
+              <a:pPr>
+                <a:defRPr sz="1000" b="0" i="0" u="none" strike="noStrike" kern="1200" baseline="0">
+                  <a:solidFill>
+                    <a:sysClr val="windowText" lastClr="000000"/>
+                  </a:solidFill>
+                  <a:latin typeface="Arial" panose="020B0604020202020204" pitchFamily="34" charset="0"/>
+                  <a:ea typeface="+mn-ea"/>
+                  <a:cs typeface="Arial" panose="020B0604020202020204" pitchFamily="34" charset="0"/>
+                </a:defRPr>
+              </a:pPr>
+              <a:endParaRPr lang="en-US"/>
+            </a:p>
+          </c:txPr>
+        </c:title>
+        <c:numFmt formatCode="General" sourceLinked="1"/>
+        <c:majorTickMark val="none"/>
+        <c:minorTickMark val="none"/>
+        <c:tickLblPos val="nextTo"/>
+        <c:spPr>
+          <a:noFill/>
+          <a:ln>
+            <a:noFill/>
+          </a:ln>
+          <a:effectLst/>
+        </c:spPr>
+        <c:txPr>
+          <a:bodyPr rot="-60000000" spcFirstLastPara="1" vertOverflow="ellipsis" vert="horz" wrap="square" anchor="ctr" anchorCtr="1"/>
+          <a:lstStyle/>
+          <a:p>
+            <a:pPr>
+              <a:defRPr sz="1000" b="0" i="0" u="none" strike="noStrike" kern="1200" baseline="0">
+                <a:solidFill>
+                  <a:sysClr val="windowText" lastClr="000000"/>
+                </a:solidFill>
+                <a:latin typeface="Arial" panose="020B0604020202020204" pitchFamily="34" charset="0"/>
+                <a:ea typeface="+mn-ea"/>
+                <a:cs typeface="Arial" panose="020B0604020202020204" pitchFamily="34" charset="0"/>
+              </a:defRPr>
+            </a:pPr>
+            <a:endParaRPr lang="en-US"/>
+          </a:p>
+        </c:txPr>
+        <c:crossAx val="65376432"/>
+        <c:crosses val="autoZero"/>
+        <c:crossBetween val="between"/>
+      </c:valAx>
+      <c:spPr>
+        <a:noFill/>
+        <a:ln>
+          <a:noFill/>
+        </a:ln>
+        <a:effectLst/>
+      </c:spPr>
+    </c:plotArea>
+    <c:plotVisOnly val="1"/>
+    <c:dispBlanksAs val="gap"/>
+    <c:showDLblsOverMax val="0"/>
+    <c:extLst>
+      <c:ext xmlns:c16r3="http://schemas.microsoft.com/office/drawing/2017/03/chart" uri="{56B9EC1D-385E-4148-901F-78D8002777C0}">
+        <c16r3:dataDisplayOptions16>
+          <c16r3:dispNaAsBlank val="1"/>
+        </c16r3:dataDisplayOptions16>
+      </c:ext>
+    </c:extLst>
   </c:chart>
   <c:spPr>
     <a:noFill/>
@@ -660,7 +2229,1627 @@
 </cs:colorStyle>
 </file>
 
+<file path=ppt/charts/colors2.xml><?xml version="1.0" encoding="utf-8"?>
+<cs:colorStyle xmlns:cs="http://schemas.microsoft.com/office/drawing/2012/chartStyle" xmlns:a="http://schemas.openxmlformats.org/drawingml/2006/main" meth="cycle" id="12">
+  <a:schemeClr val="accent2"/>
+  <a:schemeClr val="accent4"/>
+  <a:schemeClr val="accent6"/>
+  <cs:variation/>
+  <cs:variation>
+    <a:lumMod val="60000"/>
+  </cs:variation>
+  <cs:variation>
+    <a:lumMod val="80000"/>
+    <a:lumOff val="20000"/>
+  </cs:variation>
+  <cs:variation>
+    <a:lumMod val="80000"/>
+  </cs:variation>
+  <cs:variation>
+    <a:lumMod val="60000"/>
+    <a:lumOff val="40000"/>
+  </cs:variation>
+  <cs:variation>
+    <a:lumMod val="50000"/>
+  </cs:variation>
+  <cs:variation>
+    <a:lumMod val="70000"/>
+    <a:lumOff val="30000"/>
+  </cs:variation>
+  <cs:variation>
+    <a:lumMod val="70000"/>
+  </cs:variation>
+  <cs:variation>
+    <a:lumMod val="50000"/>
+    <a:lumOff val="50000"/>
+  </cs:variation>
+</cs:colorStyle>
+</file>
+
+<file path=ppt/charts/colors3.xml><?xml version="1.0" encoding="utf-8"?>
+<cs:colorStyle xmlns:cs="http://schemas.microsoft.com/office/drawing/2012/chartStyle" xmlns:a="http://schemas.openxmlformats.org/drawingml/2006/main" meth="cycle" id="12">
+  <a:schemeClr val="accent2"/>
+  <a:schemeClr val="accent4"/>
+  <a:schemeClr val="accent6"/>
+  <cs:variation/>
+  <cs:variation>
+    <a:lumMod val="60000"/>
+  </cs:variation>
+  <cs:variation>
+    <a:lumMod val="80000"/>
+    <a:lumOff val="20000"/>
+  </cs:variation>
+  <cs:variation>
+    <a:lumMod val="80000"/>
+  </cs:variation>
+  <cs:variation>
+    <a:lumMod val="60000"/>
+    <a:lumOff val="40000"/>
+  </cs:variation>
+  <cs:variation>
+    <a:lumMod val="50000"/>
+  </cs:variation>
+  <cs:variation>
+    <a:lumMod val="70000"/>
+    <a:lumOff val="30000"/>
+  </cs:variation>
+  <cs:variation>
+    <a:lumMod val="70000"/>
+  </cs:variation>
+  <cs:variation>
+    <a:lumMod val="50000"/>
+    <a:lumOff val="50000"/>
+  </cs:variation>
+</cs:colorStyle>
+</file>
+
+<file path=ppt/charts/colors4.xml><?xml version="1.0" encoding="utf-8"?>
+<cs:colorStyle xmlns:cs="http://schemas.microsoft.com/office/drawing/2012/chartStyle" xmlns:a="http://schemas.openxmlformats.org/drawingml/2006/main" meth="cycle" id="12">
+  <a:schemeClr val="accent2"/>
+  <a:schemeClr val="accent4"/>
+  <a:schemeClr val="accent6"/>
+  <cs:variation/>
+  <cs:variation>
+    <a:lumMod val="60000"/>
+  </cs:variation>
+  <cs:variation>
+    <a:lumMod val="80000"/>
+    <a:lumOff val="20000"/>
+  </cs:variation>
+  <cs:variation>
+    <a:lumMod val="80000"/>
+  </cs:variation>
+  <cs:variation>
+    <a:lumMod val="60000"/>
+    <a:lumOff val="40000"/>
+  </cs:variation>
+  <cs:variation>
+    <a:lumMod val="50000"/>
+  </cs:variation>
+  <cs:variation>
+    <a:lumMod val="70000"/>
+    <a:lumOff val="30000"/>
+  </cs:variation>
+  <cs:variation>
+    <a:lumMod val="70000"/>
+  </cs:variation>
+  <cs:variation>
+    <a:lumMod val="50000"/>
+    <a:lumOff val="50000"/>
+  </cs:variation>
+</cs:colorStyle>
+</file>
+
 <file path=ppt/charts/style1.xml><?xml version="1.0" encoding="utf-8"?>
+<cs:chartStyle xmlns:cs="http://schemas.microsoft.com/office/drawing/2012/chartStyle" xmlns:a="http://schemas.openxmlformats.org/drawingml/2006/main" id="201">
+  <cs:axisTitle>
+    <cs:lnRef idx="0"/>
+    <cs:fillRef idx="0"/>
+    <cs:effectRef idx="0"/>
+    <cs:fontRef idx="minor">
+      <a:schemeClr val="tx1">
+        <a:lumMod val="65000"/>
+        <a:lumOff val="35000"/>
+      </a:schemeClr>
+    </cs:fontRef>
+    <cs:defRPr sz="1000" kern="1200"/>
+  </cs:axisTitle>
+  <cs:categoryAxis>
+    <cs:lnRef idx="0"/>
+    <cs:fillRef idx="0"/>
+    <cs:effectRef idx="0"/>
+    <cs:fontRef idx="minor">
+      <a:schemeClr val="tx1">
+        <a:lumMod val="65000"/>
+        <a:lumOff val="35000"/>
+      </a:schemeClr>
+    </cs:fontRef>
+    <cs:spPr>
+      <a:ln w="9525" cap="flat" cmpd="sng" algn="ctr">
+        <a:solidFill>
+          <a:schemeClr val="tx1">
+            <a:lumMod val="15000"/>
+            <a:lumOff val="85000"/>
+          </a:schemeClr>
+        </a:solidFill>
+        <a:round/>
+      </a:ln>
+    </cs:spPr>
+    <cs:defRPr sz="900" kern="1200"/>
+  </cs:categoryAxis>
+  <cs:chartArea mods="allowNoFillOverride allowNoLineOverride">
+    <cs:lnRef idx="0"/>
+    <cs:fillRef idx="0"/>
+    <cs:effectRef idx="0"/>
+    <cs:fontRef idx="minor">
+      <a:schemeClr val="tx1"/>
+    </cs:fontRef>
+    <cs:spPr>
+      <a:solidFill>
+        <a:schemeClr val="bg1"/>
+      </a:solidFill>
+      <a:ln w="9525" cap="flat" cmpd="sng" algn="ctr">
+        <a:solidFill>
+          <a:schemeClr val="tx1">
+            <a:lumMod val="15000"/>
+            <a:lumOff val="85000"/>
+          </a:schemeClr>
+        </a:solidFill>
+        <a:round/>
+      </a:ln>
+    </cs:spPr>
+    <cs:defRPr sz="1000" kern="1200"/>
+  </cs:chartArea>
+  <cs:dataLabel>
+    <cs:lnRef idx="0"/>
+    <cs:fillRef idx="0"/>
+    <cs:effectRef idx="0"/>
+    <cs:fontRef idx="minor">
+      <a:schemeClr val="tx1">
+        <a:lumMod val="75000"/>
+        <a:lumOff val="25000"/>
+      </a:schemeClr>
+    </cs:fontRef>
+    <cs:defRPr sz="900" kern="1200"/>
+  </cs:dataLabel>
+  <cs:dataLabelCallout>
+    <cs:lnRef idx="0"/>
+    <cs:fillRef idx="0"/>
+    <cs:effectRef idx="0"/>
+    <cs:fontRef idx="minor">
+      <a:schemeClr val="dk1">
+        <a:lumMod val="65000"/>
+        <a:lumOff val="35000"/>
+      </a:schemeClr>
+    </cs:fontRef>
+    <cs:spPr>
+      <a:solidFill>
+        <a:schemeClr val="lt1"/>
+      </a:solidFill>
+      <a:ln>
+        <a:solidFill>
+          <a:schemeClr val="dk1">
+            <a:lumMod val="25000"/>
+            <a:lumOff val="75000"/>
+          </a:schemeClr>
+        </a:solidFill>
+      </a:ln>
+    </cs:spPr>
+    <cs:defRPr sz="900" kern="1200"/>
+    <cs:bodyPr rot="0" spcFirstLastPara="1" vertOverflow="clip" horzOverflow="clip" vert="horz" wrap="square" lIns="36576" tIns="18288" rIns="36576" bIns="18288" anchor="ctr" anchorCtr="1">
+      <a:spAutoFit/>
+    </cs:bodyPr>
+  </cs:dataLabelCallout>
+  <cs:dataPoint>
+    <cs:lnRef idx="0"/>
+    <cs:fillRef idx="1">
+      <cs:styleClr val="auto"/>
+    </cs:fillRef>
+    <cs:effectRef idx="0"/>
+    <cs:fontRef idx="minor">
+      <a:schemeClr val="tx1"/>
+    </cs:fontRef>
+  </cs:dataPoint>
+  <cs:dataPoint3D>
+    <cs:lnRef idx="0"/>
+    <cs:fillRef idx="1">
+      <cs:styleClr val="auto"/>
+    </cs:fillRef>
+    <cs:effectRef idx="0"/>
+    <cs:fontRef idx="minor">
+      <a:schemeClr val="tx1"/>
+    </cs:fontRef>
+  </cs:dataPoint3D>
+  <cs:dataPointLine>
+    <cs:lnRef idx="0">
+      <cs:styleClr val="auto"/>
+    </cs:lnRef>
+    <cs:fillRef idx="1"/>
+    <cs:effectRef idx="0"/>
+    <cs:fontRef idx="minor">
+      <a:schemeClr val="tx1"/>
+    </cs:fontRef>
+    <cs:spPr>
+      <a:ln w="28575" cap="rnd">
+        <a:solidFill>
+          <a:schemeClr val="phClr"/>
+        </a:solidFill>
+        <a:round/>
+      </a:ln>
+    </cs:spPr>
+  </cs:dataPointLine>
+  <cs:dataPointMarker>
+    <cs:lnRef idx="0">
+      <cs:styleClr val="auto"/>
+    </cs:lnRef>
+    <cs:fillRef idx="1">
+      <cs:styleClr val="auto"/>
+    </cs:fillRef>
+    <cs:effectRef idx="0"/>
+    <cs:fontRef idx="minor">
+      <a:schemeClr val="tx1"/>
+    </cs:fontRef>
+    <cs:spPr>
+      <a:ln w="9525">
+        <a:solidFill>
+          <a:schemeClr val="phClr"/>
+        </a:solidFill>
+      </a:ln>
+    </cs:spPr>
+  </cs:dataPointMarker>
+  <cs:dataPointMarkerLayout symbol="circle" size="5"/>
+  <cs:dataPointWireframe>
+    <cs:lnRef idx="0">
+      <cs:styleClr val="auto"/>
+    </cs:lnRef>
+    <cs:fillRef idx="1"/>
+    <cs:effectRef idx="0"/>
+    <cs:fontRef idx="minor">
+      <a:schemeClr val="tx1"/>
+    </cs:fontRef>
+    <cs:spPr>
+      <a:ln w="9525" cap="rnd">
+        <a:solidFill>
+          <a:schemeClr val="phClr"/>
+        </a:solidFill>
+        <a:round/>
+      </a:ln>
+    </cs:spPr>
+  </cs:dataPointWireframe>
+  <cs:dataTable>
+    <cs:lnRef idx="0"/>
+    <cs:fillRef idx="0"/>
+    <cs:effectRef idx="0"/>
+    <cs:fontRef idx="minor">
+      <a:schemeClr val="tx1">
+        <a:lumMod val="65000"/>
+        <a:lumOff val="35000"/>
+      </a:schemeClr>
+    </cs:fontRef>
+    <cs:spPr>
+      <a:noFill/>
+      <a:ln w="9525" cap="flat" cmpd="sng" algn="ctr">
+        <a:solidFill>
+          <a:schemeClr val="tx1">
+            <a:lumMod val="15000"/>
+            <a:lumOff val="85000"/>
+          </a:schemeClr>
+        </a:solidFill>
+        <a:round/>
+      </a:ln>
+    </cs:spPr>
+    <cs:defRPr sz="900" kern="1200"/>
+  </cs:dataTable>
+  <cs:downBar>
+    <cs:lnRef idx="0"/>
+    <cs:fillRef idx="0"/>
+    <cs:effectRef idx="0"/>
+    <cs:fontRef idx="minor">
+      <a:schemeClr val="dk1"/>
+    </cs:fontRef>
+    <cs:spPr>
+      <a:solidFill>
+        <a:schemeClr val="dk1">
+          <a:lumMod val="65000"/>
+          <a:lumOff val="35000"/>
+        </a:schemeClr>
+      </a:solidFill>
+      <a:ln w="9525">
+        <a:solidFill>
+          <a:schemeClr val="tx1">
+            <a:lumMod val="65000"/>
+            <a:lumOff val="35000"/>
+          </a:schemeClr>
+        </a:solidFill>
+      </a:ln>
+    </cs:spPr>
+  </cs:downBar>
+  <cs:dropLine>
+    <cs:lnRef idx="0"/>
+    <cs:fillRef idx="0"/>
+    <cs:effectRef idx="0"/>
+    <cs:fontRef idx="minor">
+      <a:schemeClr val="tx1"/>
+    </cs:fontRef>
+    <cs:spPr>
+      <a:ln w="9525" cap="flat" cmpd="sng" algn="ctr">
+        <a:solidFill>
+          <a:schemeClr val="tx1">
+            <a:lumMod val="35000"/>
+            <a:lumOff val="65000"/>
+          </a:schemeClr>
+        </a:solidFill>
+        <a:round/>
+      </a:ln>
+    </cs:spPr>
+  </cs:dropLine>
+  <cs:errorBar>
+    <cs:lnRef idx="0"/>
+    <cs:fillRef idx="0"/>
+    <cs:effectRef idx="0"/>
+    <cs:fontRef idx="minor">
+      <a:schemeClr val="tx1"/>
+    </cs:fontRef>
+    <cs:spPr>
+      <a:ln w="9525" cap="flat" cmpd="sng" algn="ctr">
+        <a:solidFill>
+          <a:schemeClr val="tx1">
+            <a:lumMod val="65000"/>
+            <a:lumOff val="35000"/>
+          </a:schemeClr>
+        </a:solidFill>
+        <a:round/>
+      </a:ln>
+    </cs:spPr>
+  </cs:errorBar>
+  <cs:floor>
+    <cs:lnRef idx="0"/>
+    <cs:fillRef idx="0"/>
+    <cs:effectRef idx="0"/>
+    <cs:fontRef idx="minor">
+      <a:schemeClr val="tx1"/>
+    </cs:fontRef>
+    <cs:spPr>
+      <a:noFill/>
+      <a:ln>
+        <a:noFill/>
+      </a:ln>
+    </cs:spPr>
+  </cs:floor>
+  <cs:gridlineMajor>
+    <cs:lnRef idx="0"/>
+    <cs:fillRef idx="0"/>
+    <cs:effectRef idx="0"/>
+    <cs:fontRef idx="minor">
+      <a:schemeClr val="tx1"/>
+    </cs:fontRef>
+    <cs:spPr>
+      <a:ln w="9525" cap="flat" cmpd="sng" algn="ctr">
+        <a:solidFill>
+          <a:schemeClr val="tx1">
+            <a:lumMod val="15000"/>
+            <a:lumOff val="85000"/>
+          </a:schemeClr>
+        </a:solidFill>
+        <a:round/>
+      </a:ln>
+    </cs:spPr>
+  </cs:gridlineMajor>
+  <cs:gridlineMinor>
+    <cs:lnRef idx="0"/>
+    <cs:fillRef idx="0"/>
+    <cs:effectRef idx="0"/>
+    <cs:fontRef idx="minor">
+      <a:schemeClr val="tx1"/>
+    </cs:fontRef>
+    <cs:spPr>
+      <a:ln w="9525" cap="flat" cmpd="sng" algn="ctr">
+        <a:solidFill>
+          <a:schemeClr val="tx1">
+            <a:lumMod val="5000"/>
+            <a:lumOff val="95000"/>
+          </a:schemeClr>
+        </a:solidFill>
+        <a:round/>
+      </a:ln>
+    </cs:spPr>
+  </cs:gridlineMinor>
+  <cs:hiLoLine>
+    <cs:lnRef idx="0"/>
+    <cs:fillRef idx="0"/>
+    <cs:effectRef idx="0"/>
+    <cs:fontRef idx="minor">
+      <a:schemeClr val="tx1"/>
+    </cs:fontRef>
+    <cs:spPr>
+      <a:ln w="9525" cap="flat" cmpd="sng" algn="ctr">
+        <a:solidFill>
+          <a:schemeClr val="tx1">
+            <a:lumMod val="75000"/>
+            <a:lumOff val="25000"/>
+          </a:schemeClr>
+        </a:solidFill>
+        <a:round/>
+      </a:ln>
+    </cs:spPr>
+  </cs:hiLoLine>
+  <cs:leaderLine>
+    <cs:lnRef idx="0"/>
+    <cs:fillRef idx="0"/>
+    <cs:effectRef idx="0"/>
+    <cs:fontRef idx="minor">
+      <a:schemeClr val="tx1"/>
+    </cs:fontRef>
+    <cs:spPr>
+      <a:ln w="9525" cap="flat" cmpd="sng" algn="ctr">
+        <a:solidFill>
+          <a:schemeClr val="tx1">
+            <a:lumMod val="35000"/>
+            <a:lumOff val="65000"/>
+          </a:schemeClr>
+        </a:solidFill>
+        <a:round/>
+      </a:ln>
+    </cs:spPr>
+  </cs:leaderLine>
+  <cs:legend>
+    <cs:lnRef idx="0"/>
+    <cs:fillRef idx="0"/>
+    <cs:effectRef idx="0"/>
+    <cs:fontRef idx="minor">
+      <a:schemeClr val="tx1">
+        <a:lumMod val="65000"/>
+        <a:lumOff val="35000"/>
+      </a:schemeClr>
+    </cs:fontRef>
+    <cs:defRPr sz="900" kern="1200"/>
+  </cs:legend>
+  <cs:plotArea mods="allowNoFillOverride allowNoLineOverride">
+    <cs:lnRef idx="0"/>
+    <cs:fillRef idx="0"/>
+    <cs:effectRef idx="0"/>
+    <cs:fontRef idx="minor">
+      <a:schemeClr val="tx1"/>
+    </cs:fontRef>
+  </cs:plotArea>
+  <cs:plotArea3D mods="allowNoFillOverride allowNoLineOverride">
+    <cs:lnRef idx="0"/>
+    <cs:fillRef idx="0"/>
+    <cs:effectRef idx="0"/>
+    <cs:fontRef idx="minor">
+      <a:schemeClr val="tx1"/>
+    </cs:fontRef>
+  </cs:plotArea3D>
+  <cs:seriesAxis>
+    <cs:lnRef idx="0"/>
+    <cs:fillRef idx="0"/>
+    <cs:effectRef idx="0"/>
+    <cs:fontRef idx="minor">
+      <a:schemeClr val="tx1">
+        <a:lumMod val="65000"/>
+        <a:lumOff val="35000"/>
+      </a:schemeClr>
+    </cs:fontRef>
+    <cs:defRPr sz="900" kern="1200"/>
+  </cs:seriesAxis>
+  <cs:seriesLine>
+    <cs:lnRef idx="0"/>
+    <cs:fillRef idx="0"/>
+    <cs:effectRef idx="0"/>
+    <cs:fontRef idx="minor">
+      <a:schemeClr val="tx1"/>
+    </cs:fontRef>
+    <cs:spPr>
+      <a:ln w="9525" cap="flat" cmpd="sng" algn="ctr">
+        <a:solidFill>
+          <a:schemeClr val="tx1">
+            <a:lumMod val="35000"/>
+            <a:lumOff val="65000"/>
+          </a:schemeClr>
+        </a:solidFill>
+        <a:round/>
+      </a:ln>
+    </cs:spPr>
+  </cs:seriesLine>
+  <cs:title>
+    <cs:lnRef idx="0"/>
+    <cs:fillRef idx="0"/>
+    <cs:effectRef idx="0"/>
+    <cs:fontRef idx="minor">
+      <a:schemeClr val="tx1">
+        <a:lumMod val="65000"/>
+        <a:lumOff val="35000"/>
+      </a:schemeClr>
+    </cs:fontRef>
+    <cs:defRPr sz="1400" b="0" kern="1200" spc="0" baseline="0"/>
+  </cs:title>
+  <cs:trendline>
+    <cs:lnRef idx="0">
+      <cs:styleClr val="auto"/>
+    </cs:lnRef>
+    <cs:fillRef idx="0"/>
+    <cs:effectRef idx="0"/>
+    <cs:fontRef idx="minor">
+      <a:schemeClr val="tx1"/>
+    </cs:fontRef>
+    <cs:spPr>
+      <a:ln w="19050" cap="rnd">
+        <a:solidFill>
+          <a:schemeClr val="phClr"/>
+        </a:solidFill>
+        <a:prstDash val="sysDot"/>
+      </a:ln>
+    </cs:spPr>
+  </cs:trendline>
+  <cs:trendlineLabel>
+    <cs:lnRef idx="0"/>
+    <cs:fillRef idx="0"/>
+    <cs:effectRef idx="0"/>
+    <cs:fontRef idx="minor">
+      <a:schemeClr val="tx1">
+        <a:lumMod val="65000"/>
+        <a:lumOff val="35000"/>
+      </a:schemeClr>
+    </cs:fontRef>
+    <cs:defRPr sz="900" kern="1200"/>
+  </cs:trendlineLabel>
+  <cs:upBar>
+    <cs:lnRef idx="0"/>
+    <cs:fillRef idx="0"/>
+    <cs:effectRef idx="0"/>
+    <cs:fontRef idx="minor">
+      <a:schemeClr val="dk1"/>
+    </cs:fontRef>
+    <cs:spPr>
+      <a:solidFill>
+        <a:schemeClr val="lt1"/>
+      </a:solidFill>
+      <a:ln w="9525">
+        <a:solidFill>
+          <a:schemeClr val="tx1">
+            <a:lumMod val="15000"/>
+            <a:lumOff val="85000"/>
+          </a:schemeClr>
+        </a:solidFill>
+      </a:ln>
+    </cs:spPr>
+  </cs:upBar>
+  <cs:valueAxis>
+    <cs:lnRef idx="0"/>
+    <cs:fillRef idx="0"/>
+    <cs:effectRef idx="0"/>
+    <cs:fontRef idx="minor">
+      <a:schemeClr val="tx1">
+        <a:lumMod val="65000"/>
+        <a:lumOff val="35000"/>
+      </a:schemeClr>
+    </cs:fontRef>
+    <cs:defRPr sz="900" kern="1200"/>
+  </cs:valueAxis>
+  <cs:wall>
+    <cs:lnRef idx="0"/>
+    <cs:fillRef idx="0"/>
+    <cs:effectRef idx="0"/>
+    <cs:fontRef idx="minor">
+      <a:schemeClr val="tx1"/>
+    </cs:fontRef>
+    <cs:spPr>
+      <a:noFill/>
+      <a:ln>
+        <a:noFill/>
+      </a:ln>
+    </cs:spPr>
+  </cs:wall>
+</cs:chartStyle>
+</file>
+
+<file path=ppt/charts/style2.xml><?xml version="1.0" encoding="utf-8"?>
+<cs:chartStyle xmlns:cs="http://schemas.microsoft.com/office/drawing/2012/chartStyle" xmlns:a="http://schemas.openxmlformats.org/drawingml/2006/main" id="201">
+  <cs:axisTitle>
+    <cs:lnRef idx="0"/>
+    <cs:fillRef idx="0"/>
+    <cs:effectRef idx="0"/>
+    <cs:fontRef idx="minor">
+      <a:schemeClr val="tx1">
+        <a:lumMod val="65000"/>
+        <a:lumOff val="35000"/>
+      </a:schemeClr>
+    </cs:fontRef>
+    <cs:defRPr sz="1000" kern="1200"/>
+  </cs:axisTitle>
+  <cs:categoryAxis>
+    <cs:lnRef idx="0"/>
+    <cs:fillRef idx="0"/>
+    <cs:effectRef idx="0"/>
+    <cs:fontRef idx="minor">
+      <a:schemeClr val="tx1">
+        <a:lumMod val="65000"/>
+        <a:lumOff val="35000"/>
+      </a:schemeClr>
+    </cs:fontRef>
+    <cs:spPr>
+      <a:ln w="9525" cap="flat" cmpd="sng" algn="ctr">
+        <a:solidFill>
+          <a:schemeClr val="tx1">
+            <a:lumMod val="15000"/>
+            <a:lumOff val="85000"/>
+          </a:schemeClr>
+        </a:solidFill>
+        <a:round/>
+      </a:ln>
+    </cs:spPr>
+    <cs:defRPr sz="900" kern="1200"/>
+  </cs:categoryAxis>
+  <cs:chartArea mods="allowNoFillOverride allowNoLineOverride">
+    <cs:lnRef idx="0"/>
+    <cs:fillRef idx="0"/>
+    <cs:effectRef idx="0"/>
+    <cs:fontRef idx="minor">
+      <a:schemeClr val="tx1"/>
+    </cs:fontRef>
+    <cs:spPr>
+      <a:solidFill>
+        <a:schemeClr val="bg1"/>
+      </a:solidFill>
+      <a:ln w="9525" cap="flat" cmpd="sng" algn="ctr">
+        <a:solidFill>
+          <a:schemeClr val="tx1">
+            <a:lumMod val="15000"/>
+            <a:lumOff val="85000"/>
+          </a:schemeClr>
+        </a:solidFill>
+        <a:round/>
+      </a:ln>
+    </cs:spPr>
+    <cs:defRPr sz="1000" kern="1200"/>
+  </cs:chartArea>
+  <cs:dataLabel>
+    <cs:lnRef idx="0"/>
+    <cs:fillRef idx="0"/>
+    <cs:effectRef idx="0"/>
+    <cs:fontRef idx="minor">
+      <a:schemeClr val="tx1">
+        <a:lumMod val="75000"/>
+        <a:lumOff val="25000"/>
+      </a:schemeClr>
+    </cs:fontRef>
+    <cs:defRPr sz="900" kern="1200"/>
+  </cs:dataLabel>
+  <cs:dataLabelCallout>
+    <cs:lnRef idx="0"/>
+    <cs:fillRef idx="0"/>
+    <cs:effectRef idx="0"/>
+    <cs:fontRef idx="minor">
+      <a:schemeClr val="dk1">
+        <a:lumMod val="65000"/>
+        <a:lumOff val="35000"/>
+      </a:schemeClr>
+    </cs:fontRef>
+    <cs:spPr>
+      <a:solidFill>
+        <a:schemeClr val="lt1"/>
+      </a:solidFill>
+      <a:ln>
+        <a:solidFill>
+          <a:schemeClr val="dk1">
+            <a:lumMod val="25000"/>
+            <a:lumOff val="75000"/>
+          </a:schemeClr>
+        </a:solidFill>
+      </a:ln>
+    </cs:spPr>
+    <cs:defRPr sz="900" kern="1200"/>
+    <cs:bodyPr rot="0" spcFirstLastPara="1" vertOverflow="clip" horzOverflow="clip" vert="horz" wrap="square" lIns="36576" tIns="18288" rIns="36576" bIns="18288" anchor="ctr" anchorCtr="1">
+      <a:spAutoFit/>
+    </cs:bodyPr>
+  </cs:dataLabelCallout>
+  <cs:dataPoint>
+    <cs:lnRef idx="0"/>
+    <cs:fillRef idx="1">
+      <cs:styleClr val="auto"/>
+    </cs:fillRef>
+    <cs:effectRef idx="0"/>
+    <cs:fontRef idx="minor">
+      <a:schemeClr val="tx1"/>
+    </cs:fontRef>
+  </cs:dataPoint>
+  <cs:dataPoint3D>
+    <cs:lnRef idx="0"/>
+    <cs:fillRef idx="1">
+      <cs:styleClr val="auto"/>
+    </cs:fillRef>
+    <cs:effectRef idx="0"/>
+    <cs:fontRef idx="minor">
+      <a:schemeClr val="tx1"/>
+    </cs:fontRef>
+  </cs:dataPoint3D>
+  <cs:dataPointLine>
+    <cs:lnRef idx="0">
+      <cs:styleClr val="auto"/>
+    </cs:lnRef>
+    <cs:fillRef idx="1"/>
+    <cs:effectRef idx="0"/>
+    <cs:fontRef idx="minor">
+      <a:schemeClr val="tx1"/>
+    </cs:fontRef>
+    <cs:spPr>
+      <a:ln w="28575" cap="rnd">
+        <a:solidFill>
+          <a:schemeClr val="phClr"/>
+        </a:solidFill>
+        <a:round/>
+      </a:ln>
+    </cs:spPr>
+  </cs:dataPointLine>
+  <cs:dataPointMarker>
+    <cs:lnRef idx="0">
+      <cs:styleClr val="auto"/>
+    </cs:lnRef>
+    <cs:fillRef idx="1">
+      <cs:styleClr val="auto"/>
+    </cs:fillRef>
+    <cs:effectRef idx="0"/>
+    <cs:fontRef idx="minor">
+      <a:schemeClr val="tx1"/>
+    </cs:fontRef>
+    <cs:spPr>
+      <a:ln w="9525">
+        <a:solidFill>
+          <a:schemeClr val="phClr"/>
+        </a:solidFill>
+      </a:ln>
+    </cs:spPr>
+  </cs:dataPointMarker>
+  <cs:dataPointMarkerLayout symbol="circle" size="5"/>
+  <cs:dataPointWireframe>
+    <cs:lnRef idx="0">
+      <cs:styleClr val="auto"/>
+    </cs:lnRef>
+    <cs:fillRef idx="1"/>
+    <cs:effectRef idx="0"/>
+    <cs:fontRef idx="minor">
+      <a:schemeClr val="tx1"/>
+    </cs:fontRef>
+    <cs:spPr>
+      <a:ln w="9525" cap="rnd">
+        <a:solidFill>
+          <a:schemeClr val="phClr"/>
+        </a:solidFill>
+        <a:round/>
+      </a:ln>
+    </cs:spPr>
+  </cs:dataPointWireframe>
+  <cs:dataTable>
+    <cs:lnRef idx="0"/>
+    <cs:fillRef idx="0"/>
+    <cs:effectRef idx="0"/>
+    <cs:fontRef idx="minor">
+      <a:schemeClr val="tx1">
+        <a:lumMod val="65000"/>
+        <a:lumOff val="35000"/>
+      </a:schemeClr>
+    </cs:fontRef>
+    <cs:spPr>
+      <a:noFill/>
+      <a:ln w="9525" cap="flat" cmpd="sng" algn="ctr">
+        <a:solidFill>
+          <a:schemeClr val="tx1">
+            <a:lumMod val="15000"/>
+            <a:lumOff val="85000"/>
+          </a:schemeClr>
+        </a:solidFill>
+        <a:round/>
+      </a:ln>
+    </cs:spPr>
+    <cs:defRPr sz="900" kern="1200"/>
+  </cs:dataTable>
+  <cs:downBar>
+    <cs:lnRef idx="0"/>
+    <cs:fillRef idx="0"/>
+    <cs:effectRef idx="0"/>
+    <cs:fontRef idx="minor">
+      <a:schemeClr val="dk1"/>
+    </cs:fontRef>
+    <cs:spPr>
+      <a:solidFill>
+        <a:schemeClr val="dk1">
+          <a:lumMod val="65000"/>
+          <a:lumOff val="35000"/>
+        </a:schemeClr>
+      </a:solidFill>
+      <a:ln w="9525">
+        <a:solidFill>
+          <a:schemeClr val="tx1">
+            <a:lumMod val="65000"/>
+            <a:lumOff val="35000"/>
+          </a:schemeClr>
+        </a:solidFill>
+      </a:ln>
+    </cs:spPr>
+  </cs:downBar>
+  <cs:dropLine>
+    <cs:lnRef idx="0"/>
+    <cs:fillRef idx="0"/>
+    <cs:effectRef idx="0"/>
+    <cs:fontRef idx="minor">
+      <a:schemeClr val="tx1"/>
+    </cs:fontRef>
+    <cs:spPr>
+      <a:ln w="9525" cap="flat" cmpd="sng" algn="ctr">
+        <a:solidFill>
+          <a:schemeClr val="tx1">
+            <a:lumMod val="35000"/>
+            <a:lumOff val="65000"/>
+          </a:schemeClr>
+        </a:solidFill>
+        <a:round/>
+      </a:ln>
+    </cs:spPr>
+  </cs:dropLine>
+  <cs:errorBar>
+    <cs:lnRef idx="0"/>
+    <cs:fillRef idx="0"/>
+    <cs:effectRef idx="0"/>
+    <cs:fontRef idx="minor">
+      <a:schemeClr val="tx1"/>
+    </cs:fontRef>
+    <cs:spPr>
+      <a:ln w="9525" cap="flat" cmpd="sng" algn="ctr">
+        <a:solidFill>
+          <a:schemeClr val="tx1">
+            <a:lumMod val="65000"/>
+            <a:lumOff val="35000"/>
+          </a:schemeClr>
+        </a:solidFill>
+        <a:round/>
+      </a:ln>
+    </cs:spPr>
+  </cs:errorBar>
+  <cs:floor>
+    <cs:lnRef idx="0"/>
+    <cs:fillRef idx="0"/>
+    <cs:effectRef idx="0"/>
+    <cs:fontRef idx="minor">
+      <a:schemeClr val="tx1"/>
+    </cs:fontRef>
+    <cs:spPr>
+      <a:noFill/>
+      <a:ln>
+        <a:noFill/>
+      </a:ln>
+    </cs:spPr>
+  </cs:floor>
+  <cs:gridlineMajor>
+    <cs:lnRef idx="0"/>
+    <cs:fillRef idx="0"/>
+    <cs:effectRef idx="0"/>
+    <cs:fontRef idx="minor">
+      <a:schemeClr val="tx1"/>
+    </cs:fontRef>
+    <cs:spPr>
+      <a:ln w="9525" cap="flat" cmpd="sng" algn="ctr">
+        <a:solidFill>
+          <a:schemeClr val="tx1">
+            <a:lumMod val="15000"/>
+            <a:lumOff val="85000"/>
+          </a:schemeClr>
+        </a:solidFill>
+        <a:round/>
+      </a:ln>
+    </cs:spPr>
+  </cs:gridlineMajor>
+  <cs:gridlineMinor>
+    <cs:lnRef idx="0"/>
+    <cs:fillRef idx="0"/>
+    <cs:effectRef idx="0"/>
+    <cs:fontRef idx="minor">
+      <a:schemeClr val="tx1"/>
+    </cs:fontRef>
+    <cs:spPr>
+      <a:ln w="9525" cap="flat" cmpd="sng" algn="ctr">
+        <a:solidFill>
+          <a:schemeClr val="tx1">
+            <a:lumMod val="5000"/>
+            <a:lumOff val="95000"/>
+          </a:schemeClr>
+        </a:solidFill>
+        <a:round/>
+      </a:ln>
+    </cs:spPr>
+  </cs:gridlineMinor>
+  <cs:hiLoLine>
+    <cs:lnRef idx="0"/>
+    <cs:fillRef idx="0"/>
+    <cs:effectRef idx="0"/>
+    <cs:fontRef idx="minor">
+      <a:schemeClr val="tx1"/>
+    </cs:fontRef>
+    <cs:spPr>
+      <a:ln w="9525" cap="flat" cmpd="sng" algn="ctr">
+        <a:solidFill>
+          <a:schemeClr val="tx1">
+            <a:lumMod val="75000"/>
+            <a:lumOff val="25000"/>
+          </a:schemeClr>
+        </a:solidFill>
+        <a:round/>
+      </a:ln>
+    </cs:spPr>
+  </cs:hiLoLine>
+  <cs:leaderLine>
+    <cs:lnRef idx="0"/>
+    <cs:fillRef idx="0"/>
+    <cs:effectRef idx="0"/>
+    <cs:fontRef idx="minor">
+      <a:schemeClr val="tx1"/>
+    </cs:fontRef>
+    <cs:spPr>
+      <a:ln w="9525" cap="flat" cmpd="sng" algn="ctr">
+        <a:solidFill>
+          <a:schemeClr val="tx1">
+            <a:lumMod val="35000"/>
+            <a:lumOff val="65000"/>
+          </a:schemeClr>
+        </a:solidFill>
+        <a:round/>
+      </a:ln>
+    </cs:spPr>
+  </cs:leaderLine>
+  <cs:legend>
+    <cs:lnRef idx="0"/>
+    <cs:fillRef idx="0"/>
+    <cs:effectRef idx="0"/>
+    <cs:fontRef idx="minor">
+      <a:schemeClr val="tx1">
+        <a:lumMod val="65000"/>
+        <a:lumOff val="35000"/>
+      </a:schemeClr>
+    </cs:fontRef>
+    <cs:defRPr sz="900" kern="1200"/>
+  </cs:legend>
+  <cs:plotArea mods="allowNoFillOverride allowNoLineOverride">
+    <cs:lnRef idx="0"/>
+    <cs:fillRef idx="0"/>
+    <cs:effectRef idx="0"/>
+    <cs:fontRef idx="minor">
+      <a:schemeClr val="tx1"/>
+    </cs:fontRef>
+  </cs:plotArea>
+  <cs:plotArea3D mods="allowNoFillOverride allowNoLineOverride">
+    <cs:lnRef idx="0"/>
+    <cs:fillRef idx="0"/>
+    <cs:effectRef idx="0"/>
+    <cs:fontRef idx="minor">
+      <a:schemeClr val="tx1"/>
+    </cs:fontRef>
+  </cs:plotArea3D>
+  <cs:seriesAxis>
+    <cs:lnRef idx="0"/>
+    <cs:fillRef idx="0"/>
+    <cs:effectRef idx="0"/>
+    <cs:fontRef idx="minor">
+      <a:schemeClr val="tx1">
+        <a:lumMod val="65000"/>
+        <a:lumOff val="35000"/>
+      </a:schemeClr>
+    </cs:fontRef>
+    <cs:defRPr sz="900" kern="1200"/>
+  </cs:seriesAxis>
+  <cs:seriesLine>
+    <cs:lnRef idx="0"/>
+    <cs:fillRef idx="0"/>
+    <cs:effectRef idx="0"/>
+    <cs:fontRef idx="minor">
+      <a:schemeClr val="tx1"/>
+    </cs:fontRef>
+    <cs:spPr>
+      <a:ln w="9525" cap="flat" cmpd="sng" algn="ctr">
+        <a:solidFill>
+          <a:schemeClr val="tx1">
+            <a:lumMod val="35000"/>
+            <a:lumOff val="65000"/>
+          </a:schemeClr>
+        </a:solidFill>
+        <a:round/>
+      </a:ln>
+    </cs:spPr>
+  </cs:seriesLine>
+  <cs:title>
+    <cs:lnRef idx="0"/>
+    <cs:fillRef idx="0"/>
+    <cs:effectRef idx="0"/>
+    <cs:fontRef idx="minor">
+      <a:schemeClr val="tx1">
+        <a:lumMod val="65000"/>
+        <a:lumOff val="35000"/>
+      </a:schemeClr>
+    </cs:fontRef>
+    <cs:defRPr sz="1400" b="0" kern="1200" spc="0" baseline="0"/>
+  </cs:title>
+  <cs:trendline>
+    <cs:lnRef idx="0">
+      <cs:styleClr val="auto"/>
+    </cs:lnRef>
+    <cs:fillRef idx="0"/>
+    <cs:effectRef idx="0"/>
+    <cs:fontRef idx="minor">
+      <a:schemeClr val="tx1"/>
+    </cs:fontRef>
+    <cs:spPr>
+      <a:ln w="19050" cap="rnd">
+        <a:solidFill>
+          <a:schemeClr val="phClr"/>
+        </a:solidFill>
+        <a:prstDash val="sysDot"/>
+      </a:ln>
+    </cs:spPr>
+  </cs:trendline>
+  <cs:trendlineLabel>
+    <cs:lnRef idx="0"/>
+    <cs:fillRef idx="0"/>
+    <cs:effectRef idx="0"/>
+    <cs:fontRef idx="minor">
+      <a:schemeClr val="tx1">
+        <a:lumMod val="65000"/>
+        <a:lumOff val="35000"/>
+      </a:schemeClr>
+    </cs:fontRef>
+    <cs:defRPr sz="900" kern="1200"/>
+  </cs:trendlineLabel>
+  <cs:upBar>
+    <cs:lnRef idx="0"/>
+    <cs:fillRef idx="0"/>
+    <cs:effectRef idx="0"/>
+    <cs:fontRef idx="minor">
+      <a:schemeClr val="dk1"/>
+    </cs:fontRef>
+    <cs:spPr>
+      <a:solidFill>
+        <a:schemeClr val="lt1"/>
+      </a:solidFill>
+      <a:ln w="9525">
+        <a:solidFill>
+          <a:schemeClr val="tx1">
+            <a:lumMod val="15000"/>
+            <a:lumOff val="85000"/>
+          </a:schemeClr>
+        </a:solidFill>
+      </a:ln>
+    </cs:spPr>
+  </cs:upBar>
+  <cs:valueAxis>
+    <cs:lnRef idx="0"/>
+    <cs:fillRef idx="0"/>
+    <cs:effectRef idx="0"/>
+    <cs:fontRef idx="minor">
+      <a:schemeClr val="tx1">
+        <a:lumMod val="65000"/>
+        <a:lumOff val="35000"/>
+      </a:schemeClr>
+    </cs:fontRef>
+    <cs:defRPr sz="900" kern="1200"/>
+  </cs:valueAxis>
+  <cs:wall>
+    <cs:lnRef idx="0"/>
+    <cs:fillRef idx="0"/>
+    <cs:effectRef idx="0"/>
+    <cs:fontRef idx="minor">
+      <a:schemeClr val="tx1"/>
+    </cs:fontRef>
+    <cs:spPr>
+      <a:noFill/>
+      <a:ln>
+        <a:noFill/>
+      </a:ln>
+    </cs:spPr>
+  </cs:wall>
+</cs:chartStyle>
+</file>
+
+<file path=ppt/charts/style3.xml><?xml version="1.0" encoding="utf-8"?>
+<cs:chartStyle xmlns:cs="http://schemas.microsoft.com/office/drawing/2012/chartStyle" xmlns:a="http://schemas.openxmlformats.org/drawingml/2006/main" id="201">
+  <cs:axisTitle>
+    <cs:lnRef idx="0"/>
+    <cs:fillRef idx="0"/>
+    <cs:effectRef idx="0"/>
+    <cs:fontRef idx="minor">
+      <a:schemeClr val="tx1">
+        <a:lumMod val="65000"/>
+        <a:lumOff val="35000"/>
+      </a:schemeClr>
+    </cs:fontRef>
+    <cs:defRPr sz="1000" kern="1200"/>
+  </cs:axisTitle>
+  <cs:categoryAxis>
+    <cs:lnRef idx="0"/>
+    <cs:fillRef idx="0"/>
+    <cs:effectRef idx="0"/>
+    <cs:fontRef idx="minor">
+      <a:schemeClr val="tx1">
+        <a:lumMod val="65000"/>
+        <a:lumOff val="35000"/>
+      </a:schemeClr>
+    </cs:fontRef>
+    <cs:spPr>
+      <a:ln w="9525" cap="flat" cmpd="sng" algn="ctr">
+        <a:solidFill>
+          <a:schemeClr val="tx1">
+            <a:lumMod val="15000"/>
+            <a:lumOff val="85000"/>
+          </a:schemeClr>
+        </a:solidFill>
+        <a:round/>
+      </a:ln>
+    </cs:spPr>
+    <cs:defRPr sz="900" kern="1200"/>
+  </cs:categoryAxis>
+  <cs:chartArea mods="allowNoFillOverride allowNoLineOverride">
+    <cs:lnRef idx="0"/>
+    <cs:fillRef idx="0"/>
+    <cs:effectRef idx="0"/>
+    <cs:fontRef idx="minor">
+      <a:schemeClr val="tx1"/>
+    </cs:fontRef>
+    <cs:spPr>
+      <a:solidFill>
+        <a:schemeClr val="bg1"/>
+      </a:solidFill>
+      <a:ln w="9525" cap="flat" cmpd="sng" algn="ctr">
+        <a:solidFill>
+          <a:schemeClr val="tx1">
+            <a:lumMod val="15000"/>
+            <a:lumOff val="85000"/>
+          </a:schemeClr>
+        </a:solidFill>
+        <a:round/>
+      </a:ln>
+    </cs:spPr>
+    <cs:defRPr sz="1000" kern="1200"/>
+  </cs:chartArea>
+  <cs:dataLabel>
+    <cs:lnRef idx="0"/>
+    <cs:fillRef idx="0"/>
+    <cs:effectRef idx="0"/>
+    <cs:fontRef idx="minor">
+      <a:schemeClr val="tx1">
+        <a:lumMod val="75000"/>
+        <a:lumOff val="25000"/>
+      </a:schemeClr>
+    </cs:fontRef>
+    <cs:defRPr sz="900" kern="1200"/>
+  </cs:dataLabel>
+  <cs:dataLabelCallout>
+    <cs:lnRef idx="0"/>
+    <cs:fillRef idx="0"/>
+    <cs:effectRef idx="0"/>
+    <cs:fontRef idx="minor">
+      <a:schemeClr val="dk1">
+        <a:lumMod val="65000"/>
+        <a:lumOff val="35000"/>
+      </a:schemeClr>
+    </cs:fontRef>
+    <cs:spPr>
+      <a:solidFill>
+        <a:schemeClr val="lt1"/>
+      </a:solidFill>
+      <a:ln>
+        <a:solidFill>
+          <a:schemeClr val="dk1">
+            <a:lumMod val="25000"/>
+            <a:lumOff val="75000"/>
+          </a:schemeClr>
+        </a:solidFill>
+      </a:ln>
+    </cs:spPr>
+    <cs:defRPr sz="900" kern="1200"/>
+    <cs:bodyPr rot="0" spcFirstLastPara="1" vertOverflow="clip" horzOverflow="clip" vert="horz" wrap="square" lIns="36576" tIns="18288" rIns="36576" bIns="18288" anchor="ctr" anchorCtr="1">
+      <a:spAutoFit/>
+    </cs:bodyPr>
+  </cs:dataLabelCallout>
+  <cs:dataPoint>
+    <cs:lnRef idx="0"/>
+    <cs:fillRef idx="1">
+      <cs:styleClr val="auto"/>
+    </cs:fillRef>
+    <cs:effectRef idx="0"/>
+    <cs:fontRef idx="minor">
+      <a:schemeClr val="tx1"/>
+    </cs:fontRef>
+  </cs:dataPoint>
+  <cs:dataPoint3D>
+    <cs:lnRef idx="0"/>
+    <cs:fillRef idx="1">
+      <cs:styleClr val="auto"/>
+    </cs:fillRef>
+    <cs:effectRef idx="0"/>
+    <cs:fontRef idx="minor">
+      <a:schemeClr val="tx1"/>
+    </cs:fontRef>
+  </cs:dataPoint3D>
+  <cs:dataPointLine>
+    <cs:lnRef idx="0">
+      <cs:styleClr val="auto"/>
+    </cs:lnRef>
+    <cs:fillRef idx="1"/>
+    <cs:effectRef idx="0"/>
+    <cs:fontRef idx="minor">
+      <a:schemeClr val="tx1"/>
+    </cs:fontRef>
+    <cs:spPr>
+      <a:ln w="28575" cap="rnd">
+        <a:solidFill>
+          <a:schemeClr val="phClr"/>
+        </a:solidFill>
+        <a:round/>
+      </a:ln>
+    </cs:spPr>
+  </cs:dataPointLine>
+  <cs:dataPointMarker>
+    <cs:lnRef idx="0">
+      <cs:styleClr val="auto"/>
+    </cs:lnRef>
+    <cs:fillRef idx="1">
+      <cs:styleClr val="auto"/>
+    </cs:fillRef>
+    <cs:effectRef idx="0"/>
+    <cs:fontRef idx="minor">
+      <a:schemeClr val="tx1"/>
+    </cs:fontRef>
+    <cs:spPr>
+      <a:ln w="9525">
+        <a:solidFill>
+          <a:schemeClr val="phClr"/>
+        </a:solidFill>
+      </a:ln>
+    </cs:spPr>
+  </cs:dataPointMarker>
+  <cs:dataPointMarkerLayout symbol="circle" size="5"/>
+  <cs:dataPointWireframe>
+    <cs:lnRef idx="0">
+      <cs:styleClr val="auto"/>
+    </cs:lnRef>
+    <cs:fillRef idx="1"/>
+    <cs:effectRef idx="0"/>
+    <cs:fontRef idx="minor">
+      <a:schemeClr val="tx1"/>
+    </cs:fontRef>
+    <cs:spPr>
+      <a:ln w="9525" cap="rnd">
+        <a:solidFill>
+          <a:schemeClr val="phClr"/>
+        </a:solidFill>
+        <a:round/>
+      </a:ln>
+    </cs:spPr>
+  </cs:dataPointWireframe>
+  <cs:dataTable>
+    <cs:lnRef idx="0"/>
+    <cs:fillRef idx="0"/>
+    <cs:effectRef idx="0"/>
+    <cs:fontRef idx="minor">
+      <a:schemeClr val="tx1">
+        <a:lumMod val="65000"/>
+        <a:lumOff val="35000"/>
+      </a:schemeClr>
+    </cs:fontRef>
+    <cs:spPr>
+      <a:noFill/>
+      <a:ln w="9525" cap="flat" cmpd="sng" algn="ctr">
+        <a:solidFill>
+          <a:schemeClr val="tx1">
+            <a:lumMod val="15000"/>
+            <a:lumOff val="85000"/>
+          </a:schemeClr>
+        </a:solidFill>
+        <a:round/>
+      </a:ln>
+    </cs:spPr>
+    <cs:defRPr sz="900" kern="1200"/>
+  </cs:dataTable>
+  <cs:downBar>
+    <cs:lnRef idx="0"/>
+    <cs:fillRef idx="0"/>
+    <cs:effectRef idx="0"/>
+    <cs:fontRef idx="minor">
+      <a:schemeClr val="dk1"/>
+    </cs:fontRef>
+    <cs:spPr>
+      <a:solidFill>
+        <a:schemeClr val="dk1">
+          <a:lumMod val="65000"/>
+          <a:lumOff val="35000"/>
+        </a:schemeClr>
+      </a:solidFill>
+      <a:ln w="9525">
+        <a:solidFill>
+          <a:schemeClr val="tx1">
+            <a:lumMod val="65000"/>
+            <a:lumOff val="35000"/>
+          </a:schemeClr>
+        </a:solidFill>
+      </a:ln>
+    </cs:spPr>
+  </cs:downBar>
+  <cs:dropLine>
+    <cs:lnRef idx="0"/>
+    <cs:fillRef idx="0"/>
+    <cs:effectRef idx="0"/>
+    <cs:fontRef idx="minor">
+      <a:schemeClr val="tx1"/>
+    </cs:fontRef>
+    <cs:spPr>
+      <a:ln w="9525" cap="flat" cmpd="sng" algn="ctr">
+        <a:solidFill>
+          <a:schemeClr val="tx1">
+            <a:lumMod val="35000"/>
+            <a:lumOff val="65000"/>
+          </a:schemeClr>
+        </a:solidFill>
+        <a:round/>
+      </a:ln>
+    </cs:spPr>
+  </cs:dropLine>
+  <cs:errorBar>
+    <cs:lnRef idx="0"/>
+    <cs:fillRef idx="0"/>
+    <cs:effectRef idx="0"/>
+    <cs:fontRef idx="minor">
+      <a:schemeClr val="tx1"/>
+    </cs:fontRef>
+    <cs:spPr>
+      <a:ln w="9525" cap="flat" cmpd="sng" algn="ctr">
+        <a:solidFill>
+          <a:schemeClr val="tx1">
+            <a:lumMod val="65000"/>
+            <a:lumOff val="35000"/>
+          </a:schemeClr>
+        </a:solidFill>
+        <a:round/>
+      </a:ln>
+    </cs:spPr>
+  </cs:errorBar>
+  <cs:floor>
+    <cs:lnRef idx="0"/>
+    <cs:fillRef idx="0"/>
+    <cs:effectRef idx="0"/>
+    <cs:fontRef idx="minor">
+      <a:schemeClr val="tx1"/>
+    </cs:fontRef>
+    <cs:spPr>
+      <a:noFill/>
+      <a:ln>
+        <a:noFill/>
+      </a:ln>
+    </cs:spPr>
+  </cs:floor>
+  <cs:gridlineMajor>
+    <cs:lnRef idx="0"/>
+    <cs:fillRef idx="0"/>
+    <cs:effectRef idx="0"/>
+    <cs:fontRef idx="minor">
+      <a:schemeClr val="tx1"/>
+    </cs:fontRef>
+    <cs:spPr>
+      <a:ln w="9525" cap="flat" cmpd="sng" algn="ctr">
+        <a:solidFill>
+          <a:schemeClr val="tx1">
+            <a:lumMod val="15000"/>
+            <a:lumOff val="85000"/>
+          </a:schemeClr>
+        </a:solidFill>
+        <a:round/>
+      </a:ln>
+    </cs:spPr>
+  </cs:gridlineMajor>
+  <cs:gridlineMinor>
+    <cs:lnRef idx="0"/>
+    <cs:fillRef idx="0"/>
+    <cs:effectRef idx="0"/>
+    <cs:fontRef idx="minor">
+      <a:schemeClr val="tx1"/>
+    </cs:fontRef>
+    <cs:spPr>
+      <a:ln w="9525" cap="flat" cmpd="sng" algn="ctr">
+        <a:solidFill>
+          <a:schemeClr val="tx1">
+            <a:lumMod val="5000"/>
+            <a:lumOff val="95000"/>
+          </a:schemeClr>
+        </a:solidFill>
+        <a:round/>
+      </a:ln>
+    </cs:spPr>
+  </cs:gridlineMinor>
+  <cs:hiLoLine>
+    <cs:lnRef idx="0"/>
+    <cs:fillRef idx="0"/>
+    <cs:effectRef idx="0"/>
+    <cs:fontRef idx="minor">
+      <a:schemeClr val="tx1"/>
+    </cs:fontRef>
+    <cs:spPr>
+      <a:ln w="9525" cap="flat" cmpd="sng" algn="ctr">
+        <a:solidFill>
+          <a:schemeClr val="tx1">
+            <a:lumMod val="75000"/>
+            <a:lumOff val="25000"/>
+          </a:schemeClr>
+        </a:solidFill>
+        <a:round/>
+      </a:ln>
+    </cs:spPr>
+  </cs:hiLoLine>
+  <cs:leaderLine>
+    <cs:lnRef idx="0"/>
+    <cs:fillRef idx="0"/>
+    <cs:effectRef idx="0"/>
+    <cs:fontRef idx="minor">
+      <a:schemeClr val="tx1"/>
+    </cs:fontRef>
+    <cs:spPr>
+      <a:ln w="9525" cap="flat" cmpd="sng" algn="ctr">
+        <a:solidFill>
+          <a:schemeClr val="tx1">
+            <a:lumMod val="35000"/>
+            <a:lumOff val="65000"/>
+          </a:schemeClr>
+        </a:solidFill>
+        <a:round/>
+      </a:ln>
+    </cs:spPr>
+  </cs:leaderLine>
+  <cs:legend>
+    <cs:lnRef idx="0"/>
+    <cs:fillRef idx="0"/>
+    <cs:effectRef idx="0"/>
+    <cs:fontRef idx="minor">
+      <a:schemeClr val="tx1">
+        <a:lumMod val="65000"/>
+        <a:lumOff val="35000"/>
+      </a:schemeClr>
+    </cs:fontRef>
+    <cs:defRPr sz="900" kern="1200"/>
+  </cs:legend>
+  <cs:plotArea mods="allowNoFillOverride allowNoLineOverride">
+    <cs:lnRef idx="0"/>
+    <cs:fillRef idx="0"/>
+    <cs:effectRef idx="0"/>
+    <cs:fontRef idx="minor">
+      <a:schemeClr val="tx1"/>
+    </cs:fontRef>
+  </cs:plotArea>
+  <cs:plotArea3D mods="allowNoFillOverride allowNoLineOverride">
+    <cs:lnRef idx="0"/>
+    <cs:fillRef idx="0"/>
+    <cs:effectRef idx="0"/>
+    <cs:fontRef idx="minor">
+      <a:schemeClr val="tx1"/>
+    </cs:fontRef>
+  </cs:plotArea3D>
+  <cs:seriesAxis>
+    <cs:lnRef idx="0"/>
+    <cs:fillRef idx="0"/>
+    <cs:effectRef idx="0"/>
+    <cs:fontRef idx="minor">
+      <a:schemeClr val="tx1">
+        <a:lumMod val="65000"/>
+        <a:lumOff val="35000"/>
+      </a:schemeClr>
+    </cs:fontRef>
+    <cs:defRPr sz="900" kern="1200"/>
+  </cs:seriesAxis>
+  <cs:seriesLine>
+    <cs:lnRef idx="0"/>
+    <cs:fillRef idx="0"/>
+    <cs:effectRef idx="0"/>
+    <cs:fontRef idx="minor">
+      <a:schemeClr val="tx1"/>
+    </cs:fontRef>
+    <cs:spPr>
+      <a:ln w="9525" cap="flat" cmpd="sng" algn="ctr">
+        <a:solidFill>
+          <a:schemeClr val="tx1">
+            <a:lumMod val="35000"/>
+            <a:lumOff val="65000"/>
+          </a:schemeClr>
+        </a:solidFill>
+        <a:round/>
+      </a:ln>
+    </cs:spPr>
+  </cs:seriesLine>
+  <cs:title>
+    <cs:lnRef idx="0"/>
+    <cs:fillRef idx="0"/>
+    <cs:effectRef idx="0"/>
+    <cs:fontRef idx="minor">
+      <a:schemeClr val="tx1">
+        <a:lumMod val="65000"/>
+        <a:lumOff val="35000"/>
+      </a:schemeClr>
+    </cs:fontRef>
+    <cs:defRPr sz="1400" b="0" kern="1200" spc="0" baseline="0"/>
+  </cs:title>
+  <cs:trendline>
+    <cs:lnRef idx="0">
+      <cs:styleClr val="auto"/>
+    </cs:lnRef>
+    <cs:fillRef idx="0"/>
+    <cs:effectRef idx="0"/>
+    <cs:fontRef idx="minor">
+      <a:schemeClr val="tx1"/>
+    </cs:fontRef>
+    <cs:spPr>
+      <a:ln w="19050" cap="rnd">
+        <a:solidFill>
+          <a:schemeClr val="phClr"/>
+        </a:solidFill>
+        <a:prstDash val="sysDot"/>
+      </a:ln>
+    </cs:spPr>
+  </cs:trendline>
+  <cs:trendlineLabel>
+    <cs:lnRef idx="0"/>
+    <cs:fillRef idx="0"/>
+    <cs:effectRef idx="0"/>
+    <cs:fontRef idx="minor">
+      <a:schemeClr val="tx1">
+        <a:lumMod val="65000"/>
+        <a:lumOff val="35000"/>
+      </a:schemeClr>
+    </cs:fontRef>
+    <cs:defRPr sz="900" kern="1200"/>
+  </cs:trendlineLabel>
+  <cs:upBar>
+    <cs:lnRef idx="0"/>
+    <cs:fillRef idx="0"/>
+    <cs:effectRef idx="0"/>
+    <cs:fontRef idx="minor">
+      <a:schemeClr val="dk1"/>
+    </cs:fontRef>
+    <cs:spPr>
+      <a:solidFill>
+        <a:schemeClr val="lt1"/>
+      </a:solidFill>
+      <a:ln w="9525">
+        <a:solidFill>
+          <a:schemeClr val="tx1">
+            <a:lumMod val="15000"/>
+            <a:lumOff val="85000"/>
+          </a:schemeClr>
+        </a:solidFill>
+      </a:ln>
+    </cs:spPr>
+  </cs:upBar>
+  <cs:valueAxis>
+    <cs:lnRef idx="0"/>
+    <cs:fillRef idx="0"/>
+    <cs:effectRef idx="0"/>
+    <cs:fontRef idx="minor">
+      <a:schemeClr val="tx1">
+        <a:lumMod val="65000"/>
+        <a:lumOff val="35000"/>
+      </a:schemeClr>
+    </cs:fontRef>
+    <cs:defRPr sz="900" kern="1200"/>
+  </cs:valueAxis>
+  <cs:wall>
+    <cs:lnRef idx="0"/>
+    <cs:fillRef idx="0"/>
+    <cs:effectRef idx="0"/>
+    <cs:fontRef idx="minor">
+      <a:schemeClr val="tx1"/>
+    </cs:fontRef>
+    <cs:spPr>
+      <a:noFill/>
+      <a:ln>
+        <a:noFill/>
+      </a:ln>
+    </cs:spPr>
+  </cs:wall>
+</cs:chartStyle>
+</file>
+
+<file path=ppt/charts/style4.xml><?xml version="1.0" encoding="utf-8"?>
 <cs:chartStyle xmlns:cs="http://schemas.microsoft.com/office/drawing/2012/chartStyle" xmlns:a="http://schemas.openxmlformats.org/drawingml/2006/main" id="201">
   <cs:axisTitle>
     <cs:lnRef idx="0"/>
@@ -1364,7 +4553,7 @@
           <a:p>
             <a:fld id="{2EE14DF7-4E88-444C-AEF6-ECA283CD6D97}" type="slidenum">
               <a:rPr lang="en-US" smtClean="0"/>
-              <a:t>‹#›</a:t>
+              <a:t>‹N°›</a:t>
             </a:fld>
             <a:endParaRPr lang="en-US"/>
           </a:p>
@@ -1562,7 +4751,7 @@
           <a:p>
             <a:fld id="{2EE14DF7-4E88-444C-AEF6-ECA283CD6D97}" type="slidenum">
               <a:rPr lang="en-US" smtClean="0"/>
-              <a:t>‹#›</a:t>
+              <a:t>‹N°›</a:t>
             </a:fld>
             <a:endParaRPr lang="en-US"/>
           </a:p>
@@ -1770,7 +4959,7 @@
           <a:p>
             <a:fld id="{2EE14DF7-4E88-444C-AEF6-ECA283CD6D97}" type="slidenum">
               <a:rPr lang="en-US" smtClean="0"/>
-              <a:t>‹#›</a:t>
+              <a:t>‹N°›</a:t>
             </a:fld>
             <a:endParaRPr lang="en-US"/>
           </a:p>
@@ -1968,7 +5157,7 @@
           <a:p>
             <a:fld id="{2EE14DF7-4E88-444C-AEF6-ECA283CD6D97}" type="slidenum">
               <a:rPr lang="en-US" smtClean="0"/>
-              <a:t>‹#›</a:t>
+              <a:t>‹N°›</a:t>
             </a:fld>
             <a:endParaRPr lang="en-US"/>
           </a:p>
@@ -2243,7 +5432,7 @@
           <a:p>
             <a:fld id="{2EE14DF7-4E88-444C-AEF6-ECA283CD6D97}" type="slidenum">
               <a:rPr lang="en-US" smtClean="0"/>
-              <a:t>‹#›</a:t>
+              <a:t>‹N°›</a:t>
             </a:fld>
             <a:endParaRPr lang="en-US"/>
           </a:p>
@@ -2508,7 +5697,7 @@
           <a:p>
             <a:fld id="{2EE14DF7-4E88-444C-AEF6-ECA283CD6D97}" type="slidenum">
               <a:rPr lang="en-US" smtClean="0"/>
-              <a:t>‹#›</a:t>
+              <a:t>‹N°›</a:t>
             </a:fld>
             <a:endParaRPr lang="en-US"/>
           </a:p>
@@ -2920,7 +6109,7 @@
           <a:p>
             <a:fld id="{2EE14DF7-4E88-444C-AEF6-ECA283CD6D97}" type="slidenum">
               <a:rPr lang="en-US" smtClean="0"/>
-              <a:t>‹#›</a:t>
+              <a:t>‹N°›</a:t>
             </a:fld>
             <a:endParaRPr lang="en-US"/>
           </a:p>
@@ -3061,7 +6250,7 @@
           <a:p>
             <a:fld id="{2EE14DF7-4E88-444C-AEF6-ECA283CD6D97}" type="slidenum">
               <a:rPr lang="en-US" smtClean="0"/>
-              <a:t>‹#›</a:t>
+              <a:t>‹N°›</a:t>
             </a:fld>
             <a:endParaRPr lang="en-US"/>
           </a:p>
@@ -3174,7 +6363,7 @@
           <a:p>
             <a:fld id="{2EE14DF7-4E88-444C-AEF6-ECA283CD6D97}" type="slidenum">
               <a:rPr lang="en-US" smtClean="0"/>
-              <a:t>‹#›</a:t>
+              <a:t>‹N°›</a:t>
             </a:fld>
             <a:endParaRPr lang="en-US"/>
           </a:p>
@@ -3485,7 +6674,7 @@
           <a:p>
             <a:fld id="{2EE14DF7-4E88-444C-AEF6-ECA283CD6D97}" type="slidenum">
               <a:rPr lang="en-US" smtClean="0"/>
-              <a:t>‹#›</a:t>
+              <a:t>‹N°›</a:t>
             </a:fld>
             <a:endParaRPr lang="en-US"/>
           </a:p>
@@ -3773,7 +6962,7 @@
           <a:p>
             <a:fld id="{2EE14DF7-4E88-444C-AEF6-ECA283CD6D97}" type="slidenum">
               <a:rPr lang="en-US" smtClean="0"/>
-              <a:t>‹#›</a:t>
+              <a:t>‹N°›</a:t>
             </a:fld>
             <a:endParaRPr lang="en-US"/>
           </a:p>
@@ -4050,7 +7239,7 @@
           <a:p>
             <a:fld id="{2EE14DF7-4E88-444C-AEF6-ECA283CD6D97}" type="slidenum">
               <a:rPr lang="en-US" smtClean="0"/>
-              <a:t>‹#›</a:t>
+              <a:t>‹N°›</a:t>
             </a:fld>
             <a:endParaRPr lang="en-US"/>
           </a:p>
@@ -4377,223 +7566,994 @@
           <a:chExt cx="0" cy="0"/>
         </a:xfrm>
       </p:grpSpPr>
-      <p:grpSp>
-        <p:nvGrpSpPr>
-          <p:cNvPr id="10" name="Group 9">
+      <p:sp>
+        <p:nvSpPr>
+          <p:cNvPr id="14" name="TextBox 6">
             <a:extLst>
               <a:ext uri="{FF2B5EF4-FFF2-40B4-BE49-F238E27FC236}">
-                <a16:creationId xmlns:a16="http://schemas.microsoft.com/office/drawing/2014/main" id="{33A2E9A2-AD70-4E47-A9CC-FC66E2AC7CBC}"/>
+                <a16:creationId xmlns:a16="http://schemas.microsoft.com/office/drawing/2014/main" id="{25F058B0-B2B5-4E5B-8868-C3970D34FFA5}"/>
               </a:ext>
             </a:extLst>
           </p:cNvPr>
-          <p:cNvGrpSpPr/>
+          <p:cNvSpPr txBox="1"/>
           <p:nvPr/>
-        </p:nvGrpSpPr>
-        <p:grpSpPr>
+        </p:nvSpPr>
+        <p:spPr>
           <a:xfrm>
-            <a:off x="2725445" y="896643"/>
-            <a:ext cx="5869915" cy="4212567"/>
-            <a:chOff x="2725445" y="896643"/>
-            <a:chExt cx="5869915" cy="4212567"/>
+            <a:off x="8853701" y="184373"/>
+            <a:ext cx="2934958" cy="4212565"/>
           </a:xfrm>
-        </p:grpSpPr>
-        <p:graphicFrame>
-          <p:nvGraphicFramePr>
-            <p:cNvPr id="4" name="Chart 3">
-              <a:extLst>
-                <a:ext uri="{FF2B5EF4-FFF2-40B4-BE49-F238E27FC236}">
-                  <a16:creationId xmlns:a16="http://schemas.microsoft.com/office/drawing/2014/main" id="{05873BDB-763D-494F-9859-040380BAFC90}"/>
-                </a:ext>
-              </a:extLst>
-            </p:cNvPr>
-            <p:cNvGraphicFramePr>
-              <a:graphicFrameLocks/>
-            </p:cNvGraphicFramePr>
-            <p:nvPr>
-              <p:extLst>
-                <p:ext uri="{D42A27DB-BD31-4B8C-83A1-F6EECF244321}">
-                  <p14:modId xmlns:p14="http://schemas.microsoft.com/office/powerpoint/2010/main" val="2956794157"/>
-                </p:ext>
-              </p:extLst>
-            </p:nvPr>
-          </p:nvGraphicFramePr>
-          <p:xfrm>
-            <a:off x="2725445" y="1624614"/>
-            <a:ext cx="5869915" cy="3484596"/>
-          </p:xfrm>
-          <a:graphic>
-            <a:graphicData uri="http://schemas.openxmlformats.org/drawingml/2006/chart">
-              <c:chart xmlns:c="http://schemas.openxmlformats.org/drawingml/2006/chart" xmlns:r="http://schemas.openxmlformats.org/officeDocument/2006/relationships" r:id="rId2"/>
-            </a:graphicData>
-          </a:graphic>
-        </p:graphicFrame>
-        <p:sp>
-          <p:nvSpPr>
-            <p:cNvPr id="5" name="TextBox 4">
-              <a:extLst>
-                <a:ext uri="{FF2B5EF4-FFF2-40B4-BE49-F238E27FC236}">
-                  <a16:creationId xmlns:a16="http://schemas.microsoft.com/office/drawing/2014/main" id="{2A371794-1017-478E-B69E-3AAEE3B1F84D}"/>
-                </a:ext>
-              </a:extLst>
-            </p:cNvPr>
-            <p:cNvSpPr txBox="1"/>
-            <p:nvPr/>
-          </p:nvSpPr>
-          <p:spPr>
-            <a:xfrm>
-              <a:off x="3335341" y="896643"/>
-              <a:ext cx="2254928" cy="4212565"/>
-            </a:xfrm>
-            <a:prstGeom prst="rect">
-              <a:avLst/>
-            </a:prstGeom>
+          <a:prstGeom prst="rect">
+            <a:avLst/>
+          </a:prstGeom>
+          <a:solidFill>
+            <a:srgbClr val="66CCFF">
+              <a:alpha val="5490"/>
+            </a:srgbClr>
+          </a:solidFill>
+          <a:ln>
             <a:solidFill>
-              <a:srgbClr val="00FF00">
-                <a:alpha val="5882"/>
-              </a:srgbClr>
+              <a:schemeClr val="tx1"/>
             </a:solidFill>
-            <a:ln>
-              <a:solidFill>
-                <a:schemeClr val="tx1"/>
-              </a:solidFill>
-              <a:prstDash val="dashDot"/>
-            </a:ln>
-          </p:spPr>
-          <p:txBody>
-            <a:bodyPr wrap="square" rtlCol="0">
-              <a:spAutoFit/>
-            </a:bodyPr>
-            <a:lstStyle/>
-            <a:p>
-              <a:endParaRPr lang="en-US" dirty="0"/>
-            </a:p>
-          </p:txBody>
-        </p:sp>
-        <p:sp>
-          <p:nvSpPr>
-            <p:cNvPr id="7" name="TextBox 6">
-              <a:extLst>
-                <a:ext uri="{FF2B5EF4-FFF2-40B4-BE49-F238E27FC236}">
-                  <a16:creationId xmlns:a16="http://schemas.microsoft.com/office/drawing/2014/main" id="{25F058B0-B2B5-4E5B-8868-C3970D34FFA5}"/>
-                </a:ext>
-              </a:extLst>
-            </p:cNvPr>
-            <p:cNvSpPr txBox="1"/>
-            <p:nvPr/>
-          </p:nvSpPr>
-          <p:spPr>
-            <a:xfrm>
-              <a:off x="5649750" y="896644"/>
-              <a:ext cx="2934958" cy="4212565"/>
-            </a:xfrm>
-            <a:prstGeom prst="rect">
-              <a:avLst/>
-            </a:prstGeom>
+            <a:prstDash val="dashDot"/>
+          </a:ln>
+        </p:spPr>
+        <p:txBody>
+          <a:bodyPr wrap="square" rtlCol="0">
+            <a:spAutoFit/>
+          </a:bodyPr>
+          <a:lstStyle/>
+          <a:p>
+            <a:endParaRPr lang="en-US" dirty="0"/>
+          </a:p>
+        </p:txBody>
+      </p:sp>
+      <p:graphicFrame>
+        <p:nvGraphicFramePr>
+          <p:cNvPr id="4" name="Chart 3">
+            <a:extLst>
+              <a:ext uri="{FF2B5EF4-FFF2-40B4-BE49-F238E27FC236}">
+                <a16:creationId xmlns:a16="http://schemas.microsoft.com/office/drawing/2014/main" id="{05873BDB-763D-494F-9859-040380BAFC90}"/>
+              </a:ext>
+            </a:extLst>
+          </p:cNvPr>
+          <p:cNvGraphicFramePr>
+            <a:graphicFrameLocks/>
+          </p:cNvGraphicFramePr>
+          <p:nvPr>
+            <p:extLst>
+              <p:ext uri="{D42A27DB-BD31-4B8C-83A1-F6EECF244321}">
+                <p14:modId xmlns:p14="http://schemas.microsoft.com/office/powerpoint/2010/main" val="2956794157"/>
+              </p:ext>
+            </p:extLst>
+          </p:nvPr>
+        </p:nvGraphicFramePr>
+        <p:xfrm>
+          <a:off x="0" y="912344"/>
+          <a:ext cx="5869915" cy="3484596"/>
+        </p:xfrm>
+        <a:graphic>
+          <a:graphicData uri="http://schemas.openxmlformats.org/drawingml/2006/chart">
+            <c:chart xmlns:c="http://schemas.openxmlformats.org/drawingml/2006/chart" xmlns:r="http://schemas.openxmlformats.org/officeDocument/2006/relationships" r:id="rId2"/>
+          </a:graphicData>
+        </a:graphic>
+      </p:graphicFrame>
+      <p:sp>
+        <p:nvSpPr>
+          <p:cNvPr id="5" name="TextBox 4">
+            <a:extLst>
+              <a:ext uri="{FF2B5EF4-FFF2-40B4-BE49-F238E27FC236}">
+                <a16:creationId xmlns:a16="http://schemas.microsoft.com/office/drawing/2014/main" id="{2A371794-1017-478E-B69E-3AAEE3B1F84D}"/>
+              </a:ext>
+            </a:extLst>
+          </p:cNvPr>
+          <p:cNvSpPr txBox="1"/>
+          <p:nvPr/>
+        </p:nvSpPr>
+        <p:spPr>
+          <a:xfrm>
+            <a:off x="609896" y="184373"/>
+            <a:ext cx="2254928" cy="4212565"/>
+          </a:xfrm>
+          <a:prstGeom prst="rect">
+            <a:avLst/>
+          </a:prstGeom>
+          <a:solidFill>
+            <a:srgbClr val="00FF00">
+              <a:alpha val="5882"/>
+            </a:srgbClr>
+          </a:solidFill>
+          <a:ln>
             <a:solidFill>
-              <a:srgbClr val="66CCFF">
-                <a:alpha val="5490"/>
-              </a:srgbClr>
+              <a:schemeClr val="tx1"/>
             </a:solidFill>
-            <a:ln>
-              <a:solidFill>
-                <a:schemeClr val="tx1"/>
-              </a:solidFill>
-              <a:prstDash val="dashDot"/>
-            </a:ln>
-          </p:spPr>
-          <p:txBody>
-            <a:bodyPr wrap="square" rtlCol="0">
-              <a:spAutoFit/>
-            </a:bodyPr>
-            <a:lstStyle/>
-            <a:p>
-              <a:endParaRPr lang="en-US" dirty="0"/>
-            </a:p>
-          </p:txBody>
-        </p:sp>
-        <p:sp>
-          <p:nvSpPr>
-            <p:cNvPr id="8" name="TextBox 7">
-              <a:extLst>
-                <a:ext uri="{FF2B5EF4-FFF2-40B4-BE49-F238E27FC236}">
-                  <a16:creationId xmlns:a16="http://schemas.microsoft.com/office/drawing/2014/main" id="{7B161431-8DFF-4C32-AEED-F6CF7429D86D}"/>
-                </a:ext>
-              </a:extLst>
-            </p:cNvPr>
-            <p:cNvSpPr txBox="1"/>
-            <p:nvPr/>
-          </p:nvSpPr>
-          <p:spPr>
-            <a:xfrm>
-              <a:off x="3275860" y="1302344"/>
-              <a:ext cx="2254928" cy="307777"/>
-            </a:xfrm>
-            <a:prstGeom prst="rect">
-              <a:avLst/>
-            </a:prstGeom>
-            <a:noFill/>
-          </p:spPr>
-          <p:txBody>
-            <a:bodyPr wrap="square" rtlCol="0">
-              <a:spAutoFit/>
-            </a:bodyPr>
-            <a:lstStyle/>
-            <a:p>
-              <a:pPr algn="ctr"/>
-              <a:r>
-                <a:rPr lang="en-US" sz="1400" dirty="0">
-                  <a:latin typeface="Arial" panose="020B0604020202020204" pitchFamily="34" charset="0"/>
-                  <a:cs typeface="Arial" panose="020B0604020202020204" pitchFamily="34" charset="0"/>
-                </a:rPr>
-                <a:t>Base, 2021</a:t>
-              </a:r>
-            </a:p>
-          </p:txBody>
-        </p:sp>
-        <p:sp>
-          <p:nvSpPr>
-            <p:cNvPr id="9" name="TextBox 8">
-              <a:extLst>
-                <a:ext uri="{FF2B5EF4-FFF2-40B4-BE49-F238E27FC236}">
-                  <a16:creationId xmlns:a16="http://schemas.microsoft.com/office/drawing/2014/main" id="{EC1E7AF2-533A-4F2F-AA18-6381A86BA114}"/>
-                </a:ext>
-              </a:extLst>
-            </p:cNvPr>
-            <p:cNvSpPr txBox="1"/>
-            <p:nvPr/>
-          </p:nvSpPr>
-          <p:spPr>
-            <a:xfrm>
-              <a:off x="5660402" y="1302344"/>
-              <a:ext cx="2934958" cy="307777"/>
-            </a:xfrm>
-            <a:prstGeom prst="rect">
-              <a:avLst/>
-            </a:prstGeom>
-            <a:noFill/>
-          </p:spPr>
-          <p:txBody>
-            <a:bodyPr wrap="square" rtlCol="0">
-              <a:spAutoFit/>
-            </a:bodyPr>
-            <a:lstStyle/>
-            <a:p>
-              <a:pPr algn="ctr"/>
-              <a:r>
-                <a:rPr lang="en-US" sz="1400" dirty="0">
-                  <a:latin typeface="Arial" panose="020B0604020202020204" pitchFamily="34" charset="0"/>
-                  <a:cs typeface="Arial" panose="020B0604020202020204" pitchFamily="34" charset="0"/>
-                </a:rPr>
-                <a:t>RCP26, 2040</a:t>
-              </a:r>
-            </a:p>
-          </p:txBody>
-        </p:sp>
-      </p:grpSp>
+            <a:prstDash val="dashDot"/>
+          </a:ln>
+        </p:spPr>
+        <p:txBody>
+          <a:bodyPr wrap="square" rtlCol="0">
+            <a:spAutoFit/>
+          </a:bodyPr>
+          <a:lstStyle/>
+          <a:p>
+            <a:endParaRPr lang="en-US" dirty="0"/>
+          </a:p>
+        </p:txBody>
+      </p:sp>
+      <p:sp>
+        <p:nvSpPr>
+          <p:cNvPr id="7" name="TextBox 6">
+            <a:extLst>
+              <a:ext uri="{FF2B5EF4-FFF2-40B4-BE49-F238E27FC236}">
+                <a16:creationId xmlns:a16="http://schemas.microsoft.com/office/drawing/2014/main" id="{25F058B0-B2B5-4E5B-8868-C3970D34FFA5}"/>
+              </a:ext>
+            </a:extLst>
+          </p:cNvPr>
+          <p:cNvSpPr txBox="1"/>
+          <p:nvPr/>
+        </p:nvSpPr>
+        <p:spPr>
+          <a:xfrm>
+            <a:off x="2924305" y="184374"/>
+            <a:ext cx="2934958" cy="4212565"/>
+          </a:xfrm>
+          <a:prstGeom prst="rect">
+            <a:avLst/>
+          </a:prstGeom>
+          <a:solidFill>
+            <a:srgbClr val="66CCFF">
+              <a:alpha val="5490"/>
+            </a:srgbClr>
+          </a:solidFill>
+          <a:ln>
+            <a:solidFill>
+              <a:schemeClr val="tx1"/>
+            </a:solidFill>
+            <a:prstDash val="dashDot"/>
+          </a:ln>
+        </p:spPr>
+        <p:txBody>
+          <a:bodyPr wrap="square" rtlCol="0">
+            <a:spAutoFit/>
+          </a:bodyPr>
+          <a:lstStyle/>
+          <a:p>
+            <a:endParaRPr lang="en-US" dirty="0"/>
+          </a:p>
+        </p:txBody>
+      </p:sp>
+      <p:sp>
+        <p:nvSpPr>
+          <p:cNvPr id="8" name="TextBox 7">
+            <a:extLst>
+              <a:ext uri="{FF2B5EF4-FFF2-40B4-BE49-F238E27FC236}">
+                <a16:creationId xmlns:a16="http://schemas.microsoft.com/office/drawing/2014/main" id="{7B161431-8DFF-4C32-AEED-F6CF7429D86D}"/>
+              </a:ext>
+            </a:extLst>
+          </p:cNvPr>
+          <p:cNvSpPr txBox="1"/>
+          <p:nvPr/>
+        </p:nvSpPr>
+        <p:spPr>
+          <a:xfrm>
+            <a:off x="550415" y="590074"/>
+            <a:ext cx="2254928" cy="307777"/>
+          </a:xfrm>
+          <a:prstGeom prst="rect">
+            <a:avLst/>
+          </a:prstGeom>
+          <a:noFill/>
+        </p:spPr>
+        <p:txBody>
+          <a:bodyPr wrap="square" rtlCol="0">
+            <a:spAutoFit/>
+          </a:bodyPr>
+          <a:lstStyle/>
+          <a:p>
+            <a:pPr algn="ctr"/>
+            <a:r>
+              <a:rPr lang="en-US" sz="1400" dirty="0">
+                <a:latin typeface="Arial" panose="020B0604020202020204" pitchFamily="34" charset="0"/>
+                <a:cs typeface="Arial" panose="020B0604020202020204" pitchFamily="34" charset="0"/>
+              </a:rPr>
+              <a:t>Base, 2021</a:t>
+            </a:r>
+          </a:p>
+        </p:txBody>
+      </p:sp>
+      <p:sp>
+        <p:nvSpPr>
+          <p:cNvPr id="9" name="TextBox 8">
+            <a:extLst>
+              <a:ext uri="{FF2B5EF4-FFF2-40B4-BE49-F238E27FC236}">
+                <a16:creationId xmlns:a16="http://schemas.microsoft.com/office/drawing/2014/main" id="{EC1E7AF2-533A-4F2F-AA18-6381A86BA114}"/>
+              </a:ext>
+            </a:extLst>
+          </p:cNvPr>
+          <p:cNvSpPr txBox="1"/>
+          <p:nvPr/>
+        </p:nvSpPr>
+        <p:spPr>
+          <a:xfrm>
+            <a:off x="2934957" y="590074"/>
+            <a:ext cx="2934958" cy="307777"/>
+          </a:xfrm>
+          <a:prstGeom prst="rect">
+            <a:avLst/>
+          </a:prstGeom>
+          <a:noFill/>
+        </p:spPr>
+        <p:txBody>
+          <a:bodyPr wrap="square" rtlCol="0">
+            <a:spAutoFit/>
+          </a:bodyPr>
+          <a:lstStyle/>
+          <a:p>
+            <a:pPr algn="ctr"/>
+            <a:r>
+              <a:rPr lang="en-US" sz="1400" dirty="0">
+                <a:latin typeface="Arial" panose="020B0604020202020204" pitchFamily="34" charset="0"/>
+                <a:cs typeface="Arial" panose="020B0604020202020204" pitchFamily="34" charset="0"/>
+              </a:rPr>
+              <a:t>RCP26, 2040</a:t>
+            </a:r>
+          </a:p>
+        </p:txBody>
+      </p:sp>
+      <p:sp>
+        <p:nvSpPr>
+          <p:cNvPr id="13" name="TextBox 4">
+            <a:extLst>
+              <a:ext uri="{FF2B5EF4-FFF2-40B4-BE49-F238E27FC236}">
+                <a16:creationId xmlns:a16="http://schemas.microsoft.com/office/drawing/2014/main" id="{2A371794-1017-478E-B69E-3AAEE3B1F84D}"/>
+              </a:ext>
+            </a:extLst>
+          </p:cNvPr>
+          <p:cNvSpPr txBox="1"/>
+          <p:nvPr/>
+        </p:nvSpPr>
+        <p:spPr>
+          <a:xfrm>
+            <a:off x="6539292" y="184372"/>
+            <a:ext cx="2254928" cy="4212565"/>
+          </a:xfrm>
+          <a:prstGeom prst="rect">
+            <a:avLst/>
+          </a:prstGeom>
+          <a:solidFill>
+            <a:srgbClr val="00FF00">
+              <a:alpha val="5882"/>
+            </a:srgbClr>
+          </a:solidFill>
+          <a:ln>
+            <a:solidFill>
+              <a:schemeClr val="tx1"/>
+            </a:solidFill>
+            <a:prstDash val="dashDot"/>
+          </a:ln>
+        </p:spPr>
+        <p:txBody>
+          <a:bodyPr wrap="square" rtlCol="0">
+            <a:spAutoFit/>
+          </a:bodyPr>
+          <a:lstStyle/>
+          <a:p>
+            <a:endParaRPr lang="en-US" dirty="0"/>
+          </a:p>
+        </p:txBody>
+      </p:sp>
+      <p:graphicFrame>
+        <p:nvGraphicFramePr>
+          <p:cNvPr id="12" name="Chart 2">
+            <a:extLst>
+              <a:ext uri="{FF2B5EF4-FFF2-40B4-BE49-F238E27FC236}">
+                <a16:creationId xmlns:a16="http://schemas.microsoft.com/office/drawing/2014/main" id="{05873BDB-763D-494F-9859-040380BAFC90}"/>
+              </a:ext>
+            </a:extLst>
+          </p:cNvPr>
+          <p:cNvGraphicFramePr>
+            <a:graphicFrameLocks/>
+          </p:cNvGraphicFramePr>
+          <p:nvPr>
+            <p:extLst>
+              <p:ext uri="{D42A27DB-BD31-4B8C-83A1-F6EECF244321}">
+                <p14:modId xmlns:p14="http://schemas.microsoft.com/office/powerpoint/2010/main" val="775983136"/>
+              </p:ext>
+            </p:extLst>
+          </p:nvPr>
+        </p:nvGraphicFramePr>
+        <p:xfrm>
+          <a:off x="5929396" y="590074"/>
+          <a:ext cx="5869915" cy="3806864"/>
+        </p:xfrm>
+        <a:graphic>
+          <a:graphicData uri="http://schemas.openxmlformats.org/drawingml/2006/chart">
+            <c:chart xmlns:c="http://schemas.openxmlformats.org/drawingml/2006/chart" xmlns:r="http://schemas.openxmlformats.org/officeDocument/2006/relationships" r:id="rId3"/>
+          </a:graphicData>
+        </a:graphic>
+      </p:graphicFrame>
+      <p:sp>
+        <p:nvSpPr>
+          <p:cNvPr id="15" name="TextBox 7">
+            <a:extLst>
+              <a:ext uri="{FF2B5EF4-FFF2-40B4-BE49-F238E27FC236}">
+                <a16:creationId xmlns:a16="http://schemas.microsoft.com/office/drawing/2014/main" id="{7B161431-8DFF-4C32-AEED-F6CF7429D86D}"/>
+              </a:ext>
+            </a:extLst>
+          </p:cNvPr>
+          <p:cNvSpPr txBox="1"/>
+          <p:nvPr/>
+        </p:nvSpPr>
+        <p:spPr>
+          <a:xfrm>
+            <a:off x="6549944" y="590073"/>
+            <a:ext cx="2254928" cy="307777"/>
+          </a:xfrm>
+          <a:prstGeom prst="rect">
+            <a:avLst/>
+          </a:prstGeom>
+          <a:noFill/>
+        </p:spPr>
+        <p:txBody>
+          <a:bodyPr wrap="square" rtlCol="0">
+            <a:spAutoFit/>
+          </a:bodyPr>
+          <a:lstStyle/>
+          <a:p>
+            <a:pPr algn="ctr"/>
+            <a:r>
+              <a:rPr lang="en-US" sz="1400" dirty="0">
+                <a:latin typeface="Arial" panose="020B0604020202020204" pitchFamily="34" charset="0"/>
+                <a:cs typeface="Arial" panose="020B0604020202020204" pitchFamily="34" charset="0"/>
+              </a:rPr>
+              <a:t>Base, 2021</a:t>
+            </a:r>
+          </a:p>
+        </p:txBody>
+      </p:sp>
+      <p:sp>
+        <p:nvSpPr>
+          <p:cNvPr id="16" name="TextBox 8">
+            <a:extLst>
+              <a:ext uri="{FF2B5EF4-FFF2-40B4-BE49-F238E27FC236}">
+                <a16:creationId xmlns:a16="http://schemas.microsoft.com/office/drawing/2014/main" id="{EC1E7AF2-533A-4F2F-AA18-6381A86BA114}"/>
+              </a:ext>
+            </a:extLst>
+          </p:cNvPr>
+          <p:cNvSpPr txBox="1"/>
+          <p:nvPr/>
+        </p:nvSpPr>
+        <p:spPr>
+          <a:xfrm>
+            <a:off x="8888768" y="590072"/>
+            <a:ext cx="2934958" cy="307777"/>
+          </a:xfrm>
+          <a:prstGeom prst="rect">
+            <a:avLst/>
+          </a:prstGeom>
+          <a:noFill/>
+        </p:spPr>
+        <p:txBody>
+          <a:bodyPr wrap="square" rtlCol="0">
+            <a:spAutoFit/>
+          </a:bodyPr>
+          <a:lstStyle/>
+          <a:p>
+            <a:pPr algn="ctr"/>
+            <a:r>
+              <a:rPr lang="en-US" sz="1400" dirty="0">
+                <a:latin typeface="Arial" panose="020B0604020202020204" pitchFamily="34" charset="0"/>
+                <a:cs typeface="Arial" panose="020B0604020202020204" pitchFamily="34" charset="0"/>
+              </a:rPr>
+              <a:t>RCP26, 2040</a:t>
+            </a:r>
+          </a:p>
+        </p:txBody>
+      </p:sp>
+      <p:sp>
+        <p:nvSpPr>
+          <p:cNvPr id="3" name="ZoneTexte 2"/>
+          <p:cNvSpPr txBox="1"/>
+          <p:nvPr/>
+        </p:nvSpPr>
+        <p:spPr>
+          <a:xfrm>
+            <a:off x="609896" y="184371"/>
+            <a:ext cx="5249367" cy="369332"/>
+          </a:xfrm>
+          <a:prstGeom prst="rect">
+            <a:avLst/>
+          </a:prstGeom>
+          <a:noFill/>
+        </p:spPr>
+        <p:txBody>
+          <a:bodyPr wrap="square" rtlCol="0">
+            <a:spAutoFit/>
+          </a:bodyPr>
+          <a:lstStyle/>
+          <a:p>
+            <a:pPr algn="ctr"/>
+            <a:r>
+              <a:rPr lang="es-MX" dirty="0" smtClean="0">
+                <a:latin typeface="Arial" panose="020B0604020202020204" pitchFamily="34" charset="0"/>
+                <a:cs typeface="Arial" panose="020B0604020202020204" pitchFamily="34" charset="0"/>
+              </a:rPr>
+              <a:t>GWP</a:t>
+            </a:r>
+            <a:endParaRPr lang="en-US" dirty="0">
+              <a:latin typeface="Arial" panose="020B0604020202020204" pitchFamily="34" charset="0"/>
+              <a:cs typeface="Arial" panose="020B0604020202020204" pitchFamily="34" charset="0"/>
+            </a:endParaRPr>
+          </a:p>
+        </p:txBody>
+      </p:sp>
+      <p:sp>
+        <p:nvSpPr>
+          <p:cNvPr id="17" name="ZoneTexte 16"/>
+          <p:cNvSpPr txBox="1"/>
+          <p:nvPr/>
+        </p:nvSpPr>
+        <p:spPr>
+          <a:xfrm>
+            <a:off x="6539292" y="202555"/>
+            <a:ext cx="5249367" cy="369332"/>
+          </a:xfrm>
+          <a:prstGeom prst="rect">
+            <a:avLst/>
+          </a:prstGeom>
+          <a:noFill/>
+        </p:spPr>
+        <p:txBody>
+          <a:bodyPr wrap="square" rtlCol="0">
+            <a:spAutoFit/>
+          </a:bodyPr>
+          <a:lstStyle/>
+          <a:p>
+            <a:pPr algn="ctr"/>
+            <a:r>
+              <a:rPr lang="es-MX" dirty="0">
+                <a:latin typeface="Arial" panose="020B0604020202020204" pitchFamily="34" charset="0"/>
+                <a:cs typeface="Arial" panose="020B0604020202020204" pitchFamily="34" charset="0"/>
+              </a:rPr>
+              <a:t>Material </a:t>
+            </a:r>
+            <a:r>
+              <a:rPr lang="es-MX" dirty="0" err="1">
+                <a:latin typeface="Arial" panose="020B0604020202020204" pitchFamily="34" charset="0"/>
+                <a:cs typeface="Arial" panose="020B0604020202020204" pitchFamily="34" charset="0"/>
+              </a:rPr>
+              <a:t>resources</a:t>
+            </a:r>
+            <a:r>
+              <a:rPr lang="es-MX" dirty="0">
+                <a:latin typeface="Arial" panose="020B0604020202020204" pitchFamily="34" charset="0"/>
+                <a:cs typeface="Arial" panose="020B0604020202020204" pitchFamily="34" charset="0"/>
+              </a:rPr>
+              <a:t>: </a:t>
+            </a:r>
+            <a:r>
+              <a:rPr lang="es-MX" dirty="0" err="1" smtClean="0">
+                <a:latin typeface="Arial" panose="020B0604020202020204" pitchFamily="34" charset="0"/>
+                <a:cs typeface="Arial" panose="020B0604020202020204" pitchFamily="34" charset="0"/>
+              </a:rPr>
+              <a:t>metals</a:t>
+            </a:r>
+            <a:r>
+              <a:rPr lang="es-MX" dirty="0" smtClean="0">
+                <a:latin typeface="Arial" panose="020B0604020202020204" pitchFamily="34" charset="0"/>
+                <a:cs typeface="Arial" panose="020B0604020202020204" pitchFamily="34" charset="0"/>
+              </a:rPr>
+              <a:t>/</a:t>
+            </a:r>
+            <a:r>
+              <a:rPr lang="es-MX" dirty="0" err="1" smtClean="0">
+                <a:latin typeface="Arial" panose="020B0604020202020204" pitchFamily="34" charset="0"/>
+                <a:cs typeface="Arial" panose="020B0604020202020204" pitchFamily="34" charset="0"/>
+              </a:rPr>
+              <a:t>minerals</a:t>
+            </a:r>
+            <a:endParaRPr lang="es-MX" dirty="0">
+              <a:latin typeface="Arial" panose="020B0604020202020204" pitchFamily="34" charset="0"/>
+              <a:cs typeface="Arial" panose="020B0604020202020204" pitchFamily="34" charset="0"/>
+            </a:endParaRPr>
+          </a:p>
+        </p:txBody>
+      </p:sp>
     </p:spTree>
     <p:extLst>
       <p:ext uri="{BB962C8B-B14F-4D97-AF65-F5344CB8AC3E}">
         <p14:creationId xmlns:p14="http://schemas.microsoft.com/office/powerpoint/2010/main" val="4216075938"/>
+      </p:ext>
+    </p:extLst>
+  </p:cSld>
+  <p:clrMapOvr>
+    <a:masterClrMapping/>
+  </p:clrMapOvr>
+</p:sld>
+</file>
+
+<file path=ppt/slides/slide2.xml><?xml version="1.0" encoding="utf-8"?>
+<p:sld xmlns:a="http://schemas.openxmlformats.org/drawingml/2006/main" xmlns:r="http://schemas.openxmlformats.org/officeDocument/2006/relationships" xmlns:p="http://schemas.openxmlformats.org/presentationml/2006/main">
+  <p:cSld>
+    <p:spTree>
+      <p:nvGrpSpPr>
+        <p:cNvPr id="1" name=""/>
+        <p:cNvGrpSpPr/>
+        <p:nvPr/>
+      </p:nvGrpSpPr>
+      <p:grpSpPr>
+        <a:xfrm>
+          <a:off x="0" y="0"/>
+          <a:ext cx="0" cy="0"/>
+          <a:chOff x="0" y="0"/>
+          <a:chExt cx="0" cy="0"/>
+        </a:xfrm>
+      </p:grpSpPr>
+      <p:sp>
+        <p:nvSpPr>
+          <p:cNvPr id="5" name="TextBox 4">
+            <a:extLst>
+              <a:ext uri="{FF2B5EF4-FFF2-40B4-BE49-F238E27FC236}">
+                <a16:creationId xmlns:a16="http://schemas.microsoft.com/office/drawing/2014/main" id="{2A371794-1017-478E-B69E-3AAEE3B1F84D}"/>
+              </a:ext>
+            </a:extLst>
+          </p:cNvPr>
+          <p:cNvSpPr txBox="1"/>
+          <p:nvPr/>
+        </p:nvSpPr>
+        <p:spPr>
+          <a:xfrm>
+            <a:off x="609896" y="184374"/>
+            <a:ext cx="2079594" cy="4212564"/>
+          </a:xfrm>
+          <a:prstGeom prst="rect">
+            <a:avLst/>
+          </a:prstGeom>
+          <a:solidFill>
+            <a:srgbClr val="00FF00">
+              <a:alpha val="5882"/>
+            </a:srgbClr>
+          </a:solidFill>
+          <a:ln>
+            <a:solidFill>
+              <a:schemeClr val="tx1"/>
+            </a:solidFill>
+            <a:prstDash val="dashDot"/>
+          </a:ln>
+        </p:spPr>
+        <p:txBody>
+          <a:bodyPr wrap="square" rtlCol="0">
+            <a:spAutoFit/>
+          </a:bodyPr>
+          <a:lstStyle/>
+          <a:p>
+            <a:endParaRPr lang="en-US" dirty="0"/>
+          </a:p>
+        </p:txBody>
+      </p:sp>
+      <p:sp>
+        <p:nvSpPr>
+          <p:cNvPr id="7" name="TextBox 6">
+            <a:extLst>
+              <a:ext uri="{FF2B5EF4-FFF2-40B4-BE49-F238E27FC236}">
+                <a16:creationId xmlns:a16="http://schemas.microsoft.com/office/drawing/2014/main" id="{25F058B0-B2B5-4E5B-8868-C3970D34FFA5}"/>
+              </a:ext>
+            </a:extLst>
+          </p:cNvPr>
+          <p:cNvSpPr txBox="1"/>
+          <p:nvPr/>
+        </p:nvSpPr>
+        <p:spPr>
+          <a:xfrm>
+            <a:off x="2731800" y="184374"/>
+            <a:ext cx="2934958" cy="4212565"/>
+          </a:xfrm>
+          <a:prstGeom prst="rect">
+            <a:avLst/>
+          </a:prstGeom>
+          <a:solidFill>
+            <a:srgbClr val="66CCFF">
+              <a:alpha val="5490"/>
+            </a:srgbClr>
+          </a:solidFill>
+          <a:ln>
+            <a:solidFill>
+              <a:schemeClr val="tx1"/>
+            </a:solidFill>
+            <a:prstDash val="dashDot"/>
+          </a:ln>
+        </p:spPr>
+        <p:txBody>
+          <a:bodyPr wrap="square" rtlCol="0">
+            <a:spAutoFit/>
+          </a:bodyPr>
+          <a:lstStyle/>
+          <a:p>
+            <a:endParaRPr lang="en-US" dirty="0"/>
+          </a:p>
+        </p:txBody>
+      </p:sp>
+      <p:sp>
+        <p:nvSpPr>
+          <p:cNvPr id="8" name="TextBox 7">
+            <a:extLst>
+              <a:ext uri="{FF2B5EF4-FFF2-40B4-BE49-F238E27FC236}">
+                <a16:creationId xmlns:a16="http://schemas.microsoft.com/office/drawing/2014/main" id="{7B161431-8DFF-4C32-AEED-F6CF7429D86D}"/>
+              </a:ext>
+            </a:extLst>
+          </p:cNvPr>
+          <p:cNvSpPr txBox="1"/>
+          <p:nvPr/>
+        </p:nvSpPr>
+        <p:spPr>
+          <a:xfrm>
+            <a:off x="550415" y="590074"/>
+            <a:ext cx="2254928" cy="307777"/>
+          </a:xfrm>
+          <a:prstGeom prst="rect">
+            <a:avLst/>
+          </a:prstGeom>
+          <a:noFill/>
+        </p:spPr>
+        <p:txBody>
+          <a:bodyPr wrap="square" rtlCol="0">
+            <a:spAutoFit/>
+          </a:bodyPr>
+          <a:lstStyle/>
+          <a:p>
+            <a:pPr algn="ctr"/>
+            <a:r>
+              <a:rPr lang="en-US" sz="1400" dirty="0">
+                <a:latin typeface="Arial" panose="020B0604020202020204" pitchFamily="34" charset="0"/>
+                <a:cs typeface="Arial" panose="020B0604020202020204" pitchFamily="34" charset="0"/>
+              </a:rPr>
+              <a:t>Base, 2021</a:t>
+            </a:r>
+          </a:p>
+        </p:txBody>
+      </p:sp>
+      <p:sp>
+        <p:nvSpPr>
+          <p:cNvPr id="9" name="TextBox 8">
+            <a:extLst>
+              <a:ext uri="{FF2B5EF4-FFF2-40B4-BE49-F238E27FC236}">
+                <a16:creationId xmlns:a16="http://schemas.microsoft.com/office/drawing/2014/main" id="{EC1E7AF2-533A-4F2F-AA18-6381A86BA114}"/>
+              </a:ext>
+            </a:extLst>
+          </p:cNvPr>
+          <p:cNvSpPr txBox="1"/>
+          <p:nvPr/>
+        </p:nvSpPr>
+        <p:spPr>
+          <a:xfrm>
+            <a:off x="2934957" y="590074"/>
+            <a:ext cx="2934958" cy="307777"/>
+          </a:xfrm>
+          <a:prstGeom prst="rect">
+            <a:avLst/>
+          </a:prstGeom>
+          <a:noFill/>
+        </p:spPr>
+        <p:txBody>
+          <a:bodyPr wrap="square" rtlCol="0">
+            <a:spAutoFit/>
+          </a:bodyPr>
+          <a:lstStyle/>
+          <a:p>
+            <a:pPr algn="ctr"/>
+            <a:r>
+              <a:rPr lang="en-US" sz="1400" dirty="0">
+                <a:latin typeface="Arial" panose="020B0604020202020204" pitchFamily="34" charset="0"/>
+                <a:cs typeface="Arial" panose="020B0604020202020204" pitchFamily="34" charset="0"/>
+              </a:rPr>
+              <a:t>RCP26, 2040</a:t>
+            </a:r>
+          </a:p>
+        </p:txBody>
+      </p:sp>
+      <p:sp>
+        <p:nvSpPr>
+          <p:cNvPr id="13" name="TextBox 4">
+            <a:extLst>
+              <a:ext uri="{FF2B5EF4-FFF2-40B4-BE49-F238E27FC236}">
+                <a16:creationId xmlns:a16="http://schemas.microsoft.com/office/drawing/2014/main" id="{2A371794-1017-478E-B69E-3AAEE3B1F84D}"/>
+              </a:ext>
+            </a:extLst>
+          </p:cNvPr>
+          <p:cNvSpPr txBox="1"/>
+          <p:nvPr/>
+        </p:nvSpPr>
+        <p:spPr>
+          <a:xfrm>
+            <a:off x="6539292" y="184372"/>
+            <a:ext cx="2254928" cy="4212565"/>
+          </a:xfrm>
+          <a:prstGeom prst="rect">
+            <a:avLst/>
+          </a:prstGeom>
+          <a:solidFill>
+            <a:srgbClr val="00FF00">
+              <a:alpha val="5882"/>
+            </a:srgbClr>
+          </a:solidFill>
+          <a:ln>
+            <a:solidFill>
+              <a:schemeClr val="tx1"/>
+            </a:solidFill>
+            <a:prstDash val="dashDot"/>
+          </a:ln>
+        </p:spPr>
+        <p:txBody>
+          <a:bodyPr wrap="square" rtlCol="0">
+            <a:spAutoFit/>
+          </a:bodyPr>
+          <a:lstStyle/>
+          <a:p>
+            <a:endParaRPr lang="en-US" dirty="0"/>
+          </a:p>
+        </p:txBody>
+      </p:sp>
+      <p:sp>
+        <p:nvSpPr>
+          <p:cNvPr id="14" name="TextBox 6">
+            <a:extLst>
+              <a:ext uri="{FF2B5EF4-FFF2-40B4-BE49-F238E27FC236}">
+                <a16:creationId xmlns:a16="http://schemas.microsoft.com/office/drawing/2014/main" id="{25F058B0-B2B5-4E5B-8868-C3970D34FFA5}"/>
+              </a:ext>
+            </a:extLst>
+          </p:cNvPr>
+          <p:cNvSpPr txBox="1"/>
+          <p:nvPr/>
+        </p:nvSpPr>
+        <p:spPr>
+          <a:xfrm>
+            <a:off x="8853701" y="184373"/>
+            <a:ext cx="2934958" cy="4212565"/>
+          </a:xfrm>
+          <a:prstGeom prst="rect">
+            <a:avLst/>
+          </a:prstGeom>
+          <a:solidFill>
+            <a:srgbClr val="66CCFF">
+              <a:alpha val="5490"/>
+            </a:srgbClr>
+          </a:solidFill>
+          <a:ln>
+            <a:solidFill>
+              <a:schemeClr val="tx1"/>
+            </a:solidFill>
+            <a:prstDash val="dashDot"/>
+          </a:ln>
+        </p:spPr>
+        <p:txBody>
+          <a:bodyPr wrap="square" rtlCol="0">
+            <a:spAutoFit/>
+          </a:bodyPr>
+          <a:lstStyle/>
+          <a:p>
+            <a:endParaRPr lang="en-US" dirty="0"/>
+          </a:p>
+        </p:txBody>
+      </p:sp>
+      <p:sp>
+        <p:nvSpPr>
+          <p:cNvPr id="15" name="TextBox 7">
+            <a:extLst>
+              <a:ext uri="{FF2B5EF4-FFF2-40B4-BE49-F238E27FC236}">
+                <a16:creationId xmlns:a16="http://schemas.microsoft.com/office/drawing/2014/main" id="{7B161431-8DFF-4C32-AEED-F6CF7429D86D}"/>
+              </a:ext>
+            </a:extLst>
+          </p:cNvPr>
+          <p:cNvSpPr txBox="1"/>
+          <p:nvPr/>
+        </p:nvSpPr>
+        <p:spPr>
+          <a:xfrm>
+            <a:off x="6549944" y="590073"/>
+            <a:ext cx="2254928" cy="307777"/>
+          </a:xfrm>
+          <a:prstGeom prst="rect">
+            <a:avLst/>
+          </a:prstGeom>
+          <a:noFill/>
+        </p:spPr>
+        <p:txBody>
+          <a:bodyPr wrap="square" rtlCol="0">
+            <a:spAutoFit/>
+          </a:bodyPr>
+          <a:lstStyle/>
+          <a:p>
+            <a:pPr algn="ctr"/>
+            <a:r>
+              <a:rPr lang="en-US" sz="1400" dirty="0">
+                <a:latin typeface="Arial" panose="020B0604020202020204" pitchFamily="34" charset="0"/>
+                <a:cs typeface="Arial" panose="020B0604020202020204" pitchFamily="34" charset="0"/>
+              </a:rPr>
+              <a:t>Base, 2021</a:t>
+            </a:r>
+          </a:p>
+        </p:txBody>
+      </p:sp>
+      <p:sp>
+        <p:nvSpPr>
+          <p:cNvPr id="16" name="TextBox 8">
+            <a:extLst>
+              <a:ext uri="{FF2B5EF4-FFF2-40B4-BE49-F238E27FC236}">
+                <a16:creationId xmlns:a16="http://schemas.microsoft.com/office/drawing/2014/main" id="{EC1E7AF2-533A-4F2F-AA18-6381A86BA114}"/>
+              </a:ext>
+            </a:extLst>
+          </p:cNvPr>
+          <p:cNvSpPr txBox="1"/>
+          <p:nvPr/>
+        </p:nvSpPr>
+        <p:spPr>
+          <a:xfrm>
+            <a:off x="8888768" y="590072"/>
+            <a:ext cx="2934958" cy="307777"/>
+          </a:xfrm>
+          <a:prstGeom prst="rect">
+            <a:avLst/>
+          </a:prstGeom>
+          <a:noFill/>
+        </p:spPr>
+        <p:txBody>
+          <a:bodyPr wrap="square" rtlCol="0">
+            <a:spAutoFit/>
+          </a:bodyPr>
+          <a:lstStyle/>
+          <a:p>
+            <a:pPr algn="ctr"/>
+            <a:r>
+              <a:rPr lang="en-US" sz="1400" dirty="0">
+                <a:latin typeface="Arial" panose="020B0604020202020204" pitchFamily="34" charset="0"/>
+                <a:cs typeface="Arial" panose="020B0604020202020204" pitchFamily="34" charset="0"/>
+              </a:rPr>
+              <a:t>RCP26, 2040</a:t>
+            </a:r>
+          </a:p>
+        </p:txBody>
+      </p:sp>
+      <p:graphicFrame>
+        <p:nvGraphicFramePr>
+          <p:cNvPr id="17" name="Chart 2">
+            <a:extLst>
+              <a:ext uri="{FF2B5EF4-FFF2-40B4-BE49-F238E27FC236}">
+                <a16:creationId xmlns:a16="http://schemas.microsoft.com/office/drawing/2014/main" id="{05873BDB-763D-494F-9859-040380BAFC90}"/>
+              </a:ext>
+            </a:extLst>
+          </p:cNvPr>
+          <p:cNvGraphicFramePr>
+            <a:graphicFrameLocks/>
+          </p:cNvGraphicFramePr>
+          <p:nvPr>
+            <p:extLst>
+              <p:ext uri="{D42A27DB-BD31-4B8C-83A1-F6EECF244321}">
+                <p14:modId xmlns:p14="http://schemas.microsoft.com/office/powerpoint/2010/main" val="3016983011"/>
+              </p:ext>
+            </p:extLst>
+          </p:nvPr>
+        </p:nvGraphicFramePr>
+        <p:xfrm>
+          <a:off x="-34414" y="503445"/>
+          <a:ext cx="5658862" cy="3712613"/>
+        </p:xfrm>
+        <a:graphic>
+          <a:graphicData uri="http://schemas.openxmlformats.org/drawingml/2006/chart">
+            <c:chart xmlns:c="http://schemas.openxmlformats.org/drawingml/2006/chart" xmlns:r="http://schemas.openxmlformats.org/officeDocument/2006/relationships" r:id="rId2"/>
+          </a:graphicData>
+        </a:graphic>
+      </p:graphicFrame>
+      <p:graphicFrame>
+        <p:nvGraphicFramePr>
+          <p:cNvPr id="18" name="Chart 2">
+            <a:extLst>
+              <a:ext uri="{FF2B5EF4-FFF2-40B4-BE49-F238E27FC236}">
+                <a16:creationId xmlns:a16="http://schemas.microsoft.com/office/drawing/2014/main" id="{05873BDB-763D-494F-9859-040380BAFC90}"/>
+              </a:ext>
+            </a:extLst>
+          </p:cNvPr>
+          <p:cNvGraphicFramePr>
+            <a:graphicFrameLocks/>
+          </p:cNvGraphicFramePr>
+          <p:nvPr>
+            <p:extLst>
+              <p:ext uri="{D42A27DB-BD31-4B8C-83A1-F6EECF244321}">
+                <p14:modId xmlns:p14="http://schemas.microsoft.com/office/powerpoint/2010/main" val="1713280619"/>
+              </p:ext>
+            </p:extLst>
+          </p:nvPr>
+        </p:nvGraphicFramePr>
+        <p:xfrm>
+          <a:off x="5859262" y="-86786"/>
+          <a:ext cx="5832282" cy="4212566"/>
+        </p:xfrm>
+        <a:graphic>
+          <a:graphicData uri="http://schemas.openxmlformats.org/drawingml/2006/chart">
+            <c:chart xmlns:c="http://schemas.openxmlformats.org/drawingml/2006/chart" xmlns:r="http://schemas.openxmlformats.org/officeDocument/2006/relationships" r:id="rId3"/>
+          </a:graphicData>
+        </a:graphic>
+      </p:graphicFrame>
+      <p:sp>
+        <p:nvSpPr>
+          <p:cNvPr id="19" name="ZoneTexte 18"/>
+          <p:cNvSpPr txBox="1"/>
+          <p:nvPr/>
+        </p:nvSpPr>
+        <p:spPr>
+          <a:xfrm>
+            <a:off x="6604402" y="215008"/>
+            <a:ext cx="5056862" cy="369332"/>
+          </a:xfrm>
+          <a:prstGeom prst="rect">
+            <a:avLst/>
+          </a:prstGeom>
+          <a:noFill/>
+        </p:spPr>
+        <p:txBody>
+          <a:bodyPr wrap="square" rtlCol="0">
+            <a:spAutoFit/>
+          </a:bodyPr>
+          <a:lstStyle/>
+          <a:p>
+            <a:pPr algn="ctr"/>
+            <a:r>
+              <a:rPr lang="es-MX" dirty="0" err="1">
+                <a:latin typeface="Arial" panose="020B0604020202020204" pitchFamily="34" charset="0"/>
+                <a:cs typeface="Arial" panose="020B0604020202020204" pitchFamily="34" charset="0"/>
+              </a:rPr>
+              <a:t>Water</a:t>
+            </a:r>
+            <a:r>
+              <a:rPr lang="es-MX" dirty="0">
+                <a:latin typeface="Arial" panose="020B0604020202020204" pitchFamily="34" charset="0"/>
+                <a:cs typeface="Arial" panose="020B0604020202020204" pitchFamily="34" charset="0"/>
+              </a:rPr>
+              <a:t> use</a:t>
+            </a:r>
+          </a:p>
+        </p:txBody>
+      </p:sp>
+      <p:sp>
+        <p:nvSpPr>
+          <p:cNvPr id="20" name="ZoneTexte 19"/>
+          <p:cNvSpPr txBox="1"/>
+          <p:nvPr/>
+        </p:nvSpPr>
+        <p:spPr>
+          <a:xfrm>
+            <a:off x="540677" y="202558"/>
+            <a:ext cx="5249366" cy="369332"/>
+          </a:xfrm>
+          <a:prstGeom prst="rect">
+            <a:avLst/>
+          </a:prstGeom>
+          <a:noFill/>
+        </p:spPr>
+        <p:txBody>
+          <a:bodyPr wrap="square" rtlCol="0">
+            <a:spAutoFit/>
+          </a:bodyPr>
+          <a:lstStyle/>
+          <a:p>
+            <a:pPr algn="ctr"/>
+            <a:r>
+              <a:rPr lang="es-MX" dirty="0" err="1">
+                <a:latin typeface="Arial" panose="020B0604020202020204" pitchFamily="34" charset="0"/>
+                <a:cs typeface="Arial" panose="020B0604020202020204" pitchFamily="34" charset="0"/>
+              </a:rPr>
+              <a:t>Acidification</a:t>
+            </a:r>
+            <a:endParaRPr lang="es-MX" dirty="0">
+              <a:latin typeface="Arial" panose="020B0604020202020204" pitchFamily="34" charset="0"/>
+              <a:cs typeface="Arial" panose="020B0604020202020204" pitchFamily="34" charset="0"/>
+            </a:endParaRPr>
+          </a:p>
+        </p:txBody>
+      </p:sp>
+    </p:spTree>
+    <p:extLst>
+      <p:ext uri="{BB962C8B-B14F-4D97-AF65-F5344CB8AC3E}">
+        <p14:creationId xmlns:p14="http://schemas.microsoft.com/office/powerpoint/2010/main" val="4199121250"/>
       </p:ext>
     </p:extLst>
   </p:cSld>
@@ -5182,4 +9142,862 @@
     </a:bgFillStyleLst>
   </a:fmtScheme>
 </a:themeOverride>
+</file>
+
+<file path=ppt/theme/themeOverride2.xml><?xml version="1.0" encoding="utf-8"?>
+<a:themeOverride xmlns:a="http://schemas.openxmlformats.org/drawingml/2006/main">
+  <a:clrScheme name="Office">
+    <a:dk1>
+      <a:sysClr val="windowText" lastClr="000000"/>
+    </a:dk1>
+    <a:lt1>
+      <a:sysClr val="window" lastClr="FFFFFF"/>
+    </a:lt1>
+    <a:dk2>
+      <a:srgbClr val="44546A"/>
+    </a:dk2>
+    <a:lt2>
+      <a:srgbClr val="E7E6E6"/>
+    </a:lt2>
+    <a:accent1>
+      <a:srgbClr val="4472C4"/>
+    </a:accent1>
+    <a:accent2>
+      <a:srgbClr val="ED7D31"/>
+    </a:accent2>
+    <a:accent3>
+      <a:srgbClr val="A5A5A5"/>
+    </a:accent3>
+    <a:accent4>
+      <a:srgbClr val="FFC000"/>
+    </a:accent4>
+    <a:accent5>
+      <a:srgbClr val="5B9BD5"/>
+    </a:accent5>
+    <a:accent6>
+      <a:srgbClr val="70AD47"/>
+    </a:accent6>
+    <a:hlink>
+      <a:srgbClr val="0563C1"/>
+    </a:hlink>
+    <a:folHlink>
+      <a:srgbClr val="954F72"/>
+    </a:folHlink>
+  </a:clrScheme>
+  <a:fontScheme name="Office">
+    <a:majorFont>
+      <a:latin typeface="Calibri Light" panose="020F0302020204030204"/>
+      <a:ea typeface=""/>
+      <a:cs typeface=""/>
+      <a:font script="Jpan" typeface="游ゴシック Light"/>
+      <a:font script="Hang" typeface="맑은 고딕"/>
+      <a:font script="Hans" typeface="等线 Light"/>
+      <a:font script="Hant" typeface="新細明體"/>
+      <a:font script="Arab" typeface="Times New Roman"/>
+      <a:font script="Hebr" typeface="Times New Roman"/>
+      <a:font script="Thai" typeface="Tahoma"/>
+      <a:font script="Ethi" typeface="Nyala"/>
+      <a:font script="Beng" typeface="Vrinda"/>
+      <a:font script="Gujr" typeface="Shruti"/>
+      <a:font script="Khmr" typeface="MoolBoran"/>
+      <a:font script="Knda" typeface="Tunga"/>
+      <a:font script="Guru" typeface="Raavi"/>
+      <a:font script="Cans" typeface="Euphemia"/>
+      <a:font script="Cher" typeface="Plantagenet Cherokee"/>
+      <a:font script="Yiii" typeface="Microsoft Yi Baiti"/>
+      <a:font script="Tibt" typeface="Microsoft Himalaya"/>
+      <a:font script="Thaa" typeface="MV Boli"/>
+      <a:font script="Deva" typeface="Mangal"/>
+      <a:font script="Telu" typeface="Gautami"/>
+      <a:font script="Taml" typeface="Latha"/>
+      <a:font script="Syrc" typeface="Estrangelo Edessa"/>
+      <a:font script="Orya" typeface="Kalinga"/>
+      <a:font script="Mlym" typeface="Kartika"/>
+      <a:font script="Laoo" typeface="DokChampa"/>
+      <a:font script="Sinh" typeface="Iskoola Pota"/>
+      <a:font script="Mong" typeface="Mongolian Baiti"/>
+      <a:font script="Viet" typeface="Times New Roman"/>
+      <a:font script="Uigh" typeface="Microsoft Uighur"/>
+      <a:font script="Geor" typeface="Sylfaen"/>
+      <a:font script="Armn" typeface="Arial"/>
+      <a:font script="Bugi" typeface="Leelawadee UI"/>
+      <a:font script="Bopo" typeface="Microsoft JhengHei"/>
+      <a:font script="Java" typeface="Javanese Text"/>
+      <a:font script="Lisu" typeface="Segoe UI"/>
+      <a:font script="Mymr" typeface="Myanmar Text"/>
+      <a:font script="Nkoo" typeface="Ebrima"/>
+      <a:font script="Olck" typeface="Nirmala UI"/>
+      <a:font script="Osma" typeface="Ebrima"/>
+      <a:font script="Phag" typeface="Phagspa"/>
+      <a:font script="Syrn" typeface="Estrangelo Edessa"/>
+      <a:font script="Syrj" typeface="Estrangelo Edessa"/>
+      <a:font script="Syre" typeface="Estrangelo Edessa"/>
+      <a:font script="Sora" typeface="Nirmala UI"/>
+      <a:font script="Tale" typeface="Microsoft Tai Le"/>
+      <a:font script="Talu" typeface="Microsoft New Tai Lue"/>
+      <a:font script="Tfng" typeface="Ebrima"/>
+    </a:majorFont>
+    <a:minorFont>
+      <a:latin typeface="Calibri" panose="020F0502020204030204"/>
+      <a:ea typeface=""/>
+      <a:cs typeface=""/>
+      <a:font script="Jpan" typeface="游ゴシック"/>
+      <a:font script="Hang" typeface="맑은 고딕"/>
+      <a:font script="Hans" typeface="等线"/>
+      <a:font script="Hant" typeface="新細明體"/>
+      <a:font script="Arab" typeface="Arial"/>
+      <a:font script="Hebr" typeface="Arial"/>
+      <a:font script="Thai" typeface="Tahoma"/>
+      <a:font script="Ethi" typeface="Nyala"/>
+      <a:font script="Beng" typeface="Vrinda"/>
+      <a:font script="Gujr" typeface="Shruti"/>
+      <a:font script="Khmr" typeface="DaunPenh"/>
+      <a:font script="Knda" typeface="Tunga"/>
+      <a:font script="Guru" typeface="Raavi"/>
+      <a:font script="Cans" typeface="Euphemia"/>
+      <a:font script="Cher" typeface="Plantagenet Cherokee"/>
+      <a:font script="Yiii" typeface="Microsoft Yi Baiti"/>
+      <a:font script="Tibt" typeface="Microsoft Himalaya"/>
+      <a:font script="Thaa" typeface="MV Boli"/>
+      <a:font script="Deva" typeface="Mangal"/>
+      <a:font script="Telu" typeface="Gautami"/>
+      <a:font script="Taml" typeface="Latha"/>
+      <a:font script="Syrc" typeface="Estrangelo Edessa"/>
+      <a:font script="Orya" typeface="Kalinga"/>
+      <a:font script="Mlym" typeface="Kartika"/>
+      <a:font script="Laoo" typeface="DokChampa"/>
+      <a:font script="Sinh" typeface="Iskoola Pota"/>
+      <a:font script="Mong" typeface="Mongolian Baiti"/>
+      <a:font script="Viet" typeface="Arial"/>
+      <a:font script="Uigh" typeface="Microsoft Uighur"/>
+      <a:font script="Geor" typeface="Sylfaen"/>
+      <a:font script="Armn" typeface="Arial"/>
+      <a:font script="Bugi" typeface="Leelawadee UI"/>
+      <a:font script="Bopo" typeface="Microsoft JhengHei"/>
+      <a:font script="Java" typeface="Javanese Text"/>
+      <a:font script="Lisu" typeface="Segoe UI"/>
+      <a:font script="Mymr" typeface="Myanmar Text"/>
+      <a:font script="Nkoo" typeface="Ebrima"/>
+      <a:font script="Olck" typeface="Nirmala UI"/>
+      <a:font script="Osma" typeface="Ebrima"/>
+      <a:font script="Phag" typeface="Phagspa"/>
+      <a:font script="Syrn" typeface="Estrangelo Edessa"/>
+      <a:font script="Syrj" typeface="Estrangelo Edessa"/>
+      <a:font script="Syre" typeface="Estrangelo Edessa"/>
+      <a:font script="Sora" typeface="Nirmala UI"/>
+      <a:font script="Tale" typeface="Microsoft Tai Le"/>
+      <a:font script="Talu" typeface="Microsoft New Tai Lue"/>
+      <a:font script="Tfng" typeface="Ebrima"/>
+    </a:minorFont>
+  </a:fontScheme>
+  <a:fmtScheme name="Office">
+    <a:fillStyleLst>
+      <a:solidFill>
+        <a:schemeClr val="phClr"/>
+      </a:solidFill>
+      <a:gradFill rotWithShape="1">
+        <a:gsLst>
+          <a:gs pos="0">
+            <a:schemeClr val="phClr">
+              <a:lumMod val="110000"/>
+              <a:satMod val="105000"/>
+              <a:tint val="67000"/>
+            </a:schemeClr>
+          </a:gs>
+          <a:gs pos="50000">
+            <a:schemeClr val="phClr">
+              <a:lumMod val="105000"/>
+              <a:satMod val="103000"/>
+              <a:tint val="73000"/>
+            </a:schemeClr>
+          </a:gs>
+          <a:gs pos="100000">
+            <a:schemeClr val="phClr">
+              <a:lumMod val="105000"/>
+              <a:satMod val="109000"/>
+              <a:tint val="81000"/>
+            </a:schemeClr>
+          </a:gs>
+        </a:gsLst>
+        <a:lin ang="5400000" scaled="0"/>
+      </a:gradFill>
+      <a:gradFill rotWithShape="1">
+        <a:gsLst>
+          <a:gs pos="0">
+            <a:schemeClr val="phClr">
+              <a:satMod val="103000"/>
+              <a:lumMod val="102000"/>
+              <a:tint val="94000"/>
+            </a:schemeClr>
+          </a:gs>
+          <a:gs pos="50000">
+            <a:schemeClr val="phClr">
+              <a:satMod val="110000"/>
+              <a:lumMod val="100000"/>
+              <a:shade val="100000"/>
+            </a:schemeClr>
+          </a:gs>
+          <a:gs pos="100000">
+            <a:schemeClr val="phClr">
+              <a:lumMod val="99000"/>
+              <a:satMod val="120000"/>
+              <a:shade val="78000"/>
+            </a:schemeClr>
+          </a:gs>
+        </a:gsLst>
+        <a:lin ang="5400000" scaled="0"/>
+      </a:gradFill>
+    </a:fillStyleLst>
+    <a:lnStyleLst>
+      <a:ln w="6350" cap="flat" cmpd="sng" algn="ctr">
+        <a:solidFill>
+          <a:schemeClr val="phClr"/>
+        </a:solidFill>
+        <a:prstDash val="solid"/>
+        <a:miter lim="800000"/>
+      </a:ln>
+      <a:ln w="12700" cap="flat" cmpd="sng" algn="ctr">
+        <a:solidFill>
+          <a:schemeClr val="phClr"/>
+        </a:solidFill>
+        <a:prstDash val="solid"/>
+        <a:miter lim="800000"/>
+      </a:ln>
+      <a:ln w="19050" cap="flat" cmpd="sng" algn="ctr">
+        <a:solidFill>
+          <a:schemeClr val="phClr"/>
+        </a:solidFill>
+        <a:prstDash val="solid"/>
+        <a:miter lim="800000"/>
+      </a:ln>
+    </a:lnStyleLst>
+    <a:effectStyleLst>
+      <a:effectStyle>
+        <a:effectLst/>
+      </a:effectStyle>
+      <a:effectStyle>
+        <a:effectLst/>
+      </a:effectStyle>
+      <a:effectStyle>
+        <a:effectLst>
+          <a:outerShdw blurRad="57150" dist="19050" dir="5400000" algn="ctr" rotWithShape="0">
+            <a:srgbClr val="000000">
+              <a:alpha val="63000"/>
+            </a:srgbClr>
+          </a:outerShdw>
+        </a:effectLst>
+      </a:effectStyle>
+    </a:effectStyleLst>
+    <a:bgFillStyleLst>
+      <a:solidFill>
+        <a:schemeClr val="phClr"/>
+      </a:solidFill>
+      <a:solidFill>
+        <a:schemeClr val="phClr">
+          <a:tint val="95000"/>
+          <a:satMod val="170000"/>
+        </a:schemeClr>
+      </a:solidFill>
+      <a:gradFill rotWithShape="1">
+        <a:gsLst>
+          <a:gs pos="0">
+            <a:schemeClr val="phClr">
+              <a:tint val="93000"/>
+              <a:satMod val="150000"/>
+              <a:shade val="98000"/>
+              <a:lumMod val="102000"/>
+            </a:schemeClr>
+          </a:gs>
+          <a:gs pos="50000">
+            <a:schemeClr val="phClr">
+              <a:tint val="98000"/>
+              <a:satMod val="130000"/>
+              <a:shade val="90000"/>
+              <a:lumMod val="103000"/>
+            </a:schemeClr>
+          </a:gs>
+          <a:gs pos="100000">
+            <a:schemeClr val="phClr">
+              <a:shade val="63000"/>
+              <a:satMod val="120000"/>
+            </a:schemeClr>
+          </a:gs>
+        </a:gsLst>
+        <a:lin ang="5400000" scaled="0"/>
+      </a:gradFill>
+    </a:bgFillStyleLst>
+  </a:fmtScheme>
+</a:themeOverride>
+</file>
+
+<file path=ppt/theme/themeOverride3.xml><?xml version="1.0" encoding="utf-8"?>
+<a:themeOverride xmlns:a="http://schemas.openxmlformats.org/drawingml/2006/main">
+  <a:clrScheme name="Office">
+    <a:dk1>
+      <a:sysClr val="windowText" lastClr="000000"/>
+    </a:dk1>
+    <a:lt1>
+      <a:sysClr val="window" lastClr="FFFFFF"/>
+    </a:lt1>
+    <a:dk2>
+      <a:srgbClr val="44546A"/>
+    </a:dk2>
+    <a:lt2>
+      <a:srgbClr val="E7E6E6"/>
+    </a:lt2>
+    <a:accent1>
+      <a:srgbClr val="4472C4"/>
+    </a:accent1>
+    <a:accent2>
+      <a:srgbClr val="ED7D31"/>
+    </a:accent2>
+    <a:accent3>
+      <a:srgbClr val="A5A5A5"/>
+    </a:accent3>
+    <a:accent4>
+      <a:srgbClr val="FFC000"/>
+    </a:accent4>
+    <a:accent5>
+      <a:srgbClr val="5B9BD5"/>
+    </a:accent5>
+    <a:accent6>
+      <a:srgbClr val="70AD47"/>
+    </a:accent6>
+    <a:hlink>
+      <a:srgbClr val="0563C1"/>
+    </a:hlink>
+    <a:folHlink>
+      <a:srgbClr val="954F72"/>
+    </a:folHlink>
+  </a:clrScheme>
+  <a:fontScheme name="Office">
+    <a:majorFont>
+      <a:latin typeface="Calibri Light" panose="020F0302020204030204"/>
+      <a:ea typeface=""/>
+      <a:cs typeface=""/>
+      <a:font script="Jpan" typeface="游ゴシック Light"/>
+      <a:font script="Hang" typeface="맑은 고딕"/>
+      <a:font script="Hans" typeface="等线 Light"/>
+      <a:font script="Hant" typeface="新細明體"/>
+      <a:font script="Arab" typeface="Times New Roman"/>
+      <a:font script="Hebr" typeface="Times New Roman"/>
+      <a:font script="Thai" typeface="Tahoma"/>
+      <a:font script="Ethi" typeface="Nyala"/>
+      <a:font script="Beng" typeface="Vrinda"/>
+      <a:font script="Gujr" typeface="Shruti"/>
+      <a:font script="Khmr" typeface="MoolBoran"/>
+      <a:font script="Knda" typeface="Tunga"/>
+      <a:font script="Guru" typeface="Raavi"/>
+      <a:font script="Cans" typeface="Euphemia"/>
+      <a:font script="Cher" typeface="Plantagenet Cherokee"/>
+      <a:font script="Yiii" typeface="Microsoft Yi Baiti"/>
+      <a:font script="Tibt" typeface="Microsoft Himalaya"/>
+      <a:font script="Thaa" typeface="MV Boli"/>
+      <a:font script="Deva" typeface="Mangal"/>
+      <a:font script="Telu" typeface="Gautami"/>
+      <a:font script="Taml" typeface="Latha"/>
+      <a:font script="Syrc" typeface="Estrangelo Edessa"/>
+      <a:font script="Orya" typeface="Kalinga"/>
+      <a:font script="Mlym" typeface="Kartika"/>
+      <a:font script="Laoo" typeface="DokChampa"/>
+      <a:font script="Sinh" typeface="Iskoola Pota"/>
+      <a:font script="Mong" typeface="Mongolian Baiti"/>
+      <a:font script="Viet" typeface="Times New Roman"/>
+      <a:font script="Uigh" typeface="Microsoft Uighur"/>
+      <a:font script="Geor" typeface="Sylfaen"/>
+      <a:font script="Armn" typeface="Arial"/>
+      <a:font script="Bugi" typeface="Leelawadee UI"/>
+      <a:font script="Bopo" typeface="Microsoft JhengHei"/>
+      <a:font script="Java" typeface="Javanese Text"/>
+      <a:font script="Lisu" typeface="Segoe UI"/>
+      <a:font script="Mymr" typeface="Myanmar Text"/>
+      <a:font script="Nkoo" typeface="Ebrima"/>
+      <a:font script="Olck" typeface="Nirmala UI"/>
+      <a:font script="Osma" typeface="Ebrima"/>
+      <a:font script="Phag" typeface="Phagspa"/>
+      <a:font script="Syrn" typeface="Estrangelo Edessa"/>
+      <a:font script="Syrj" typeface="Estrangelo Edessa"/>
+      <a:font script="Syre" typeface="Estrangelo Edessa"/>
+      <a:font script="Sora" typeface="Nirmala UI"/>
+      <a:font script="Tale" typeface="Microsoft Tai Le"/>
+      <a:font script="Talu" typeface="Microsoft New Tai Lue"/>
+      <a:font script="Tfng" typeface="Ebrima"/>
+    </a:majorFont>
+    <a:minorFont>
+      <a:latin typeface="Calibri" panose="020F0502020204030204"/>
+      <a:ea typeface=""/>
+      <a:cs typeface=""/>
+      <a:font script="Jpan" typeface="游ゴシック"/>
+      <a:font script="Hang" typeface="맑은 고딕"/>
+      <a:font script="Hans" typeface="等线"/>
+      <a:font script="Hant" typeface="新細明體"/>
+      <a:font script="Arab" typeface="Arial"/>
+      <a:font script="Hebr" typeface="Arial"/>
+      <a:font script="Thai" typeface="Tahoma"/>
+      <a:font script="Ethi" typeface="Nyala"/>
+      <a:font script="Beng" typeface="Vrinda"/>
+      <a:font script="Gujr" typeface="Shruti"/>
+      <a:font script="Khmr" typeface="DaunPenh"/>
+      <a:font script="Knda" typeface="Tunga"/>
+      <a:font script="Guru" typeface="Raavi"/>
+      <a:font script="Cans" typeface="Euphemia"/>
+      <a:font script="Cher" typeface="Plantagenet Cherokee"/>
+      <a:font script="Yiii" typeface="Microsoft Yi Baiti"/>
+      <a:font script="Tibt" typeface="Microsoft Himalaya"/>
+      <a:font script="Thaa" typeface="MV Boli"/>
+      <a:font script="Deva" typeface="Mangal"/>
+      <a:font script="Telu" typeface="Gautami"/>
+      <a:font script="Taml" typeface="Latha"/>
+      <a:font script="Syrc" typeface="Estrangelo Edessa"/>
+      <a:font script="Orya" typeface="Kalinga"/>
+      <a:font script="Mlym" typeface="Kartika"/>
+      <a:font script="Laoo" typeface="DokChampa"/>
+      <a:font script="Sinh" typeface="Iskoola Pota"/>
+      <a:font script="Mong" typeface="Mongolian Baiti"/>
+      <a:font script="Viet" typeface="Arial"/>
+      <a:font script="Uigh" typeface="Microsoft Uighur"/>
+      <a:font script="Geor" typeface="Sylfaen"/>
+      <a:font script="Armn" typeface="Arial"/>
+      <a:font script="Bugi" typeface="Leelawadee UI"/>
+      <a:font script="Bopo" typeface="Microsoft JhengHei"/>
+      <a:font script="Java" typeface="Javanese Text"/>
+      <a:font script="Lisu" typeface="Segoe UI"/>
+      <a:font script="Mymr" typeface="Myanmar Text"/>
+      <a:font script="Nkoo" typeface="Ebrima"/>
+      <a:font script="Olck" typeface="Nirmala UI"/>
+      <a:font script="Osma" typeface="Ebrima"/>
+      <a:font script="Phag" typeface="Phagspa"/>
+      <a:font script="Syrn" typeface="Estrangelo Edessa"/>
+      <a:font script="Syrj" typeface="Estrangelo Edessa"/>
+      <a:font script="Syre" typeface="Estrangelo Edessa"/>
+      <a:font script="Sora" typeface="Nirmala UI"/>
+      <a:font script="Tale" typeface="Microsoft Tai Le"/>
+      <a:font script="Talu" typeface="Microsoft New Tai Lue"/>
+      <a:font script="Tfng" typeface="Ebrima"/>
+    </a:minorFont>
+  </a:fontScheme>
+  <a:fmtScheme name="Office">
+    <a:fillStyleLst>
+      <a:solidFill>
+        <a:schemeClr val="phClr"/>
+      </a:solidFill>
+      <a:gradFill rotWithShape="1">
+        <a:gsLst>
+          <a:gs pos="0">
+            <a:schemeClr val="phClr">
+              <a:lumMod val="110000"/>
+              <a:satMod val="105000"/>
+              <a:tint val="67000"/>
+            </a:schemeClr>
+          </a:gs>
+          <a:gs pos="50000">
+            <a:schemeClr val="phClr">
+              <a:lumMod val="105000"/>
+              <a:satMod val="103000"/>
+              <a:tint val="73000"/>
+            </a:schemeClr>
+          </a:gs>
+          <a:gs pos="100000">
+            <a:schemeClr val="phClr">
+              <a:lumMod val="105000"/>
+              <a:satMod val="109000"/>
+              <a:tint val="81000"/>
+            </a:schemeClr>
+          </a:gs>
+        </a:gsLst>
+        <a:lin ang="5400000" scaled="0"/>
+      </a:gradFill>
+      <a:gradFill rotWithShape="1">
+        <a:gsLst>
+          <a:gs pos="0">
+            <a:schemeClr val="phClr">
+              <a:satMod val="103000"/>
+              <a:lumMod val="102000"/>
+              <a:tint val="94000"/>
+            </a:schemeClr>
+          </a:gs>
+          <a:gs pos="50000">
+            <a:schemeClr val="phClr">
+              <a:satMod val="110000"/>
+              <a:lumMod val="100000"/>
+              <a:shade val="100000"/>
+            </a:schemeClr>
+          </a:gs>
+          <a:gs pos="100000">
+            <a:schemeClr val="phClr">
+              <a:lumMod val="99000"/>
+              <a:satMod val="120000"/>
+              <a:shade val="78000"/>
+            </a:schemeClr>
+          </a:gs>
+        </a:gsLst>
+        <a:lin ang="5400000" scaled="0"/>
+      </a:gradFill>
+    </a:fillStyleLst>
+    <a:lnStyleLst>
+      <a:ln w="6350" cap="flat" cmpd="sng" algn="ctr">
+        <a:solidFill>
+          <a:schemeClr val="phClr"/>
+        </a:solidFill>
+        <a:prstDash val="solid"/>
+        <a:miter lim="800000"/>
+      </a:ln>
+      <a:ln w="12700" cap="flat" cmpd="sng" algn="ctr">
+        <a:solidFill>
+          <a:schemeClr val="phClr"/>
+        </a:solidFill>
+        <a:prstDash val="solid"/>
+        <a:miter lim="800000"/>
+      </a:ln>
+      <a:ln w="19050" cap="flat" cmpd="sng" algn="ctr">
+        <a:solidFill>
+          <a:schemeClr val="phClr"/>
+        </a:solidFill>
+        <a:prstDash val="solid"/>
+        <a:miter lim="800000"/>
+      </a:ln>
+    </a:lnStyleLst>
+    <a:effectStyleLst>
+      <a:effectStyle>
+        <a:effectLst/>
+      </a:effectStyle>
+      <a:effectStyle>
+        <a:effectLst/>
+      </a:effectStyle>
+      <a:effectStyle>
+        <a:effectLst>
+          <a:outerShdw blurRad="57150" dist="19050" dir="5400000" algn="ctr" rotWithShape="0">
+            <a:srgbClr val="000000">
+              <a:alpha val="63000"/>
+            </a:srgbClr>
+          </a:outerShdw>
+        </a:effectLst>
+      </a:effectStyle>
+    </a:effectStyleLst>
+    <a:bgFillStyleLst>
+      <a:solidFill>
+        <a:schemeClr val="phClr"/>
+      </a:solidFill>
+      <a:solidFill>
+        <a:schemeClr val="phClr">
+          <a:tint val="95000"/>
+          <a:satMod val="170000"/>
+        </a:schemeClr>
+      </a:solidFill>
+      <a:gradFill rotWithShape="1">
+        <a:gsLst>
+          <a:gs pos="0">
+            <a:schemeClr val="phClr">
+              <a:tint val="93000"/>
+              <a:satMod val="150000"/>
+              <a:shade val="98000"/>
+              <a:lumMod val="102000"/>
+            </a:schemeClr>
+          </a:gs>
+          <a:gs pos="50000">
+            <a:schemeClr val="phClr">
+              <a:tint val="98000"/>
+              <a:satMod val="130000"/>
+              <a:shade val="90000"/>
+              <a:lumMod val="103000"/>
+            </a:schemeClr>
+          </a:gs>
+          <a:gs pos="100000">
+            <a:schemeClr val="phClr">
+              <a:shade val="63000"/>
+              <a:satMod val="120000"/>
+            </a:schemeClr>
+          </a:gs>
+        </a:gsLst>
+        <a:lin ang="5400000" scaled="0"/>
+      </a:gradFill>
+    </a:bgFillStyleLst>
+  </a:fmtScheme>
+</a:themeOverride>
+</file>
+
+<file path=ppt/theme/themeOverride4.xml><?xml version="1.0" encoding="utf-8"?>
+<a:themeOverride xmlns:a="http://schemas.openxmlformats.org/drawingml/2006/main">
+  <a:clrScheme name="Office">
+    <a:dk1>
+      <a:sysClr val="windowText" lastClr="000000"/>
+    </a:dk1>
+    <a:lt1>
+      <a:sysClr val="window" lastClr="FFFFFF"/>
+    </a:lt1>
+    <a:dk2>
+      <a:srgbClr val="44546A"/>
+    </a:dk2>
+    <a:lt2>
+      <a:srgbClr val="E7E6E6"/>
+    </a:lt2>
+    <a:accent1>
+      <a:srgbClr val="4472C4"/>
+    </a:accent1>
+    <a:accent2>
+      <a:srgbClr val="ED7D31"/>
+    </a:accent2>
+    <a:accent3>
+      <a:srgbClr val="A5A5A5"/>
+    </a:accent3>
+    <a:accent4>
+      <a:srgbClr val="FFC000"/>
+    </a:accent4>
+    <a:accent5>
+      <a:srgbClr val="5B9BD5"/>
+    </a:accent5>
+    <a:accent6>
+      <a:srgbClr val="70AD47"/>
+    </a:accent6>
+    <a:hlink>
+      <a:srgbClr val="0563C1"/>
+    </a:hlink>
+    <a:folHlink>
+      <a:srgbClr val="954F72"/>
+    </a:folHlink>
+  </a:clrScheme>
+  <a:fontScheme name="Office">
+    <a:majorFont>
+      <a:latin typeface="Calibri Light" panose="020F0302020204030204"/>
+      <a:ea typeface=""/>
+      <a:cs typeface=""/>
+      <a:font script="Jpan" typeface="游ゴシック Light"/>
+      <a:font script="Hang" typeface="맑은 고딕"/>
+      <a:font script="Hans" typeface="等线 Light"/>
+      <a:font script="Hant" typeface="新細明體"/>
+      <a:font script="Arab" typeface="Times New Roman"/>
+      <a:font script="Hebr" typeface="Times New Roman"/>
+      <a:font script="Thai" typeface="Tahoma"/>
+      <a:font script="Ethi" typeface="Nyala"/>
+      <a:font script="Beng" typeface="Vrinda"/>
+      <a:font script="Gujr" typeface="Shruti"/>
+      <a:font script="Khmr" typeface="MoolBoran"/>
+      <a:font script="Knda" typeface="Tunga"/>
+      <a:font script="Guru" typeface="Raavi"/>
+      <a:font script="Cans" typeface="Euphemia"/>
+      <a:font script="Cher" typeface="Plantagenet Cherokee"/>
+      <a:font script="Yiii" typeface="Microsoft Yi Baiti"/>
+      <a:font script="Tibt" typeface="Microsoft Himalaya"/>
+      <a:font script="Thaa" typeface="MV Boli"/>
+      <a:font script="Deva" typeface="Mangal"/>
+      <a:font script="Telu" typeface="Gautami"/>
+      <a:font script="Taml" typeface="Latha"/>
+      <a:font script="Syrc" typeface="Estrangelo Edessa"/>
+      <a:font script="Orya" typeface="Kalinga"/>
+      <a:font script="Mlym" typeface="Kartika"/>
+      <a:font script="Laoo" typeface="DokChampa"/>
+      <a:font script="Sinh" typeface="Iskoola Pota"/>
+      <a:font script="Mong" typeface="Mongolian Baiti"/>
+      <a:font script="Viet" typeface="Times New Roman"/>
+      <a:font script="Uigh" typeface="Microsoft Uighur"/>
+      <a:font script="Geor" typeface="Sylfaen"/>
+      <a:font script="Armn" typeface="Arial"/>
+      <a:font script="Bugi" typeface="Leelawadee UI"/>
+      <a:font script="Bopo" typeface="Microsoft JhengHei"/>
+      <a:font script="Java" typeface="Javanese Text"/>
+      <a:font script="Lisu" typeface="Segoe UI"/>
+      <a:font script="Mymr" typeface="Myanmar Text"/>
+      <a:font script="Nkoo" typeface="Ebrima"/>
+      <a:font script="Olck" typeface="Nirmala UI"/>
+      <a:font script="Osma" typeface="Ebrima"/>
+      <a:font script="Phag" typeface="Phagspa"/>
+      <a:font script="Syrn" typeface="Estrangelo Edessa"/>
+      <a:font script="Syrj" typeface="Estrangelo Edessa"/>
+      <a:font script="Syre" typeface="Estrangelo Edessa"/>
+      <a:font script="Sora" typeface="Nirmala UI"/>
+      <a:font script="Tale" typeface="Microsoft Tai Le"/>
+      <a:font script="Talu" typeface="Microsoft New Tai Lue"/>
+      <a:font script="Tfng" typeface="Ebrima"/>
+    </a:majorFont>
+    <a:minorFont>
+      <a:latin typeface="Calibri" panose="020F0502020204030204"/>
+      <a:ea typeface=""/>
+      <a:cs typeface=""/>
+      <a:font script="Jpan" typeface="游ゴシック"/>
+      <a:font script="Hang" typeface="맑은 고딕"/>
+      <a:font script="Hans" typeface="等线"/>
+      <a:font script="Hant" typeface="新細明體"/>
+      <a:font script="Arab" typeface="Arial"/>
+      <a:font script="Hebr" typeface="Arial"/>
+      <a:font script="Thai" typeface="Tahoma"/>
+      <a:font script="Ethi" typeface="Nyala"/>
+      <a:font script="Beng" typeface="Vrinda"/>
+      <a:font script="Gujr" typeface="Shruti"/>
+      <a:font script="Khmr" typeface="DaunPenh"/>
+      <a:font script="Knda" typeface="Tunga"/>
+      <a:font script="Guru" typeface="Raavi"/>
+      <a:font script="Cans" typeface="Euphemia"/>
+      <a:font script="Cher" typeface="Plantagenet Cherokee"/>
+      <a:font script="Yiii" typeface="Microsoft Yi Baiti"/>
+      <a:font script="Tibt" typeface="Microsoft Himalaya"/>
+      <a:font script="Thaa" typeface="MV Boli"/>
+      <a:font script="Deva" typeface="Mangal"/>
+      <a:font script="Telu" typeface="Gautami"/>
+      <a:font script="Taml" typeface="Latha"/>
+      <a:font script="Syrc" typeface="Estrangelo Edessa"/>
+      <a:font script="Orya" typeface="Kalinga"/>
+      <a:font script="Mlym" typeface="Kartika"/>
+      <a:font script="Laoo" typeface="DokChampa"/>
+      <a:font script="Sinh" typeface="Iskoola Pota"/>
+      <a:font script="Mong" typeface="Mongolian Baiti"/>
+      <a:font script="Viet" typeface="Arial"/>
+      <a:font script="Uigh" typeface="Microsoft Uighur"/>
+      <a:font script="Geor" typeface="Sylfaen"/>
+      <a:font script="Armn" typeface="Arial"/>
+      <a:font script="Bugi" typeface="Leelawadee UI"/>
+      <a:font script="Bopo" typeface="Microsoft JhengHei"/>
+      <a:font script="Java" typeface="Javanese Text"/>
+      <a:font script="Lisu" typeface="Segoe UI"/>
+      <a:font script="Mymr" typeface="Myanmar Text"/>
+      <a:font script="Nkoo" typeface="Ebrima"/>
+      <a:font script="Olck" typeface="Nirmala UI"/>
+      <a:font script="Osma" typeface="Ebrima"/>
+      <a:font script="Phag" typeface="Phagspa"/>
+      <a:font script="Syrn" typeface="Estrangelo Edessa"/>
+      <a:font script="Syrj" typeface="Estrangelo Edessa"/>
+      <a:font script="Syre" typeface="Estrangelo Edessa"/>
+      <a:font script="Sora" typeface="Nirmala UI"/>
+      <a:font script="Tale" typeface="Microsoft Tai Le"/>
+      <a:font script="Talu" typeface="Microsoft New Tai Lue"/>
+      <a:font script="Tfng" typeface="Ebrima"/>
+    </a:minorFont>
+  </a:fontScheme>
+  <a:fmtScheme name="Office">
+    <a:fillStyleLst>
+      <a:solidFill>
+        <a:schemeClr val="phClr"/>
+      </a:solidFill>
+      <a:gradFill rotWithShape="1">
+        <a:gsLst>
+          <a:gs pos="0">
+            <a:schemeClr val="phClr">
+              <a:lumMod val="110000"/>
+              <a:satMod val="105000"/>
+              <a:tint val="67000"/>
+            </a:schemeClr>
+          </a:gs>
+          <a:gs pos="50000">
+            <a:schemeClr val="phClr">
+              <a:lumMod val="105000"/>
+              <a:satMod val="103000"/>
+              <a:tint val="73000"/>
+            </a:schemeClr>
+          </a:gs>
+          <a:gs pos="100000">
+            <a:schemeClr val="phClr">
+              <a:lumMod val="105000"/>
+              <a:satMod val="109000"/>
+              <a:tint val="81000"/>
+            </a:schemeClr>
+          </a:gs>
+        </a:gsLst>
+        <a:lin ang="5400000" scaled="0"/>
+      </a:gradFill>
+      <a:gradFill rotWithShape="1">
+        <a:gsLst>
+          <a:gs pos="0">
+            <a:schemeClr val="phClr">
+              <a:satMod val="103000"/>
+              <a:lumMod val="102000"/>
+              <a:tint val="94000"/>
+            </a:schemeClr>
+          </a:gs>
+          <a:gs pos="50000">
+            <a:schemeClr val="phClr">
+              <a:satMod val="110000"/>
+              <a:lumMod val="100000"/>
+              <a:shade val="100000"/>
+            </a:schemeClr>
+          </a:gs>
+          <a:gs pos="100000">
+            <a:schemeClr val="phClr">
+              <a:lumMod val="99000"/>
+              <a:satMod val="120000"/>
+              <a:shade val="78000"/>
+            </a:schemeClr>
+          </a:gs>
+        </a:gsLst>
+        <a:lin ang="5400000" scaled="0"/>
+      </a:gradFill>
+    </a:fillStyleLst>
+    <a:lnStyleLst>
+      <a:ln w="6350" cap="flat" cmpd="sng" algn="ctr">
+        <a:solidFill>
+          <a:schemeClr val="phClr"/>
+        </a:solidFill>
+        <a:prstDash val="solid"/>
+        <a:miter lim="800000"/>
+      </a:ln>
+      <a:ln w="12700" cap="flat" cmpd="sng" algn="ctr">
+        <a:solidFill>
+          <a:schemeClr val="phClr"/>
+        </a:solidFill>
+        <a:prstDash val="solid"/>
+        <a:miter lim="800000"/>
+      </a:ln>
+      <a:ln w="19050" cap="flat" cmpd="sng" algn="ctr">
+        <a:solidFill>
+          <a:schemeClr val="phClr"/>
+        </a:solidFill>
+        <a:prstDash val="solid"/>
+        <a:miter lim="800000"/>
+      </a:ln>
+    </a:lnStyleLst>
+    <a:effectStyleLst>
+      <a:effectStyle>
+        <a:effectLst/>
+      </a:effectStyle>
+      <a:effectStyle>
+        <a:effectLst/>
+      </a:effectStyle>
+      <a:effectStyle>
+        <a:effectLst>
+          <a:outerShdw blurRad="57150" dist="19050" dir="5400000" algn="ctr" rotWithShape="0">
+            <a:srgbClr val="000000">
+              <a:alpha val="63000"/>
+            </a:srgbClr>
+          </a:outerShdw>
+        </a:effectLst>
+      </a:effectStyle>
+    </a:effectStyleLst>
+    <a:bgFillStyleLst>
+      <a:solidFill>
+        <a:schemeClr val="phClr"/>
+      </a:solidFill>
+      <a:solidFill>
+        <a:schemeClr val="phClr">
+          <a:tint val="95000"/>
+          <a:satMod val="170000"/>
+        </a:schemeClr>
+      </a:solidFill>
+      <a:gradFill rotWithShape="1">
+        <a:gsLst>
+          <a:gs pos="0">
+            <a:schemeClr val="phClr">
+              <a:tint val="93000"/>
+              <a:satMod val="150000"/>
+              <a:shade val="98000"/>
+              <a:lumMod val="102000"/>
+            </a:schemeClr>
+          </a:gs>
+          <a:gs pos="50000">
+            <a:schemeClr val="phClr">
+              <a:tint val="98000"/>
+              <a:satMod val="130000"/>
+              <a:shade val="90000"/>
+              <a:lumMod val="103000"/>
+            </a:schemeClr>
+          </a:gs>
+          <a:gs pos="100000">
+            <a:schemeClr val="phClr">
+              <a:shade val="63000"/>
+              <a:satMod val="120000"/>
+            </a:schemeClr>
+          </a:gs>
+        </a:gsLst>
+        <a:lin ang="5400000" scaled="0"/>
+      </a:gradFill>
+    </a:bgFillStyleLst>
+  </a:fmtScheme>
+</a:themeOverride>
 </file>